--- a/documents/Sample Workflow Dependency.pptx
+++ b/documents/Sample Workflow Dependency.pptx
@@ -6,9 +6,8 @@
   </p:sldMasterIdLst>
   <p:sldIdLst>
     <p:sldId id="259" r:id="rId2"/>
-    <p:sldId id="258" r:id="rId3"/>
-    <p:sldId id="261" r:id="rId4"/>
-    <p:sldId id="262" r:id="rId5"/>
+    <p:sldId id="261" r:id="rId3"/>
+    <p:sldId id="262" r:id="rId4"/>
   </p:sldIdLst>
   <p:sldSz cx="18288000" cy="9144000"/>
   <p:notesSz cx="6858000" cy="9144000"/>
@@ -246,7 +245,7 @@
           <a:p>
             <a:fld id="{CB8393A8-4562-4F50-B742-6E29655ED728}" type="datetimeFigureOut">
               <a:rPr lang="en-US" smtClean="0"/>
-              <a:t>4/16/2021</a:t>
+              <a:t>5/25/2021</a:t>
             </a:fld>
             <a:endParaRPr lang="en-US"/>
           </a:p>
@@ -416,7 +415,7 @@
           <a:p>
             <a:fld id="{CB8393A8-4562-4F50-B742-6E29655ED728}" type="datetimeFigureOut">
               <a:rPr lang="en-US" smtClean="0"/>
-              <a:t>4/16/2021</a:t>
+              <a:t>5/25/2021</a:t>
             </a:fld>
             <a:endParaRPr lang="en-US"/>
           </a:p>
@@ -596,7 +595,7 @@
           <a:p>
             <a:fld id="{CB8393A8-4562-4F50-B742-6E29655ED728}" type="datetimeFigureOut">
               <a:rPr lang="en-US" smtClean="0"/>
-              <a:t>4/16/2021</a:t>
+              <a:t>5/25/2021</a:t>
             </a:fld>
             <a:endParaRPr lang="en-US"/>
           </a:p>
@@ -766,7 +765,7 @@
           <a:p>
             <a:fld id="{CB8393A8-4562-4F50-B742-6E29655ED728}" type="datetimeFigureOut">
               <a:rPr lang="en-US" smtClean="0"/>
-              <a:t>4/16/2021</a:t>
+              <a:t>5/25/2021</a:t>
             </a:fld>
             <a:endParaRPr lang="en-US"/>
           </a:p>
@@ -1012,7 +1011,7 @@
           <a:p>
             <a:fld id="{CB8393A8-4562-4F50-B742-6E29655ED728}" type="datetimeFigureOut">
               <a:rPr lang="en-US" smtClean="0"/>
-              <a:t>4/16/2021</a:t>
+              <a:t>5/25/2021</a:t>
             </a:fld>
             <a:endParaRPr lang="en-US"/>
           </a:p>
@@ -1244,7 +1243,7 @@
           <a:p>
             <a:fld id="{CB8393A8-4562-4F50-B742-6E29655ED728}" type="datetimeFigureOut">
               <a:rPr lang="en-US" smtClean="0"/>
-              <a:t>4/16/2021</a:t>
+              <a:t>5/25/2021</a:t>
             </a:fld>
             <a:endParaRPr lang="en-US"/>
           </a:p>
@@ -1611,7 +1610,7 @@
           <a:p>
             <a:fld id="{CB8393A8-4562-4F50-B742-6E29655ED728}" type="datetimeFigureOut">
               <a:rPr lang="en-US" smtClean="0"/>
-              <a:t>4/16/2021</a:t>
+              <a:t>5/25/2021</a:t>
             </a:fld>
             <a:endParaRPr lang="en-US"/>
           </a:p>
@@ -1729,7 +1728,7 @@
           <a:p>
             <a:fld id="{CB8393A8-4562-4F50-B742-6E29655ED728}" type="datetimeFigureOut">
               <a:rPr lang="en-US" smtClean="0"/>
-              <a:t>4/16/2021</a:t>
+              <a:t>5/25/2021</a:t>
             </a:fld>
             <a:endParaRPr lang="en-US"/>
           </a:p>
@@ -1824,7 +1823,7 @@
           <a:p>
             <a:fld id="{CB8393A8-4562-4F50-B742-6E29655ED728}" type="datetimeFigureOut">
               <a:rPr lang="en-US" smtClean="0"/>
-              <a:t>4/16/2021</a:t>
+              <a:t>5/25/2021</a:t>
             </a:fld>
             <a:endParaRPr lang="en-US"/>
           </a:p>
@@ -2101,7 +2100,7 @@
           <a:p>
             <a:fld id="{CB8393A8-4562-4F50-B742-6E29655ED728}" type="datetimeFigureOut">
               <a:rPr lang="en-US" smtClean="0"/>
-              <a:t>4/16/2021</a:t>
+              <a:t>5/25/2021</a:t>
             </a:fld>
             <a:endParaRPr lang="en-US"/>
           </a:p>
@@ -2358,7 +2357,7 @@
           <a:p>
             <a:fld id="{CB8393A8-4562-4F50-B742-6E29655ED728}" type="datetimeFigureOut">
               <a:rPr lang="en-US" smtClean="0"/>
-              <a:t>4/16/2021</a:t>
+              <a:t>5/25/2021</a:t>
             </a:fld>
             <a:endParaRPr lang="en-US"/>
           </a:p>
@@ -2571,7 +2570,7 @@
           <a:p>
             <a:fld id="{CB8393A8-4562-4F50-B742-6E29655ED728}" type="datetimeFigureOut">
               <a:rPr lang="en-US" smtClean="0"/>
-              <a:t>4/16/2021</a:t>
+              <a:t>5/25/2021</a:t>
             </a:fld>
             <a:endParaRPr lang="en-US"/>
           </a:p>
@@ -2976,6 +2975,56 @@
           <a:chExt cx="0" cy="0"/>
         </a:xfrm>
       </p:grpSpPr>
+      <p:sp>
+        <p:nvSpPr>
+          <p:cNvPr id="2" name="Rounded Rectangle 1"/>
+          <p:cNvSpPr/>
+          <p:nvPr/>
+        </p:nvSpPr>
+        <p:spPr>
+          <a:xfrm>
+            <a:off x="6112042" y="1672389"/>
+            <a:ext cx="6112042" cy="5859379"/>
+          </a:xfrm>
+          <a:prstGeom prst="roundRect">
+            <a:avLst/>
+          </a:prstGeom>
+          <a:solidFill>
+            <a:schemeClr val="bg1">
+              <a:lumMod val="85000"/>
+            </a:schemeClr>
+          </a:solidFill>
+          <a:ln>
+            <a:solidFill>
+              <a:schemeClr val="tx1"/>
+            </a:solidFill>
+          </a:ln>
+        </p:spPr>
+        <p:style>
+          <a:lnRef idx="2">
+            <a:schemeClr val="accent3">
+              <a:shade val="50000"/>
+            </a:schemeClr>
+          </a:lnRef>
+          <a:fillRef idx="1">
+            <a:schemeClr val="accent3"/>
+          </a:fillRef>
+          <a:effectRef idx="0">
+            <a:schemeClr val="accent3"/>
+          </a:effectRef>
+          <a:fontRef idx="minor">
+            <a:schemeClr val="lt1"/>
+          </a:fontRef>
+        </p:style>
+        <p:txBody>
+          <a:bodyPr rtlCol="0" anchor="ctr"/>
+          <a:lstStyle/>
+          <a:p>
+            <a:pPr algn="ctr"/>
+            <a:endParaRPr lang="en-US"/>
+          </a:p>
+        </p:txBody>
+      </p:sp>
       <p:grpSp>
         <p:nvGrpSpPr>
           <p:cNvPr id="75" name="Group 74"/>
@@ -4028,5460 +4077,6 @@
 </file>
 
 <file path=ppt/slides/slide2.xml><?xml version="1.0" encoding="utf-8"?>
-<p:sld xmlns:a="http://schemas.openxmlformats.org/drawingml/2006/main" xmlns:r="http://schemas.openxmlformats.org/officeDocument/2006/relationships" xmlns:p="http://schemas.openxmlformats.org/presentationml/2006/main">
-  <p:cSld>
-    <p:spTree>
-      <p:nvGrpSpPr>
-        <p:cNvPr id="1" name=""/>
-        <p:cNvGrpSpPr/>
-        <p:nvPr/>
-      </p:nvGrpSpPr>
-      <p:grpSpPr>
-        <a:xfrm>
-          <a:off x="0" y="0"/>
-          <a:ext cx="0" cy="0"/>
-          <a:chOff x="0" y="0"/>
-          <a:chExt cx="0" cy="0"/>
-        </a:xfrm>
-      </p:grpSpPr>
-      <p:grpSp>
-        <p:nvGrpSpPr>
-          <p:cNvPr id="3" name="Group 2"/>
-          <p:cNvGrpSpPr/>
-          <p:nvPr/>
-        </p:nvGrpSpPr>
-        <p:grpSpPr>
-          <a:xfrm>
-            <a:off x="541895" y="7786171"/>
-            <a:ext cx="2859669" cy="1123447"/>
-            <a:chOff x="9666836" y="1194950"/>
-            <a:chExt cx="2859669" cy="1123447"/>
-          </a:xfrm>
-        </p:grpSpPr>
-        <p:sp>
-          <p:nvSpPr>
-            <p:cNvPr id="203" name="Rectangle 202"/>
-            <p:cNvSpPr/>
-            <p:nvPr/>
-          </p:nvSpPr>
-          <p:spPr>
-            <a:xfrm>
-              <a:off x="9666836" y="1194950"/>
-              <a:ext cx="2859669" cy="1123447"/>
-            </a:xfrm>
-            <a:prstGeom prst="rect">
-              <a:avLst/>
-            </a:prstGeom>
-          </p:spPr>
-          <p:style>
-            <a:lnRef idx="2">
-              <a:schemeClr val="dk1"/>
-            </a:lnRef>
-            <a:fillRef idx="1">
-              <a:schemeClr val="lt1"/>
-            </a:fillRef>
-            <a:effectRef idx="0">
-              <a:schemeClr val="dk1"/>
-            </a:effectRef>
-            <a:fontRef idx="minor">
-              <a:schemeClr val="dk1"/>
-            </a:fontRef>
-          </p:style>
-          <p:txBody>
-            <a:bodyPr rtlCol="0" anchor="ctr"/>
-            <a:lstStyle/>
-            <a:p>
-              <a:pPr algn="ctr"/>
-              <a:endParaRPr lang="en-US" sz="2034"/>
-            </a:p>
-          </p:txBody>
-        </p:sp>
-        <p:sp>
-          <p:nvSpPr>
-            <p:cNvPr id="217" name="Rounded Rectangle 216"/>
-            <p:cNvSpPr/>
-            <p:nvPr/>
-          </p:nvSpPr>
-          <p:spPr>
-            <a:xfrm>
-              <a:off x="10463710" y="1307431"/>
-              <a:ext cx="1287124" cy="277638"/>
-            </a:xfrm>
-            <a:prstGeom prst="roundRect">
-              <a:avLst/>
-            </a:prstGeom>
-            <a:solidFill>
-              <a:schemeClr val="accent4">
-                <a:lumMod val="20000"/>
-                <a:lumOff val="80000"/>
-              </a:schemeClr>
-            </a:solidFill>
-            <a:ln>
-              <a:solidFill>
-                <a:schemeClr val="accent6">
-                  <a:lumMod val="50000"/>
-                </a:schemeClr>
-              </a:solidFill>
-            </a:ln>
-          </p:spPr>
-          <p:style>
-            <a:lnRef idx="2">
-              <a:schemeClr val="accent1">
-                <a:shade val="50000"/>
-              </a:schemeClr>
-            </a:lnRef>
-            <a:fillRef idx="1">
-              <a:schemeClr val="accent1"/>
-            </a:fillRef>
-            <a:effectRef idx="0">
-              <a:schemeClr val="accent1"/>
-            </a:effectRef>
-            <a:fontRef idx="minor">
-              <a:schemeClr val="lt1"/>
-            </a:fontRef>
-          </p:style>
-          <p:txBody>
-            <a:bodyPr rtlCol="0" anchor="ctr"/>
-            <a:lstStyle/>
-            <a:p>
-              <a:pPr algn="ctr"/>
-              <a:r>
-                <a:rPr lang="en-US" sz="1200" dirty="0">
-                  <a:solidFill>
-                    <a:schemeClr val="tx1"/>
-                  </a:solidFill>
-                </a:rPr>
-                <a:t>In development</a:t>
-              </a:r>
-            </a:p>
-          </p:txBody>
-        </p:sp>
-        <p:sp>
-          <p:nvSpPr>
-            <p:cNvPr id="218" name="Rounded Rectangle 217"/>
-            <p:cNvSpPr/>
-            <p:nvPr/>
-          </p:nvSpPr>
-          <p:spPr>
-            <a:xfrm>
-              <a:off x="9760519" y="1641383"/>
-              <a:ext cx="1280683" cy="261062"/>
-            </a:xfrm>
-            <a:prstGeom prst="roundRect">
-              <a:avLst/>
-            </a:prstGeom>
-            <a:solidFill>
-              <a:schemeClr val="accent6">
-                <a:lumMod val="20000"/>
-                <a:lumOff val="80000"/>
-              </a:schemeClr>
-            </a:solidFill>
-            <a:ln>
-              <a:solidFill>
-                <a:schemeClr val="accent6">
-                  <a:lumMod val="50000"/>
-                </a:schemeClr>
-              </a:solidFill>
-            </a:ln>
-          </p:spPr>
-          <p:style>
-            <a:lnRef idx="2">
-              <a:schemeClr val="accent1">
-                <a:shade val="50000"/>
-              </a:schemeClr>
-            </a:lnRef>
-            <a:fillRef idx="1">
-              <a:schemeClr val="accent1"/>
-            </a:fillRef>
-            <a:effectRef idx="0">
-              <a:schemeClr val="accent1"/>
-            </a:effectRef>
-            <a:fontRef idx="minor">
-              <a:schemeClr val="lt1"/>
-            </a:fontRef>
-          </p:style>
-          <p:txBody>
-            <a:bodyPr rtlCol="0" anchor="ctr"/>
-            <a:lstStyle/>
-            <a:p>
-              <a:pPr algn="ctr"/>
-              <a:r>
-                <a:rPr lang="en-US" sz="1200" dirty="0">
-                  <a:solidFill>
-                    <a:schemeClr val="tx1"/>
-                  </a:solidFill>
-                </a:rPr>
-                <a:t>Input\ output</a:t>
-              </a:r>
-            </a:p>
-          </p:txBody>
-        </p:sp>
-        <p:sp>
-          <p:nvSpPr>
-            <p:cNvPr id="219" name="Rounded Rectangle 218"/>
-            <p:cNvSpPr/>
-            <p:nvPr/>
-          </p:nvSpPr>
-          <p:spPr>
-            <a:xfrm>
-              <a:off x="11116167" y="1669292"/>
-              <a:ext cx="1289979" cy="228413"/>
-            </a:xfrm>
-            <a:prstGeom prst="roundRect">
-              <a:avLst/>
-            </a:prstGeom>
-            <a:solidFill>
-              <a:schemeClr val="accent1">
-                <a:lumMod val="20000"/>
-                <a:lumOff val="80000"/>
-              </a:schemeClr>
-            </a:solidFill>
-          </p:spPr>
-          <p:style>
-            <a:lnRef idx="2">
-              <a:schemeClr val="accent1">
-                <a:shade val="50000"/>
-              </a:schemeClr>
-            </a:lnRef>
-            <a:fillRef idx="1">
-              <a:schemeClr val="accent1"/>
-            </a:fillRef>
-            <a:effectRef idx="0">
-              <a:schemeClr val="accent1"/>
-            </a:effectRef>
-            <a:fontRef idx="minor">
-              <a:schemeClr val="lt1"/>
-            </a:fontRef>
-          </p:style>
-          <p:txBody>
-            <a:bodyPr rtlCol="0" anchor="ctr"/>
-            <a:lstStyle/>
-            <a:p>
-              <a:pPr algn="ctr"/>
-              <a:r>
-                <a:rPr lang="en-US" sz="1200" dirty="0" err="1">
-                  <a:solidFill>
-                    <a:schemeClr val="tx1"/>
-                  </a:solidFill>
-                </a:rPr>
-                <a:t>matlab</a:t>
-              </a:r>
-              <a:endParaRPr lang="en-US" sz="1200" dirty="0">
-                <a:solidFill>
-                  <a:schemeClr val="tx1"/>
-                </a:solidFill>
-              </a:endParaRPr>
-            </a:p>
-          </p:txBody>
-        </p:sp>
-        <p:sp>
-          <p:nvSpPr>
-            <p:cNvPr id="220" name="Rounded Rectangle 219"/>
-            <p:cNvSpPr/>
-            <p:nvPr/>
-          </p:nvSpPr>
-          <p:spPr>
-            <a:xfrm>
-              <a:off x="9771501" y="2002820"/>
-              <a:ext cx="1264514" cy="203813"/>
-            </a:xfrm>
-            <a:prstGeom prst="roundRect">
-              <a:avLst/>
-            </a:prstGeom>
-            <a:solidFill>
-              <a:schemeClr val="accent3">
-                <a:lumMod val="40000"/>
-                <a:lumOff val="60000"/>
-              </a:schemeClr>
-            </a:solidFill>
-            <a:ln>
-              <a:solidFill>
-                <a:schemeClr val="accent1">
-                  <a:lumMod val="75000"/>
-                </a:schemeClr>
-              </a:solidFill>
-            </a:ln>
-          </p:spPr>
-          <p:style>
-            <a:lnRef idx="2">
-              <a:schemeClr val="accent1">
-                <a:shade val="50000"/>
-              </a:schemeClr>
-            </a:lnRef>
-            <a:fillRef idx="1">
-              <a:schemeClr val="accent1"/>
-            </a:fillRef>
-            <a:effectRef idx="0">
-              <a:schemeClr val="accent1"/>
-            </a:effectRef>
-            <a:fontRef idx="minor">
-              <a:schemeClr val="lt1"/>
-            </a:fontRef>
-          </p:style>
-          <p:txBody>
-            <a:bodyPr rtlCol="0" anchor="ctr"/>
-            <a:lstStyle/>
-            <a:p>
-              <a:pPr algn="ctr"/>
-              <a:r>
-                <a:rPr lang="en-US" sz="1200" dirty="0" err="1">
-                  <a:solidFill>
-                    <a:schemeClr val="tx1"/>
-                  </a:solidFill>
-                </a:rPr>
-                <a:t>Powershell</a:t>
-              </a:r>
-              <a:endParaRPr lang="en-US" sz="1200" dirty="0">
-                <a:solidFill>
-                  <a:schemeClr val="tx1"/>
-                </a:solidFill>
-              </a:endParaRPr>
-            </a:p>
-          </p:txBody>
-        </p:sp>
-        <p:sp>
-          <p:nvSpPr>
-            <p:cNvPr id="221" name="Rounded Rectangle 220"/>
-            <p:cNvSpPr/>
-            <p:nvPr/>
-          </p:nvSpPr>
-          <p:spPr>
-            <a:xfrm>
-              <a:off x="11117576" y="1972343"/>
-              <a:ext cx="1280683" cy="234289"/>
-            </a:xfrm>
-            <a:prstGeom prst="roundRect">
-              <a:avLst/>
-            </a:prstGeom>
-            <a:solidFill>
-              <a:schemeClr val="accent2">
-                <a:lumMod val="20000"/>
-                <a:lumOff val="80000"/>
-              </a:schemeClr>
-            </a:solidFill>
-          </p:spPr>
-          <p:style>
-            <a:lnRef idx="2">
-              <a:schemeClr val="accent1">
-                <a:shade val="50000"/>
-              </a:schemeClr>
-            </a:lnRef>
-            <a:fillRef idx="1">
-              <a:schemeClr val="accent1"/>
-            </a:fillRef>
-            <a:effectRef idx="0">
-              <a:schemeClr val="accent1"/>
-            </a:effectRef>
-            <a:fontRef idx="minor">
-              <a:schemeClr val="lt1"/>
-            </a:fontRef>
-          </p:style>
-          <p:txBody>
-            <a:bodyPr rtlCol="0" anchor="ctr"/>
-            <a:lstStyle/>
-            <a:p>
-              <a:pPr algn="ctr"/>
-              <a:r>
-                <a:rPr lang="en-US" sz="1200" dirty="0">
-                  <a:solidFill>
-                    <a:schemeClr val="tx1"/>
-                  </a:solidFill>
-                </a:rPr>
-                <a:t>Python</a:t>
-              </a:r>
-            </a:p>
-          </p:txBody>
-        </p:sp>
-      </p:grpSp>
-      <p:sp>
-        <p:nvSpPr>
-          <p:cNvPr id="65" name="Rounded Rectangle 64"/>
-          <p:cNvSpPr/>
-          <p:nvPr/>
-        </p:nvSpPr>
-        <p:spPr>
-          <a:xfrm>
-            <a:off x="11811703" y="4573327"/>
-            <a:ext cx="1389260" cy="361051"/>
-          </a:xfrm>
-          <a:prstGeom prst="roundRect">
-            <a:avLst/>
-          </a:prstGeom>
-          <a:solidFill>
-            <a:schemeClr val="accent1">
-              <a:lumMod val="20000"/>
-              <a:lumOff val="80000"/>
-            </a:schemeClr>
-          </a:solidFill>
-        </p:spPr>
-        <p:style>
-          <a:lnRef idx="2">
-            <a:schemeClr val="accent1">
-              <a:shade val="50000"/>
-            </a:schemeClr>
-          </a:lnRef>
-          <a:fillRef idx="1">
-            <a:schemeClr val="accent1"/>
-          </a:fillRef>
-          <a:effectRef idx="0">
-            <a:schemeClr val="accent1"/>
-          </a:effectRef>
-          <a:fontRef idx="minor">
-            <a:schemeClr val="lt1"/>
-          </a:fontRef>
-        </p:style>
-        <p:txBody>
-          <a:bodyPr rtlCol="0" anchor="ctr"/>
-          <a:lstStyle/>
-          <a:p>
-            <a:pPr algn="ctr"/>
-            <a:r>
-              <a:rPr lang="en-US" sz="1200" dirty="0">
-                <a:solidFill>
-                  <a:schemeClr val="tx1"/>
-                </a:solidFill>
-              </a:rPr>
-              <a:t>31.deepzoom</a:t>
-            </a:r>
-          </a:p>
-        </p:txBody>
-      </p:sp>
-      <p:cxnSp>
-        <p:nvCxnSpPr>
-          <p:cNvPr id="67" name="Curved Connector 66"/>
-          <p:cNvCxnSpPr>
-            <a:stCxn id="59" idx="3"/>
-            <a:endCxn id="65" idx="1"/>
-          </p:cNvCxnSpPr>
-          <p:nvPr/>
-        </p:nvCxnSpPr>
-        <p:spPr>
-          <a:xfrm>
-            <a:off x="10949396" y="4528292"/>
-            <a:ext cx="862307" cy="225561"/>
-          </a:xfrm>
-          <a:prstGeom prst="curvedConnector3">
-            <a:avLst>
-              <a:gd name="adj1" fmla="val 50000"/>
-            </a:avLst>
-          </a:prstGeom>
-          <a:ln>
-            <a:tailEnd type="triangle"/>
-          </a:ln>
-        </p:spPr>
-        <p:style>
-          <a:lnRef idx="1">
-            <a:schemeClr val="accent1"/>
-          </a:lnRef>
-          <a:fillRef idx="0">
-            <a:schemeClr val="accent1"/>
-          </a:fillRef>
-          <a:effectRef idx="0">
-            <a:schemeClr val="accent1"/>
-          </a:effectRef>
-          <a:fontRef idx="minor">
-            <a:schemeClr val="tx1"/>
-          </a:fontRef>
-        </p:style>
-      </p:cxnSp>
-      <p:sp>
-        <p:nvSpPr>
-          <p:cNvPr id="68" name="Rounded Rectangle 67"/>
-          <p:cNvSpPr/>
-          <p:nvPr/>
-        </p:nvSpPr>
-        <p:spPr>
-          <a:xfrm>
-            <a:off x="12162351" y="5221702"/>
-            <a:ext cx="1389260" cy="361051"/>
-          </a:xfrm>
-          <a:prstGeom prst="roundRect">
-            <a:avLst/>
-          </a:prstGeom>
-          <a:solidFill>
-            <a:schemeClr val="accent1">
-              <a:lumMod val="20000"/>
-              <a:lumOff val="80000"/>
-            </a:schemeClr>
-          </a:solidFill>
-        </p:spPr>
-        <p:style>
-          <a:lnRef idx="2">
-            <a:schemeClr val="accent1">
-              <a:shade val="50000"/>
-            </a:schemeClr>
-          </a:lnRef>
-          <a:fillRef idx="1">
-            <a:schemeClr val="accent1"/>
-          </a:fillRef>
-          <a:effectRef idx="0">
-            <a:schemeClr val="accent1"/>
-          </a:effectRef>
-          <a:fontRef idx="minor">
-            <a:schemeClr val="lt1"/>
-          </a:fontRef>
-        </p:style>
-        <p:txBody>
-          <a:bodyPr rtlCol="0" anchor="ctr"/>
-          <a:lstStyle/>
-          <a:p>
-            <a:pPr algn="ctr"/>
-            <a:r>
-              <a:rPr lang="en-US" sz="1200" dirty="0">
-                <a:solidFill>
-                  <a:schemeClr val="tx1"/>
-                </a:solidFill>
-              </a:rPr>
-              <a:t>32.loadzoom</a:t>
-            </a:r>
-          </a:p>
-        </p:txBody>
-      </p:sp>
-      <p:cxnSp>
-        <p:nvCxnSpPr>
-          <p:cNvPr id="69" name="Curved Connector 68"/>
-          <p:cNvCxnSpPr>
-            <a:stCxn id="65" idx="2"/>
-            <a:endCxn id="68" idx="0"/>
-          </p:cNvCxnSpPr>
-          <p:nvPr/>
-        </p:nvCxnSpPr>
-        <p:spPr>
-          <a:xfrm rot="16200000" flipH="1">
-            <a:off x="12537995" y="4902716"/>
-            <a:ext cx="287324" cy="350648"/>
-          </a:xfrm>
-          <a:prstGeom prst="curvedConnector3">
-            <a:avLst>
-              <a:gd name="adj1" fmla="val 50000"/>
-            </a:avLst>
-          </a:prstGeom>
-          <a:ln>
-            <a:tailEnd type="triangle"/>
-          </a:ln>
-        </p:spPr>
-        <p:style>
-          <a:lnRef idx="1">
-            <a:schemeClr val="accent1"/>
-          </a:lnRef>
-          <a:fillRef idx="0">
-            <a:schemeClr val="accent1"/>
-          </a:fillRef>
-          <a:effectRef idx="0">
-            <a:schemeClr val="accent1"/>
-          </a:effectRef>
-          <a:fontRef idx="minor">
-            <a:schemeClr val="tx1"/>
-          </a:fontRef>
-        </p:style>
-      </p:cxnSp>
-      <p:sp>
-        <p:nvSpPr>
-          <p:cNvPr id="70" name="Rounded Rectangle 69"/>
-          <p:cNvSpPr/>
-          <p:nvPr/>
-        </p:nvSpPr>
-        <p:spPr>
-          <a:xfrm>
-            <a:off x="12506333" y="7238363"/>
-            <a:ext cx="1389260" cy="361051"/>
-          </a:xfrm>
-          <a:prstGeom prst="roundRect">
-            <a:avLst/>
-          </a:prstGeom>
-          <a:solidFill>
-            <a:schemeClr val="accent6">
-              <a:lumMod val="40000"/>
-              <a:lumOff val="60000"/>
-            </a:schemeClr>
-          </a:solidFill>
-        </p:spPr>
-        <p:style>
-          <a:lnRef idx="2">
-            <a:schemeClr val="accent1">
-              <a:shade val="50000"/>
-            </a:schemeClr>
-          </a:lnRef>
-          <a:fillRef idx="1">
-            <a:schemeClr val="accent1"/>
-          </a:fillRef>
-          <a:effectRef idx="0">
-            <a:schemeClr val="accent1"/>
-          </a:effectRef>
-          <a:fontRef idx="minor">
-            <a:schemeClr val="lt1"/>
-          </a:fontRef>
-        </p:style>
-        <p:txBody>
-          <a:bodyPr rtlCol="0" anchor="ctr"/>
-          <a:lstStyle/>
-          <a:p>
-            <a:pPr algn="ctr"/>
-            <a:r>
-              <a:rPr lang="en-US" sz="1200" dirty="0">
-                <a:solidFill>
-                  <a:schemeClr val="tx1"/>
-                </a:solidFill>
-              </a:rPr>
-              <a:t>33. </a:t>
-            </a:r>
-            <a:r>
-              <a:rPr lang="en-US" sz="1200" dirty="0" err="1">
-                <a:solidFill>
-                  <a:schemeClr val="tx1"/>
-                </a:solidFill>
-              </a:rPr>
-              <a:t>mergezoom</a:t>
-            </a:r>
-            <a:endParaRPr lang="en-US" sz="1200" dirty="0">
-              <a:solidFill>
-                <a:schemeClr val="tx1"/>
-              </a:solidFill>
-            </a:endParaRPr>
-          </a:p>
-        </p:txBody>
-      </p:sp>
-      <p:cxnSp>
-        <p:nvCxnSpPr>
-          <p:cNvPr id="71" name="Curved Connector 70"/>
-          <p:cNvCxnSpPr>
-            <a:stCxn id="68" idx="2"/>
-            <a:endCxn id="99" idx="0"/>
-          </p:cNvCxnSpPr>
-          <p:nvPr/>
-        </p:nvCxnSpPr>
-        <p:spPr>
-          <a:xfrm rot="5400000">
-            <a:off x="12185960" y="5860966"/>
-            <a:ext cx="949235" cy="392808"/>
-          </a:xfrm>
-          <a:prstGeom prst="curvedConnector3">
-            <a:avLst>
-              <a:gd name="adj1" fmla="val 50000"/>
-            </a:avLst>
-          </a:prstGeom>
-          <a:ln>
-            <a:tailEnd type="triangle"/>
-          </a:ln>
-        </p:spPr>
-        <p:style>
-          <a:lnRef idx="1">
-            <a:schemeClr val="accent1"/>
-          </a:lnRef>
-          <a:fillRef idx="0">
-            <a:schemeClr val="accent1"/>
-          </a:fillRef>
-          <a:effectRef idx="0">
-            <a:schemeClr val="accent1"/>
-          </a:effectRef>
-          <a:fontRef idx="minor">
-            <a:schemeClr val="tx1"/>
-          </a:fontRef>
-        </p:style>
-      </p:cxnSp>
-      <p:sp>
-        <p:nvSpPr>
-          <p:cNvPr id="50" name="Rounded Rectangle 49"/>
-          <p:cNvSpPr/>
-          <p:nvPr/>
-        </p:nvSpPr>
-        <p:spPr>
-          <a:xfrm>
-            <a:off x="6800134" y="719526"/>
-            <a:ext cx="1389260" cy="361051"/>
-          </a:xfrm>
-          <a:prstGeom prst="roundRect">
-            <a:avLst/>
-          </a:prstGeom>
-          <a:solidFill>
-            <a:schemeClr val="accent6">
-              <a:lumMod val="20000"/>
-              <a:lumOff val="80000"/>
-            </a:schemeClr>
-          </a:solidFill>
-          <a:ln>
-            <a:solidFill>
-              <a:schemeClr val="accent6">
-                <a:lumMod val="50000"/>
-              </a:schemeClr>
-            </a:solidFill>
-          </a:ln>
-        </p:spPr>
-        <p:style>
-          <a:lnRef idx="2">
-            <a:schemeClr val="accent1">
-              <a:shade val="50000"/>
-            </a:schemeClr>
-          </a:lnRef>
-          <a:fillRef idx="1">
-            <a:schemeClr val="accent1"/>
-          </a:fillRef>
-          <a:effectRef idx="0">
-            <a:schemeClr val="accent1"/>
-          </a:effectRef>
-          <a:fontRef idx="minor">
-            <a:schemeClr val="lt1"/>
-          </a:fontRef>
-        </p:style>
-        <p:txBody>
-          <a:bodyPr rtlCol="0" anchor="ctr"/>
-          <a:lstStyle/>
-          <a:p>
-            <a:pPr algn="ctr"/>
-            <a:r>
-              <a:rPr lang="en-US" sz="1200" dirty="0">
-                <a:solidFill>
-                  <a:schemeClr val="tx1"/>
-                </a:solidFill>
-              </a:rPr>
-              <a:t>6.im3</a:t>
-            </a:r>
-          </a:p>
-        </p:txBody>
-      </p:sp>
-      <p:sp>
-        <p:nvSpPr>
-          <p:cNvPr id="54" name="Rounded Rectangle 53"/>
-          <p:cNvSpPr/>
-          <p:nvPr/>
-        </p:nvSpPr>
-        <p:spPr>
-          <a:xfrm>
-            <a:off x="8875481" y="3701979"/>
-            <a:ext cx="1389260" cy="361051"/>
-          </a:xfrm>
-          <a:prstGeom prst="roundRect">
-            <a:avLst/>
-          </a:prstGeom>
-          <a:solidFill>
-            <a:schemeClr val="accent2">
-              <a:lumMod val="20000"/>
-              <a:lumOff val="80000"/>
-            </a:schemeClr>
-          </a:solidFill>
-        </p:spPr>
-        <p:style>
-          <a:lnRef idx="2">
-            <a:schemeClr val="accent1">
-              <a:shade val="50000"/>
-            </a:schemeClr>
-          </a:lnRef>
-          <a:fillRef idx="1">
-            <a:schemeClr val="accent1"/>
-          </a:fillRef>
-          <a:effectRef idx="0">
-            <a:schemeClr val="accent1"/>
-          </a:effectRef>
-          <a:fontRef idx="minor">
-            <a:schemeClr val="lt1"/>
-          </a:fontRef>
-        </p:style>
-        <p:txBody>
-          <a:bodyPr rtlCol="0" anchor="ctr"/>
-          <a:lstStyle/>
-          <a:p>
-            <a:pPr algn="ctr"/>
-            <a:r>
-              <a:rPr lang="en-US" sz="1200" dirty="0">
-                <a:solidFill>
-                  <a:schemeClr val="tx1"/>
-                </a:solidFill>
-              </a:rPr>
-              <a:t>19.align</a:t>
-            </a:r>
-          </a:p>
-        </p:txBody>
-      </p:sp>
-      <p:sp>
-        <p:nvSpPr>
-          <p:cNvPr id="55" name="Rounded Rectangle 54"/>
-          <p:cNvSpPr/>
-          <p:nvPr/>
-        </p:nvSpPr>
-        <p:spPr>
-          <a:xfrm>
-            <a:off x="8815578" y="1458119"/>
-            <a:ext cx="1389260" cy="361051"/>
-          </a:xfrm>
-          <a:prstGeom prst="roundRect">
-            <a:avLst/>
-          </a:prstGeom>
-          <a:solidFill>
-            <a:schemeClr val="accent6">
-              <a:lumMod val="20000"/>
-              <a:lumOff val="80000"/>
-            </a:schemeClr>
-          </a:solidFill>
-        </p:spPr>
-        <p:style>
-          <a:lnRef idx="2">
-            <a:schemeClr val="accent1">
-              <a:shade val="50000"/>
-            </a:schemeClr>
-          </a:lnRef>
-          <a:fillRef idx="1">
-            <a:schemeClr val="accent1"/>
-          </a:fillRef>
-          <a:effectRef idx="0">
-            <a:schemeClr val="accent1"/>
-          </a:effectRef>
-          <a:fontRef idx="minor">
-            <a:schemeClr val="lt1"/>
-          </a:fontRef>
-        </p:style>
-        <p:txBody>
-          <a:bodyPr rtlCol="0" anchor="ctr"/>
-          <a:lstStyle/>
-          <a:p>
-            <a:pPr algn="ctr"/>
-            <a:r>
-              <a:rPr lang="en-US" sz="1200" dirty="0">
-                <a:solidFill>
-                  <a:schemeClr val="tx1"/>
-                </a:solidFill>
-              </a:rPr>
-              <a:t>8.polygons</a:t>
-            </a:r>
-          </a:p>
-        </p:txBody>
-      </p:sp>
-      <p:sp>
-        <p:nvSpPr>
-          <p:cNvPr id="56" name="Rounded Rectangle 55"/>
-          <p:cNvSpPr/>
-          <p:nvPr/>
-        </p:nvSpPr>
-        <p:spPr>
-          <a:xfrm>
-            <a:off x="10412467" y="5077939"/>
-            <a:ext cx="1389260" cy="361051"/>
-          </a:xfrm>
-          <a:prstGeom prst="roundRect">
-            <a:avLst/>
-          </a:prstGeom>
-          <a:solidFill>
-            <a:schemeClr val="accent1">
-              <a:lumMod val="20000"/>
-              <a:lumOff val="80000"/>
-            </a:schemeClr>
-          </a:solidFill>
-        </p:spPr>
-        <p:style>
-          <a:lnRef idx="2">
-            <a:schemeClr val="accent1">
-              <a:shade val="50000"/>
-            </a:schemeClr>
-          </a:lnRef>
-          <a:fillRef idx="1">
-            <a:schemeClr val="accent1"/>
-          </a:fillRef>
-          <a:effectRef idx="0">
-            <a:schemeClr val="accent1"/>
-          </a:effectRef>
-          <a:fontRef idx="minor">
-            <a:schemeClr val="lt1"/>
-          </a:fontRef>
-        </p:style>
-        <p:txBody>
-          <a:bodyPr rtlCol="0" anchor="ctr"/>
-          <a:lstStyle/>
-          <a:p>
-            <a:pPr algn="ctr"/>
-            <a:r>
-              <a:rPr lang="en-US" sz="1200" dirty="0">
-                <a:solidFill>
-                  <a:schemeClr val="tx1"/>
-                </a:solidFill>
-              </a:rPr>
-              <a:t>21.annowarp</a:t>
-            </a:r>
-          </a:p>
-        </p:txBody>
-      </p:sp>
-      <p:sp>
-        <p:nvSpPr>
-          <p:cNvPr id="57" name="Rounded Rectangle 56"/>
-          <p:cNvSpPr/>
-          <p:nvPr/>
-        </p:nvSpPr>
-        <p:spPr>
-          <a:xfrm>
-            <a:off x="9858495" y="2817982"/>
-            <a:ext cx="1389260" cy="361051"/>
-          </a:xfrm>
-          <a:prstGeom prst="roundRect">
-            <a:avLst/>
-          </a:prstGeom>
-          <a:solidFill>
-            <a:schemeClr val="accent1">
-              <a:lumMod val="20000"/>
-              <a:lumOff val="80000"/>
-            </a:schemeClr>
-          </a:solidFill>
-        </p:spPr>
-        <p:style>
-          <a:lnRef idx="2">
-            <a:schemeClr val="accent1">
-              <a:shade val="50000"/>
-            </a:schemeClr>
-          </a:lnRef>
-          <a:fillRef idx="1">
-            <a:schemeClr val="accent1"/>
-          </a:fillRef>
-          <a:effectRef idx="0">
-            <a:schemeClr val="accent1"/>
-          </a:effectRef>
-          <a:fontRef idx="minor">
-            <a:schemeClr val="lt1"/>
-          </a:fontRef>
-        </p:style>
-        <p:txBody>
-          <a:bodyPr rtlCol="0" anchor="ctr"/>
-          <a:lstStyle/>
-          <a:p>
-            <a:pPr algn="ctr"/>
-            <a:r>
-              <a:rPr lang="en-US" sz="1200" dirty="0">
-                <a:solidFill>
-                  <a:schemeClr val="tx1"/>
-                </a:solidFill>
-              </a:rPr>
-              <a:t>11.prepdb</a:t>
-            </a:r>
-          </a:p>
-        </p:txBody>
-      </p:sp>
-      <p:sp>
-        <p:nvSpPr>
-          <p:cNvPr id="59" name="Rounded Rectangle 58"/>
-          <p:cNvSpPr/>
-          <p:nvPr/>
-        </p:nvSpPr>
-        <p:spPr>
-          <a:xfrm>
-            <a:off x="9560136" y="4347766"/>
-            <a:ext cx="1389260" cy="361051"/>
-          </a:xfrm>
-          <a:prstGeom prst="roundRect">
-            <a:avLst/>
-          </a:prstGeom>
-          <a:solidFill>
-            <a:schemeClr val="accent2">
-              <a:lumMod val="20000"/>
-              <a:lumOff val="80000"/>
-            </a:schemeClr>
-          </a:solidFill>
-        </p:spPr>
-        <p:style>
-          <a:lnRef idx="2">
-            <a:schemeClr val="accent1">
-              <a:shade val="50000"/>
-            </a:schemeClr>
-          </a:lnRef>
-          <a:fillRef idx="1">
-            <a:schemeClr val="accent1"/>
-          </a:fillRef>
-          <a:effectRef idx="0">
-            <a:schemeClr val="accent1"/>
-          </a:effectRef>
-          <a:fontRef idx="minor">
-            <a:schemeClr val="lt1"/>
-          </a:fontRef>
-        </p:style>
-        <p:txBody>
-          <a:bodyPr rtlCol="0" anchor="ctr"/>
-          <a:lstStyle/>
-          <a:p>
-            <a:pPr algn="ctr"/>
-            <a:r>
-              <a:rPr lang="en-US" sz="1200" dirty="0">
-                <a:solidFill>
-                  <a:schemeClr val="tx1"/>
-                </a:solidFill>
-              </a:rPr>
-              <a:t>20.zoom</a:t>
-            </a:r>
-          </a:p>
-        </p:txBody>
-      </p:sp>
-      <p:cxnSp>
-        <p:nvCxnSpPr>
-          <p:cNvPr id="60" name="Curved Connector 59"/>
-          <p:cNvCxnSpPr>
-            <a:stCxn id="50" idx="2"/>
-            <a:endCxn id="116" idx="0"/>
-          </p:cNvCxnSpPr>
-          <p:nvPr/>
-        </p:nvCxnSpPr>
-        <p:spPr>
-          <a:xfrm rot="5400000">
-            <a:off x="6299645" y="289492"/>
-            <a:ext cx="404035" cy="1986205"/>
-          </a:xfrm>
-          <a:prstGeom prst="curvedConnector3">
-            <a:avLst>
-              <a:gd name="adj1" fmla="val 50000"/>
-            </a:avLst>
-          </a:prstGeom>
-          <a:ln>
-            <a:tailEnd type="triangle"/>
-          </a:ln>
-        </p:spPr>
-        <p:style>
-          <a:lnRef idx="1">
-            <a:schemeClr val="accent1"/>
-          </a:lnRef>
-          <a:fillRef idx="0">
-            <a:schemeClr val="accent1"/>
-          </a:fillRef>
-          <a:effectRef idx="0">
-            <a:schemeClr val="accent1"/>
-          </a:effectRef>
-          <a:fontRef idx="minor">
-            <a:schemeClr val="tx1"/>
-          </a:fontRef>
-        </p:style>
-      </p:cxnSp>
-      <p:cxnSp>
-        <p:nvCxnSpPr>
-          <p:cNvPr id="61" name="Curved Connector 60"/>
-          <p:cNvCxnSpPr>
-            <a:stCxn id="116" idx="2"/>
-            <a:endCxn id="230" idx="0"/>
-          </p:cNvCxnSpPr>
-          <p:nvPr/>
-        </p:nvCxnSpPr>
-        <p:spPr>
-          <a:xfrm rot="5400000">
-            <a:off x="5044161" y="2100262"/>
-            <a:ext cx="165648" cy="763148"/>
-          </a:xfrm>
-          <a:prstGeom prst="curvedConnector3">
-            <a:avLst>
-              <a:gd name="adj1" fmla="val 50000"/>
-            </a:avLst>
-          </a:prstGeom>
-          <a:ln>
-            <a:tailEnd type="triangle"/>
-          </a:ln>
-        </p:spPr>
-        <p:style>
-          <a:lnRef idx="1">
-            <a:schemeClr val="accent1"/>
-          </a:lnRef>
-          <a:fillRef idx="0">
-            <a:schemeClr val="accent1"/>
-          </a:fillRef>
-          <a:effectRef idx="0">
-            <a:schemeClr val="accent1"/>
-          </a:effectRef>
-          <a:fontRef idx="minor">
-            <a:schemeClr val="tx1"/>
-          </a:fontRef>
-        </p:style>
-      </p:cxnSp>
-      <p:cxnSp>
-        <p:nvCxnSpPr>
-          <p:cNvPr id="62" name="Curved Connector 61"/>
-          <p:cNvCxnSpPr>
-            <a:stCxn id="150" idx="3"/>
-            <a:endCxn id="57" idx="1"/>
-          </p:cNvCxnSpPr>
-          <p:nvPr/>
-        </p:nvCxnSpPr>
-        <p:spPr>
-          <a:xfrm flipV="1">
-            <a:off x="6045673" y="2998508"/>
-            <a:ext cx="3812822" cy="627906"/>
-          </a:xfrm>
-          <a:prstGeom prst="curvedConnector3">
-            <a:avLst>
-              <a:gd name="adj1" fmla="val 50000"/>
-            </a:avLst>
-          </a:prstGeom>
-          <a:ln>
-            <a:tailEnd type="triangle"/>
-          </a:ln>
-        </p:spPr>
-        <p:style>
-          <a:lnRef idx="1">
-            <a:schemeClr val="accent1"/>
-          </a:lnRef>
-          <a:fillRef idx="0">
-            <a:schemeClr val="accent1"/>
-          </a:fillRef>
-          <a:effectRef idx="0">
-            <a:schemeClr val="accent1"/>
-          </a:effectRef>
-          <a:fontRef idx="minor">
-            <a:schemeClr val="tx1"/>
-          </a:fontRef>
-        </p:style>
-      </p:cxnSp>
-      <p:cxnSp>
-        <p:nvCxnSpPr>
-          <p:cNvPr id="63" name="Curved Connector 62"/>
-          <p:cNvCxnSpPr>
-            <a:stCxn id="55" idx="2"/>
-            <a:endCxn id="57" idx="0"/>
-          </p:cNvCxnSpPr>
-          <p:nvPr/>
-        </p:nvCxnSpPr>
-        <p:spPr>
-          <a:xfrm rot="16200000" flipH="1">
-            <a:off x="9532260" y="1797117"/>
-            <a:ext cx="998812" cy="1042917"/>
-          </a:xfrm>
-          <a:prstGeom prst="curvedConnector3">
-            <a:avLst/>
-          </a:prstGeom>
-          <a:ln>
-            <a:tailEnd type="triangle"/>
-          </a:ln>
-        </p:spPr>
-        <p:style>
-          <a:lnRef idx="1">
-            <a:schemeClr val="accent1"/>
-          </a:lnRef>
-          <a:fillRef idx="0">
-            <a:schemeClr val="accent1"/>
-          </a:fillRef>
-          <a:effectRef idx="0">
-            <a:schemeClr val="accent1"/>
-          </a:effectRef>
-          <a:fontRef idx="minor">
-            <a:schemeClr val="tx1"/>
-          </a:fontRef>
-        </p:style>
-      </p:cxnSp>
-      <p:cxnSp>
-        <p:nvCxnSpPr>
-          <p:cNvPr id="76" name="Curved Connector 75"/>
-          <p:cNvCxnSpPr>
-            <a:stCxn id="150" idx="3"/>
-            <a:endCxn id="54" idx="1"/>
-          </p:cNvCxnSpPr>
-          <p:nvPr/>
-        </p:nvCxnSpPr>
-        <p:spPr>
-          <a:xfrm>
-            <a:off x="6045673" y="3626414"/>
-            <a:ext cx="2829808" cy="256091"/>
-          </a:xfrm>
-          <a:prstGeom prst="curvedConnector3">
-            <a:avLst>
-              <a:gd name="adj1" fmla="val 50000"/>
-            </a:avLst>
-          </a:prstGeom>
-          <a:ln>
-            <a:tailEnd type="triangle"/>
-          </a:ln>
-        </p:spPr>
-        <p:style>
-          <a:lnRef idx="1">
-            <a:schemeClr val="accent1"/>
-          </a:lnRef>
-          <a:fillRef idx="0">
-            <a:schemeClr val="accent1"/>
-          </a:fillRef>
-          <a:effectRef idx="0">
-            <a:schemeClr val="accent1"/>
-          </a:effectRef>
-          <a:fontRef idx="minor">
-            <a:schemeClr val="tx1"/>
-          </a:fontRef>
-        </p:style>
-      </p:cxnSp>
-      <p:cxnSp>
-        <p:nvCxnSpPr>
-          <p:cNvPr id="77" name="Curved Connector 76"/>
-          <p:cNvCxnSpPr>
-            <a:stCxn id="57" idx="2"/>
-            <a:endCxn id="54" idx="0"/>
-          </p:cNvCxnSpPr>
-          <p:nvPr/>
-        </p:nvCxnSpPr>
-        <p:spPr>
-          <a:xfrm rot="5400000">
-            <a:off x="9800145" y="2948999"/>
-            <a:ext cx="522946" cy="983014"/>
-          </a:xfrm>
-          <a:prstGeom prst="curvedConnector3">
-            <a:avLst/>
-          </a:prstGeom>
-          <a:ln>
-            <a:tailEnd type="triangle"/>
-          </a:ln>
-        </p:spPr>
-        <p:style>
-          <a:lnRef idx="1">
-            <a:schemeClr val="accent1"/>
-          </a:lnRef>
-          <a:fillRef idx="0">
-            <a:schemeClr val="accent1"/>
-          </a:fillRef>
-          <a:effectRef idx="0">
-            <a:schemeClr val="accent1"/>
-          </a:effectRef>
-          <a:fontRef idx="minor">
-            <a:schemeClr val="tx1"/>
-          </a:fontRef>
-        </p:style>
-      </p:cxnSp>
-      <p:cxnSp>
-        <p:nvCxnSpPr>
-          <p:cNvPr id="78" name="Curved Connector 77"/>
-          <p:cNvCxnSpPr>
-            <a:stCxn id="54" idx="2"/>
-            <a:endCxn id="59" idx="0"/>
-          </p:cNvCxnSpPr>
-          <p:nvPr/>
-        </p:nvCxnSpPr>
-        <p:spPr>
-          <a:xfrm rot="16200000" flipH="1">
-            <a:off x="9770070" y="3863070"/>
-            <a:ext cx="284736" cy="684655"/>
-          </a:xfrm>
-          <a:prstGeom prst="curvedConnector3">
-            <a:avLst>
-              <a:gd name="adj1" fmla="val 50000"/>
-            </a:avLst>
-          </a:prstGeom>
-          <a:ln>
-            <a:tailEnd type="triangle"/>
-          </a:ln>
-        </p:spPr>
-        <p:style>
-          <a:lnRef idx="1">
-            <a:schemeClr val="accent1"/>
-          </a:lnRef>
-          <a:fillRef idx="0">
-            <a:schemeClr val="accent1"/>
-          </a:fillRef>
-          <a:effectRef idx="0">
-            <a:schemeClr val="accent1"/>
-          </a:effectRef>
-          <a:fontRef idx="minor">
-            <a:schemeClr val="tx1"/>
-          </a:fontRef>
-        </p:style>
-      </p:cxnSp>
-      <p:cxnSp>
-        <p:nvCxnSpPr>
-          <p:cNvPr id="79" name="Curved Connector 78"/>
-          <p:cNvCxnSpPr>
-            <a:stCxn id="57" idx="2"/>
-            <a:endCxn id="56" idx="0"/>
-          </p:cNvCxnSpPr>
-          <p:nvPr/>
-        </p:nvCxnSpPr>
-        <p:spPr>
-          <a:xfrm rot="16200000" flipH="1">
-            <a:off x="9880658" y="3851500"/>
-            <a:ext cx="1898906" cy="553972"/>
-          </a:xfrm>
-          <a:prstGeom prst="curvedConnector3">
-            <a:avLst/>
-          </a:prstGeom>
-          <a:ln>
-            <a:tailEnd type="triangle"/>
-          </a:ln>
-        </p:spPr>
-        <p:style>
-          <a:lnRef idx="1">
-            <a:schemeClr val="accent1"/>
-          </a:lnRef>
-          <a:fillRef idx="0">
-            <a:schemeClr val="accent1"/>
-          </a:fillRef>
-          <a:effectRef idx="0">
-            <a:schemeClr val="accent1"/>
-          </a:effectRef>
-          <a:fontRef idx="minor">
-            <a:schemeClr val="tx1"/>
-          </a:fontRef>
-        </p:style>
-      </p:cxnSp>
-      <p:cxnSp>
-        <p:nvCxnSpPr>
-          <p:cNvPr id="80" name="Curved Connector 79"/>
-          <p:cNvCxnSpPr>
-            <a:stCxn id="59" idx="2"/>
-            <a:endCxn id="56" idx="0"/>
-          </p:cNvCxnSpPr>
-          <p:nvPr/>
-        </p:nvCxnSpPr>
-        <p:spPr>
-          <a:xfrm rot="16200000" flipH="1">
-            <a:off x="10496370" y="4467212"/>
-            <a:ext cx="369122" cy="852331"/>
-          </a:xfrm>
-          <a:prstGeom prst="curvedConnector3">
-            <a:avLst>
-              <a:gd name="adj1" fmla="val 50000"/>
-            </a:avLst>
-          </a:prstGeom>
-          <a:ln>
-            <a:tailEnd type="triangle"/>
-          </a:ln>
-        </p:spPr>
-        <p:style>
-          <a:lnRef idx="1">
-            <a:schemeClr val="accent1"/>
-          </a:lnRef>
-          <a:fillRef idx="0">
-            <a:schemeClr val="accent1"/>
-          </a:fillRef>
-          <a:effectRef idx="0">
-            <a:schemeClr val="accent1"/>
-          </a:effectRef>
-          <a:fontRef idx="minor">
-            <a:schemeClr val="tx1"/>
-          </a:fontRef>
-        </p:style>
-      </p:cxnSp>
-      <p:sp>
-        <p:nvSpPr>
-          <p:cNvPr id="81" name="Rounded Rectangle 80"/>
-          <p:cNvSpPr/>
-          <p:nvPr/>
-        </p:nvSpPr>
-        <p:spPr>
-          <a:xfrm>
-            <a:off x="10054841" y="7144939"/>
-            <a:ext cx="1389260" cy="361051"/>
-          </a:xfrm>
-          <a:prstGeom prst="roundRect">
-            <a:avLst/>
-          </a:prstGeom>
-          <a:solidFill>
-            <a:schemeClr val="accent1">
-              <a:lumMod val="20000"/>
-              <a:lumOff val="80000"/>
-            </a:schemeClr>
-          </a:solidFill>
-        </p:spPr>
-        <p:style>
-          <a:lnRef idx="2">
-            <a:schemeClr val="accent1">
-              <a:shade val="50000"/>
-            </a:schemeClr>
-          </a:lnRef>
-          <a:fillRef idx="1">
-            <a:schemeClr val="accent1"/>
-          </a:fillRef>
-          <a:effectRef idx="0">
-            <a:schemeClr val="accent1"/>
-          </a:effectRef>
-          <a:fontRef idx="minor">
-            <a:schemeClr val="lt1"/>
-          </a:fontRef>
-        </p:style>
-        <p:txBody>
-          <a:bodyPr rtlCol="0" anchor="ctr"/>
-          <a:lstStyle/>
-          <a:p>
-            <a:pPr algn="ctr"/>
-            <a:r>
-              <a:rPr lang="en-US" sz="1200" dirty="0">
-                <a:solidFill>
-                  <a:schemeClr val="tx1"/>
-                </a:solidFill>
-              </a:rPr>
-              <a:t>23.dbload</a:t>
-            </a:r>
-          </a:p>
-        </p:txBody>
-      </p:sp>
-      <p:sp>
-        <p:nvSpPr>
-          <p:cNvPr id="82" name="Rounded Rectangle 81"/>
-          <p:cNvSpPr/>
-          <p:nvPr/>
-        </p:nvSpPr>
-        <p:spPr>
-          <a:xfrm>
-            <a:off x="8625007" y="6659170"/>
-            <a:ext cx="1389260" cy="361051"/>
-          </a:xfrm>
-          <a:prstGeom prst="roundRect">
-            <a:avLst/>
-          </a:prstGeom>
-          <a:solidFill>
-            <a:schemeClr val="accent1">
-              <a:lumMod val="20000"/>
-              <a:lumOff val="80000"/>
-            </a:schemeClr>
-          </a:solidFill>
-        </p:spPr>
-        <p:style>
-          <a:lnRef idx="2">
-            <a:schemeClr val="accent1">
-              <a:shade val="50000"/>
-            </a:schemeClr>
-          </a:lnRef>
-          <a:fillRef idx="1">
-            <a:schemeClr val="accent1"/>
-          </a:fillRef>
-          <a:effectRef idx="0">
-            <a:schemeClr val="accent1"/>
-          </a:effectRef>
-          <a:fontRef idx="minor">
-            <a:schemeClr val="lt1"/>
-          </a:fontRef>
-        </p:style>
-        <p:txBody>
-          <a:bodyPr rtlCol="0" anchor="ctr"/>
-          <a:lstStyle/>
-          <a:p>
-            <a:pPr algn="ctr"/>
-            <a:r>
-              <a:rPr lang="en-US" sz="1200" dirty="0">
-                <a:solidFill>
-                  <a:schemeClr val="tx1"/>
-                </a:solidFill>
-              </a:rPr>
-              <a:t>17.csvscan</a:t>
-            </a:r>
-          </a:p>
-        </p:txBody>
-      </p:sp>
-      <p:sp>
-        <p:nvSpPr>
-          <p:cNvPr id="83" name="Rounded Rectangle 82"/>
-          <p:cNvSpPr/>
-          <p:nvPr/>
-        </p:nvSpPr>
-        <p:spPr>
-          <a:xfrm>
-            <a:off x="7624144" y="6022827"/>
-            <a:ext cx="1389260" cy="361051"/>
-          </a:xfrm>
-          <a:prstGeom prst="roundRect">
-            <a:avLst/>
-          </a:prstGeom>
-          <a:solidFill>
-            <a:schemeClr val="accent1">
-              <a:lumMod val="20000"/>
-              <a:lumOff val="80000"/>
-            </a:schemeClr>
-          </a:solidFill>
-        </p:spPr>
-        <p:style>
-          <a:lnRef idx="2">
-            <a:schemeClr val="accent1">
-              <a:shade val="50000"/>
-            </a:schemeClr>
-          </a:lnRef>
-          <a:fillRef idx="1">
-            <a:schemeClr val="accent1"/>
-          </a:fillRef>
-          <a:effectRef idx="0">
-            <a:schemeClr val="accent1"/>
-          </a:effectRef>
-          <a:fontRef idx="minor">
-            <a:schemeClr val="lt1"/>
-          </a:fontRef>
-        </p:style>
-        <p:txBody>
-          <a:bodyPr rtlCol="0" anchor="ctr"/>
-          <a:lstStyle/>
-          <a:p>
-            <a:pPr algn="ctr"/>
-            <a:r>
-              <a:rPr lang="en-US" sz="1200" dirty="0">
-                <a:solidFill>
-                  <a:schemeClr val="tx1"/>
-                </a:solidFill>
-              </a:rPr>
-              <a:t>16.geomcell</a:t>
-            </a:r>
-          </a:p>
-        </p:txBody>
-      </p:sp>
-      <p:sp>
-        <p:nvSpPr>
-          <p:cNvPr id="85" name="Rounded Rectangle 84"/>
-          <p:cNvSpPr/>
-          <p:nvPr/>
-        </p:nvSpPr>
-        <p:spPr>
-          <a:xfrm>
-            <a:off x="9817411" y="5961623"/>
-            <a:ext cx="1389260" cy="361051"/>
-          </a:xfrm>
-          <a:prstGeom prst="roundRect">
-            <a:avLst/>
-          </a:prstGeom>
-          <a:solidFill>
-            <a:schemeClr val="accent1">
-              <a:lumMod val="20000"/>
-              <a:lumOff val="80000"/>
-            </a:schemeClr>
-          </a:solidFill>
-        </p:spPr>
-        <p:style>
-          <a:lnRef idx="2">
-            <a:schemeClr val="accent1">
-              <a:shade val="50000"/>
-            </a:schemeClr>
-          </a:lnRef>
-          <a:fillRef idx="1">
-            <a:schemeClr val="accent1"/>
-          </a:fillRef>
-          <a:effectRef idx="0">
-            <a:schemeClr val="accent1"/>
-          </a:effectRef>
-          <a:fontRef idx="minor">
-            <a:schemeClr val="lt1"/>
-          </a:fontRef>
-        </p:style>
-        <p:txBody>
-          <a:bodyPr rtlCol="0" anchor="ctr"/>
-          <a:lstStyle/>
-          <a:p>
-            <a:pPr algn="ctr"/>
-            <a:r>
-              <a:rPr lang="en-US" sz="1200" dirty="0">
-                <a:solidFill>
-                  <a:schemeClr val="tx1"/>
-                </a:solidFill>
-              </a:rPr>
-              <a:t>22.geom</a:t>
-            </a:r>
-          </a:p>
-        </p:txBody>
-      </p:sp>
-      <p:cxnSp>
-        <p:nvCxnSpPr>
-          <p:cNvPr id="86" name="Curved Connector 85"/>
-          <p:cNvCxnSpPr>
-            <a:stCxn id="150" idx="2"/>
-            <a:endCxn id="510" idx="0"/>
-          </p:cNvCxnSpPr>
-          <p:nvPr/>
-        </p:nvCxnSpPr>
-        <p:spPr>
-          <a:xfrm rot="5400000">
-            <a:off x="3724812" y="3258897"/>
-            <a:ext cx="413977" cy="2065849"/>
-          </a:xfrm>
-          <a:prstGeom prst="curvedConnector3">
-            <a:avLst>
-              <a:gd name="adj1" fmla="val 50000"/>
-            </a:avLst>
-          </a:prstGeom>
-          <a:ln>
-            <a:tailEnd type="triangle"/>
-          </a:ln>
-        </p:spPr>
-        <p:style>
-          <a:lnRef idx="1">
-            <a:schemeClr val="accent1"/>
-          </a:lnRef>
-          <a:fillRef idx="0">
-            <a:schemeClr val="accent1"/>
-          </a:fillRef>
-          <a:effectRef idx="0">
-            <a:schemeClr val="accent1"/>
-          </a:effectRef>
-          <a:fontRef idx="minor">
-            <a:schemeClr val="tx1"/>
-          </a:fontRef>
-        </p:style>
-      </p:cxnSp>
-      <p:cxnSp>
-        <p:nvCxnSpPr>
-          <p:cNvPr id="93" name="Curved Connector 92"/>
-          <p:cNvCxnSpPr>
-            <a:stCxn id="278" idx="3"/>
-            <a:endCxn id="104" idx="1"/>
-          </p:cNvCxnSpPr>
-          <p:nvPr/>
-        </p:nvCxnSpPr>
-        <p:spPr>
-          <a:xfrm>
-            <a:off x="5251351" y="5232059"/>
-            <a:ext cx="327419" cy="235932"/>
-          </a:xfrm>
-          <a:prstGeom prst="curvedConnector3">
-            <a:avLst>
-              <a:gd name="adj1" fmla="val 50000"/>
-            </a:avLst>
-          </a:prstGeom>
-          <a:ln>
-            <a:tailEnd type="triangle"/>
-          </a:ln>
-        </p:spPr>
-        <p:style>
-          <a:lnRef idx="1">
-            <a:schemeClr val="accent1"/>
-          </a:lnRef>
-          <a:fillRef idx="0">
-            <a:schemeClr val="accent1"/>
-          </a:fillRef>
-          <a:effectRef idx="0">
-            <a:schemeClr val="accent1"/>
-          </a:effectRef>
-          <a:fontRef idx="minor">
-            <a:schemeClr val="tx1"/>
-          </a:fontRef>
-        </p:style>
-      </p:cxnSp>
-      <p:cxnSp>
-        <p:nvCxnSpPr>
-          <p:cNvPr id="94" name="Curved Connector 93"/>
-          <p:cNvCxnSpPr>
-            <a:stCxn id="56" idx="2"/>
-            <a:endCxn id="85" idx="0"/>
-          </p:cNvCxnSpPr>
-          <p:nvPr/>
-        </p:nvCxnSpPr>
-        <p:spPr>
-          <a:xfrm rot="5400000">
-            <a:off x="10548253" y="5402778"/>
-            <a:ext cx="522633" cy="595056"/>
-          </a:xfrm>
-          <a:prstGeom prst="curvedConnector3">
-            <a:avLst/>
-          </a:prstGeom>
-          <a:ln>
-            <a:tailEnd type="triangle"/>
-          </a:ln>
-        </p:spPr>
-        <p:style>
-          <a:lnRef idx="1">
-            <a:schemeClr val="accent1"/>
-          </a:lnRef>
-          <a:fillRef idx="0">
-            <a:schemeClr val="accent1"/>
-          </a:fillRef>
-          <a:effectRef idx="0">
-            <a:schemeClr val="accent1"/>
-          </a:effectRef>
-          <a:fontRef idx="minor">
-            <a:schemeClr val="tx1"/>
-          </a:fontRef>
-        </p:style>
-      </p:cxnSp>
-      <p:cxnSp>
-        <p:nvCxnSpPr>
-          <p:cNvPr id="96" name="Curved Connector 95"/>
-          <p:cNvCxnSpPr>
-            <a:stCxn id="83" idx="3"/>
-            <a:endCxn id="82" idx="0"/>
-          </p:cNvCxnSpPr>
-          <p:nvPr/>
-        </p:nvCxnSpPr>
-        <p:spPr>
-          <a:xfrm>
-            <a:off x="9013404" y="6203353"/>
-            <a:ext cx="306233" cy="455817"/>
-          </a:xfrm>
-          <a:prstGeom prst="curvedConnector2">
-            <a:avLst/>
-          </a:prstGeom>
-          <a:ln>
-            <a:tailEnd type="triangle"/>
-          </a:ln>
-        </p:spPr>
-        <p:style>
-          <a:lnRef idx="1">
-            <a:schemeClr val="accent1"/>
-          </a:lnRef>
-          <a:fillRef idx="0">
-            <a:schemeClr val="accent1"/>
-          </a:fillRef>
-          <a:effectRef idx="0">
-            <a:schemeClr val="accent1"/>
-          </a:effectRef>
-          <a:fontRef idx="minor">
-            <a:schemeClr val="tx1"/>
-          </a:fontRef>
-        </p:style>
-      </p:cxnSp>
-      <p:cxnSp>
-        <p:nvCxnSpPr>
-          <p:cNvPr id="97" name="Curved Connector 96"/>
-          <p:cNvCxnSpPr>
-            <a:stCxn id="85" idx="1"/>
-            <a:endCxn id="82" idx="0"/>
-          </p:cNvCxnSpPr>
-          <p:nvPr/>
-        </p:nvCxnSpPr>
-        <p:spPr>
-          <a:xfrm rot="10800000" flipV="1">
-            <a:off x="9319637" y="6142148"/>
-            <a:ext cx="497774" cy="517021"/>
-          </a:xfrm>
-          <a:prstGeom prst="curvedConnector2">
-            <a:avLst/>
-          </a:prstGeom>
-          <a:ln>
-            <a:tailEnd type="triangle"/>
-          </a:ln>
-        </p:spPr>
-        <p:style>
-          <a:lnRef idx="1">
-            <a:schemeClr val="accent1"/>
-          </a:lnRef>
-          <a:fillRef idx="0">
-            <a:schemeClr val="accent1"/>
-          </a:fillRef>
-          <a:effectRef idx="0">
-            <a:schemeClr val="accent1"/>
-          </a:effectRef>
-          <a:fontRef idx="minor">
-            <a:schemeClr val="tx1"/>
-          </a:fontRef>
-        </p:style>
-      </p:cxnSp>
-      <p:cxnSp>
-        <p:nvCxnSpPr>
-          <p:cNvPr id="98" name="Curved Connector 97"/>
-          <p:cNvCxnSpPr>
-            <a:stCxn id="82" idx="2"/>
-            <a:endCxn id="81" idx="1"/>
-          </p:cNvCxnSpPr>
-          <p:nvPr/>
-        </p:nvCxnSpPr>
-        <p:spPr>
-          <a:xfrm rot="16200000" flipH="1">
-            <a:off x="9534617" y="6805241"/>
-            <a:ext cx="305244" cy="735204"/>
-          </a:xfrm>
-          <a:prstGeom prst="curvedConnector2">
-            <a:avLst/>
-          </a:prstGeom>
-          <a:ln>
-            <a:tailEnd type="triangle"/>
-          </a:ln>
-        </p:spPr>
-        <p:style>
-          <a:lnRef idx="1">
-            <a:schemeClr val="accent1"/>
-          </a:lnRef>
-          <a:fillRef idx="0">
-            <a:schemeClr val="accent1"/>
-          </a:fillRef>
-          <a:effectRef idx="0">
-            <a:schemeClr val="accent1"/>
-          </a:effectRef>
-          <a:fontRef idx="minor">
-            <a:schemeClr val="tx1"/>
-          </a:fontRef>
-        </p:style>
-      </p:cxnSp>
-      <p:sp>
-        <p:nvSpPr>
-          <p:cNvPr id="99" name="Rounded Rectangle 98"/>
-          <p:cNvSpPr/>
-          <p:nvPr/>
-        </p:nvSpPr>
-        <p:spPr>
-          <a:xfrm>
-            <a:off x="11769543" y="6531988"/>
-            <a:ext cx="1389260" cy="361051"/>
-          </a:xfrm>
-          <a:prstGeom prst="roundRect">
-            <a:avLst/>
-          </a:prstGeom>
-          <a:solidFill>
-            <a:schemeClr val="accent6">
-              <a:lumMod val="40000"/>
-              <a:lumOff val="60000"/>
-            </a:schemeClr>
-          </a:solidFill>
-        </p:spPr>
-        <p:style>
-          <a:lnRef idx="2">
-            <a:schemeClr val="accent1">
-              <a:shade val="50000"/>
-            </a:schemeClr>
-          </a:lnRef>
-          <a:fillRef idx="1">
-            <a:schemeClr val="accent1"/>
-          </a:fillRef>
-          <a:effectRef idx="0">
-            <a:schemeClr val="accent1"/>
-          </a:effectRef>
-          <a:fontRef idx="minor">
-            <a:schemeClr val="lt1"/>
-          </a:fontRef>
-        </p:style>
-        <p:txBody>
-          <a:bodyPr rtlCol="0" anchor="ctr"/>
-          <a:lstStyle/>
-          <a:p>
-            <a:pPr algn="ctr"/>
-            <a:r>
-              <a:rPr lang="en-US" sz="1200" dirty="0" err="1">
-                <a:solidFill>
-                  <a:schemeClr val="tx1"/>
-                </a:solidFill>
-              </a:rPr>
-              <a:t>SampleDB</a:t>
-            </a:r>
-            <a:endParaRPr lang="en-US" sz="1200" dirty="0">
-              <a:solidFill>
-                <a:schemeClr val="tx1"/>
-              </a:solidFill>
-            </a:endParaRPr>
-          </a:p>
-        </p:txBody>
-      </p:sp>
-      <p:cxnSp>
-        <p:nvCxnSpPr>
-          <p:cNvPr id="100" name="Curved Connector 99"/>
-          <p:cNvCxnSpPr>
-            <a:stCxn id="81" idx="3"/>
-            <a:endCxn id="99" idx="1"/>
-          </p:cNvCxnSpPr>
-          <p:nvPr/>
-        </p:nvCxnSpPr>
-        <p:spPr>
-          <a:xfrm flipV="1">
-            <a:off x="11444101" y="6712514"/>
-            <a:ext cx="325442" cy="612951"/>
-          </a:xfrm>
-          <a:prstGeom prst="curvedConnector3">
-            <a:avLst>
-              <a:gd name="adj1" fmla="val 50000"/>
-            </a:avLst>
-          </a:prstGeom>
-          <a:ln>
-            <a:tailEnd type="triangle"/>
-          </a:ln>
-        </p:spPr>
-        <p:style>
-          <a:lnRef idx="1">
-            <a:schemeClr val="accent1"/>
-          </a:lnRef>
-          <a:fillRef idx="0">
-            <a:schemeClr val="accent1"/>
-          </a:fillRef>
-          <a:effectRef idx="0">
-            <a:schemeClr val="accent1"/>
-          </a:effectRef>
-          <a:fontRef idx="minor">
-            <a:schemeClr val="tx1"/>
-          </a:fontRef>
-        </p:style>
-      </p:cxnSp>
-      <p:cxnSp>
-        <p:nvCxnSpPr>
-          <p:cNvPr id="102" name="Curved Connector 101"/>
-          <p:cNvCxnSpPr>
-            <a:stCxn id="50" idx="2"/>
-            <a:endCxn id="55" idx="0"/>
-          </p:cNvCxnSpPr>
-          <p:nvPr/>
-        </p:nvCxnSpPr>
-        <p:spPr>
-          <a:xfrm rot="16200000" flipH="1">
-            <a:off x="8313715" y="261626"/>
-            <a:ext cx="377542" cy="2015444"/>
-          </a:xfrm>
-          <a:prstGeom prst="curvedConnector3">
-            <a:avLst>
-              <a:gd name="adj1" fmla="val 50000"/>
-            </a:avLst>
-          </a:prstGeom>
-          <a:ln>
-            <a:tailEnd type="triangle"/>
-          </a:ln>
-        </p:spPr>
-        <p:style>
-          <a:lnRef idx="1">
-            <a:schemeClr val="accent1"/>
-          </a:lnRef>
-          <a:fillRef idx="0">
-            <a:schemeClr val="accent1"/>
-          </a:fillRef>
-          <a:effectRef idx="0">
-            <a:schemeClr val="accent1"/>
-          </a:effectRef>
-          <a:fontRef idx="minor">
-            <a:schemeClr val="tx1"/>
-          </a:fontRef>
-        </p:style>
-      </p:cxnSp>
-      <p:cxnSp>
-        <p:nvCxnSpPr>
-          <p:cNvPr id="103" name="Curved Connector 102"/>
-          <p:cNvCxnSpPr>
-            <a:stCxn id="104" idx="3"/>
-            <a:endCxn id="59" idx="1"/>
-          </p:cNvCxnSpPr>
-          <p:nvPr/>
-        </p:nvCxnSpPr>
-        <p:spPr>
-          <a:xfrm flipV="1">
-            <a:off x="6968030" y="4528292"/>
-            <a:ext cx="2592106" cy="939699"/>
-          </a:xfrm>
-          <a:prstGeom prst="curvedConnector3">
-            <a:avLst>
-              <a:gd name="adj1" fmla="val 50000"/>
-            </a:avLst>
-          </a:prstGeom>
-          <a:ln>
-            <a:tailEnd type="triangle"/>
-          </a:ln>
-        </p:spPr>
-        <p:style>
-          <a:lnRef idx="1">
-            <a:schemeClr val="accent1"/>
-          </a:lnRef>
-          <a:fillRef idx="0">
-            <a:schemeClr val="accent1"/>
-          </a:fillRef>
-          <a:effectRef idx="0">
-            <a:schemeClr val="accent1"/>
-          </a:effectRef>
-          <a:fontRef idx="minor">
-            <a:schemeClr val="tx1"/>
-          </a:fontRef>
-        </p:style>
-      </p:cxnSp>
-      <p:sp>
-        <p:nvSpPr>
-          <p:cNvPr id="104" name="Rounded Rectangle 103"/>
-          <p:cNvSpPr/>
-          <p:nvPr/>
-        </p:nvSpPr>
-        <p:spPr>
-          <a:xfrm>
-            <a:off x="5578770" y="5287465"/>
-            <a:ext cx="1389260" cy="361051"/>
-          </a:xfrm>
-          <a:prstGeom prst="roundRect">
-            <a:avLst/>
-          </a:prstGeom>
-          <a:solidFill>
-            <a:schemeClr val="accent1">
-              <a:lumMod val="20000"/>
-              <a:lumOff val="80000"/>
-            </a:schemeClr>
-          </a:solidFill>
-        </p:spPr>
-        <p:style>
-          <a:lnRef idx="2">
-            <a:schemeClr val="accent1">
-              <a:shade val="50000"/>
-            </a:schemeClr>
-          </a:lnRef>
-          <a:fillRef idx="1">
-            <a:schemeClr val="accent1"/>
-          </a:fillRef>
-          <a:effectRef idx="0">
-            <a:schemeClr val="accent1"/>
-          </a:effectRef>
-          <a:fontRef idx="minor">
-            <a:schemeClr val="lt1"/>
-          </a:fontRef>
-        </p:style>
-        <p:txBody>
-          <a:bodyPr rtlCol="0" anchor="ctr"/>
-          <a:lstStyle/>
-          <a:p>
-            <a:pPr algn="ctr"/>
-            <a:r>
-              <a:rPr lang="en-US" sz="1200" dirty="0">
-                <a:solidFill>
-                  <a:schemeClr val="tx1"/>
-                </a:solidFill>
-              </a:rPr>
-              <a:t>15.Component images &amp; </a:t>
-            </a:r>
-            <a:r>
-              <a:rPr lang="en-US" sz="1200" dirty="0" err="1">
-                <a:solidFill>
-                  <a:schemeClr val="tx1"/>
-                </a:solidFill>
-              </a:rPr>
-              <a:t>segmaps</a:t>
-            </a:r>
-            <a:endParaRPr lang="en-US" sz="1200" dirty="0">
-              <a:solidFill>
-                <a:schemeClr val="tx1"/>
-              </a:solidFill>
-            </a:endParaRPr>
-          </a:p>
-        </p:txBody>
-      </p:sp>
-      <p:cxnSp>
-        <p:nvCxnSpPr>
-          <p:cNvPr id="105" name="Curved Connector 104"/>
-          <p:cNvCxnSpPr>
-            <a:stCxn id="104" idx="2"/>
-            <a:endCxn id="83" idx="0"/>
-          </p:cNvCxnSpPr>
-          <p:nvPr/>
-        </p:nvCxnSpPr>
-        <p:spPr>
-          <a:xfrm rot="16200000" flipH="1">
-            <a:off x="7108932" y="4812984"/>
-            <a:ext cx="374311" cy="2045374"/>
-          </a:xfrm>
-          <a:prstGeom prst="curvedConnector3">
-            <a:avLst>
-              <a:gd name="adj1" fmla="val 50000"/>
-            </a:avLst>
-          </a:prstGeom>
-          <a:ln>
-            <a:tailEnd type="triangle"/>
-          </a:ln>
-        </p:spPr>
-        <p:style>
-          <a:lnRef idx="1">
-            <a:schemeClr val="accent1"/>
-          </a:lnRef>
-          <a:fillRef idx="0">
-            <a:schemeClr val="accent1"/>
-          </a:fillRef>
-          <a:effectRef idx="0">
-            <a:schemeClr val="accent1"/>
-          </a:effectRef>
-          <a:fontRef idx="minor">
-            <a:schemeClr val="tx1"/>
-          </a:fontRef>
-        </p:style>
-      </p:cxnSp>
-      <p:grpSp>
-        <p:nvGrpSpPr>
-          <p:cNvPr id="214" name="Group 213"/>
-          <p:cNvGrpSpPr/>
-          <p:nvPr/>
-        </p:nvGrpSpPr>
-        <p:grpSpPr>
-          <a:xfrm>
-            <a:off x="4609674" y="1484612"/>
-            <a:ext cx="1797770" cy="914400"/>
-            <a:chOff x="3142211" y="746892"/>
-            <a:chExt cx="1797770" cy="914400"/>
-          </a:xfrm>
-        </p:grpSpPr>
-        <p:sp>
-          <p:nvSpPr>
-            <p:cNvPr id="116" name="Rectangle 115"/>
-            <p:cNvSpPr/>
-            <p:nvPr/>
-          </p:nvSpPr>
-          <p:spPr>
-            <a:xfrm>
-              <a:off x="3142211" y="746892"/>
-              <a:ext cx="1797770" cy="914400"/>
-            </a:xfrm>
-            <a:prstGeom prst="rect">
-              <a:avLst/>
-            </a:prstGeom>
-            <a:solidFill>
-              <a:schemeClr val="bg1">
-                <a:lumMod val="95000"/>
-              </a:schemeClr>
-            </a:solidFill>
-          </p:spPr>
-          <p:style>
-            <a:lnRef idx="2">
-              <a:schemeClr val="accent1">
-                <a:shade val="50000"/>
-              </a:schemeClr>
-            </a:lnRef>
-            <a:fillRef idx="1">
-              <a:schemeClr val="accent1"/>
-            </a:fillRef>
-            <a:effectRef idx="0">
-              <a:schemeClr val="accent1"/>
-            </a:effectRef>
-            <a:fontRef idx="minor">
-              <a:schemeClr val="lt1"/>
-            </a:fontRef>
-          </p:style>
-          <p:txBody>
-            <a:bodyPr rtlCol="0" anchor="ctr"/>
-            <a:lstStyle/>
-            <a:p>
-              <a:pPr algn="ctr"/>
-              <a:endParaRPr lang="en-US" sz="2034"/>
-            </a:p>
-          </p:txBody>
-        </p:sp>
-        <p:sp>
-          <p:nvSpPr>
-            <p:cNvPr id="122" name="Rounded Rectangle 121"/>
-            <p:cNvSpPr/>
-            <p:nvPr/>
-          </p:nvSpPr>
-          <p:spPr>
-            <a:xfrm>
-              <a:off x="3339647" y="861793"/>
-              <a:ext cx="1123033" cy="365760"/>
-            </a:xfrm>
-            <a:prstGeom prst="roundRect">
-              <a:avLst/>
-            </a:prstGeom>
-            <a:solidFill>
-              <a:schemeClr val="accent2">
-                <a:lumMod val="20000"/>
-                <a:lumOff val="80000"/>
-              </a:schemeClr>
-            </a:solidFill>
-            <a:ln>
-              <a:solidFill>
-                <a:schemeClr val="accent1">
-                  <a:lumMod val="75000"/>
-                </a:schemeClr>
-              </a:solidFill>
-            </a:ln>
-          </p:spPr>
-          <p:style>
-            <a:lnRef idx="2">
-              <a:schemeClr val="accent1">
-                <a:shade val="50000"/>
-              </a:schemeClr>
-            </a:lnRef>
-            <a:fillRef idx="1">
-              <a:schemeClr val="accent1"/>
-            </a:fillRef>
-            <a:effectRef idx="0">
-              <a:schemeClr val="accent1"/>
-            </a:effectRef>
-            <a:fontRef idx="minor">
-              <a:schemeClr val="lt1"/>
-            </a:fontRef>
-          </p:style>
-          <p:txBody>
-            <a:bodyPr rtlCol="0" anchor="ctr"/>
-            <a:lstStyle/>
-            <a:p>
-              <a:pPr algn="ctr"/>
-              <a:r>
-                <a:rPr lang="en-US" sz="1200" dirty="0">
-                  <a:solidFill>
-                    <a:schemeClr val="tx1"/>
-                  </a:solidFill>
-                </a:rPr>
-                <a:t>3.meanimage</a:t>
-              </a:r>
-            </a:p>
-          </p:txBody>
-        </p:sp>
-        <p:sp>
-          <p:nvSpPr>
-            <p:cNvPr id="129" name="Rounded Rectangle 128"/>
-            <p:cNvSpPr/>
-            <p:nvPr/>
-          </p:nvSpPr>
-          <p:spPr>
-            <a:xfrm>
-              <a:off x="3492047" y="1014193"/>
-              <a:ext cx="1123033" cy="365760"/>
-            </a:xfrm>
-            <a:prstGeom prst="roundRect">
-              <a:avLst/>
-            </a:prstGeom>
-            <a:solidFill>
-              <a:schemeClr val="accent2">
-                <a:lumMod val="20000"/>
-                <a:lumOff val="80000"/>
-              </a:schemeClr>
-            </a:solidFill>
-            <a:ln>
-              <a:solidFill>
-                <a:schemeClr val="accent1">
-                  <a:lumMod val="75000"/>
-                </a:schemeClr>
-              </a:solidFill>
-            </a:ln>
-          </p:spPr>
-          <p:style>
-            <a:lnRef idx="2">
-              <a:schemeClr val="accent1">
-                <a:shade val="50000"/>
-              </a:schemeClr>
-            </a:lnRef>
-            <a:fillRef idx="1">
-              <a:schemeClr val="accent1"/>
-            </a:fillRef>
-            <a:effectRef idx="0">
-              <a:schemeClr val="accent1"/>
-            </a:effectRef>
-            <a:fontRef idx="minor">
-              <a:schemeClr val="lt1"/>
-            </a:fontRef>
-          </p:style>
-          <p:txBody>
-            <a:bodyPr rtlCol="0" anchor="ctr"/>
-            <a:lstStyle/>
-            <a:p>
-              <a:pPr algn="ctr"/>
-              <a:r>
-                <a:rPr lang="en-US" sz="1200" dirty="0">
-                  <a:solidFill>
-                    <a:schemeClr val="tx1"/>
-                  </a:solidFill>
-                </a:rPr>
-                <a:t>3.meanimage</a:t>
-              </a:r>
-            </a:p>
-          </p:txBody>
-        </p:sp>
-        <p:sp>
-          <p:nvSpPr>
-            <p:cNvPr id="130" name="Rounded Rectangle 129"/>
-            <p:cNvSpPr/>
-            <p:nvPr/>
-          </p:nvSpPr>
-          <p:spPr>
-            <a:xfrm>
-              <a:off x="3644447" y="1166593"/>
-              <a:ext cx="1123033" cy="365760"/>
-            </a:xfrm>
-            <a:prstGeom prst="roundRect">
-              <a:avLst/>
-            </a:prstGeom>
-            <a:solidFill>
-              <a:schemeClr val="accent2">
-                <a:lumMod val="20000"/>
-                <a:lumOff val="80000"/>
-              </a:schemeClr>
-            </a:solidFill>
-            <a:ln>
-              <a:solidFill>
-                <a:schemeClr val="accent1">
-                  <a:lumMod val="75000"/>
-                </a:schemeClr>
-              </a:solidFill>
-            </a:ln>
-          </p:spPr>
-          <p:style>
-            <a:lnRef idx="2">
-              <a:schemeClr val="accent1">
-                <a:shade val="50000"/>
-              </a:schemeClr>
-            </a:lnRef>
-            <a:fillRef idx="1">
-              <a:schemeClr val="accent1"/>
-            </a:fillRef>
-            <a:effectRef idx="0">
-              <a:schemeClr val="accent1"/>
-            </a:effectRef>
-            <a:fontRef idx="minor">
-              <a:schemeClr val="lt1"/>
-            </a:fontRef>
-          </p:style>
-          <p:txBody>
-            <a:bodyPr rtlCol="0" anchor="ctr"/>
-            <a:lstStyle/>
-            <a:p>
-              <a:pPr algn="ctr"/>
-              <a:r>
-                <a:rPr lang="en-US" sz="1200" dirty="0">
-                  <a:solidFill>
-                    <a:schemeClr val="tx1"/>
-                  </a:solidFill>
-                </a:rPr>
-                <a:t>7.meanimage</a:t>
-              </a:r>
-            </a:p>
-          </p:txBody>
-        </p:sp>
-      </p:grpSp>
-      <p:grpSp>
-        <p:nvGrpSpPr>
-          <p:cNvPr id="166" name="Group 165"/>
-          <p:cNvGrpSpPr/>
-          <p:nvPr/>
-        </p:nvGrpSpPr>
-        <p:grpSpPr>
-          <a:xfrm>
-            <a:off x="3883774" y="3167994"/>
-            <a:ext cx="2161899" cy="916839"/>
-            <a:chOff x="802189" y="1473001"/>
-            <a:chExt cx="2161899" cy="916839"/>
-          </a:xfrm>
-        </p:grpSpPr>
-        <p:sp>
-          <p:nvSpPr>
-            <p:cNvPr id="150" name="Rectangle 149"/>
-            <p:cNvSpPr/>
-            <p:nvPr/>
-          </p:nvSpPr>
-          <p:spPr>
-            <a:xfrm>
-              <a:off x="802189" y="1473001"/>
-              <a:ext cx="2161899" cy="916839"/>
-            </a:xfrm>
-            <a:prstGeom prst="rect">
-              <a:avLst/>
-            </a:prstGeom>
-            <a:solidFill>
-              <a:schemeClr val="bg1">
-                <a:lumMod val="95000"/>
-              </a:schemeClr>
-            </a:solidFill>
-          </p:spPr>
-          <p:style>
-            <a:lnRef idx="2">
-              <a:schemeClr val="accent1">
-                <a:shade val="50000"/>
-              </a:schemeClr>
-            </a:lnRef>
-            <a:fillRef idx="1">
-              <a:schemeClr val="accent1"/>
-            </a:fillRef>
-            <a:effectRef idx="0">
-              <a:schemeClr val="accent1"/>
-            </a:effectRef>
-            <a:fontRef idx="minor">
-              <a:schemeClr val="lt1"/>
-            </a:fontRef>
-          </p:style>
-          <p:txBody>
-            <a:bodyPr rtlCol="0" anchor="ctr"/>
-            <a:lstStyle/>
-            <a:p>
-              <a:pPr algn="ctr"/>
-              <a:endParaRPr lang="en-US" sz="2034"/>
-            </a:p>
-          </p:txBody>
-        </p:sp>
-        <p:sp>
-          <p:nvSpPr>
-            <p:cNvPr id="58" name="Rounded Rectangle 57"/>
-            <p:cNvSpPr/>
-            <p:nvPr/>
-          </p:nvSpPr>
-          <p:spPr>
-            <a:xfrm>
-              <a:off x="981117" y="1613740"/>
-              <a:ext cx="1529299" cy="361051"/>
-            </a:xfrm>
-            <a:prstGeom prst="roundRect">
-              <a:avLst/>
-            </a:prstGeom>
-            <a:solidFill>
-              <a:schemeClr val="accent2">
-                <a:lumMod val="20000"/>
-                <a:lumOff val="80000"/>
-              </a:schemeClr>
-            </a:solidFill>
-          </p:spPr>
-          <p:style>
-            <a:lnRef idx="2">
-              <a:schemeClr val="accent1">
-                <a:shade val="50000"/>
-              </a:schemeClr>
-            </a:lnRef>
-            <a:fillRef idx="1">
-              <a:schemeClr val="accent1"/>
-            </a:fillRef>
-            <a:effectRef idx="0">
-              <a:schemeClr val="accent1"/>
-            </a:effectRef>
-            <a:fontRef idx="minor">
-              <a:schemeClr val="lt1"/>
-            </a:fontRef>
-          </p:style>
-          <p:txBody>
-            <a:bodyPr rtlCol="0" anchor="ctr"/>
-            <a:lstStyle/>
-            <a:p>
-              <a:pPr algn="ctr"/>
-              <a:r>
-                <a:rPr lang="en-US" sz="1200" dirty="0">
-                  <a:solidFill>
-                    <a:schemeClr val="tx1"/>
-                  </a:solidFill>
-                </a:rPr>
-                <a:t>10.flatw \ </a:t>
-              </a:r>
-              <a:r>
-                <a:rPr lang="en-US" sz="1200" dirty="0" err="1">
-                  <a:solidFill>
-                    <a:schemeClr val="tx1"/>
-                  </a:solidFill>
-                </a:rPr>
-                <a:t>shredXML</a:t>
-              </a:r>
-              <a:endParaRPr lang="en-US" sz="1200" dirty="0">
-                <a:solidFill>
-                  <a:schemeClr val="tx1"/>
-                </a:solidFill>
-              </a:endParaRPr>
-            </a:p>
-          </p:txBody>
-        </p:sp>
-        <p:sp>
-          <p:nvSpPr>
-            <p:cNvPr id="143" name="Rounded Rectangle 142"/>
-            <p:cNvSpPr/>
-            <p:nvPr/>
-          </p:nvSpPr>
-          <p:spPr>
-            <a:xfrm>
-              <a:off x="1133517" y="1766140"/>
-              <a:ext cx="1529299" cy="361051"/>
-            </a:xfrm>
-            <a:prstGeom prst="roundRect">
-              <a:avLst/>
-            </a:prstGeom>
-            <a:solidFill>
-              <a:schemeClr val="accent2">
-                <a:lumMod val="20000"/>
-                <a:lumOff val="80000"/>
-              </a:schemeClr>
-            </a:solidFill>
-          </p:spPr>
-          <p:style>
-            <a:lnRef idx="2">
-              <a:schemeClr val="accent1">
-                <a:shade val="50000"/>
-              </a:schemeClr>
-            </a:lnRef>
-            <a:fillRef idx="1">
-              <a:schemeClr val="accent1"/>
-            </a:fillRef>
-            <a:effectRef idx="0">
-              <a:schemeClr val="accent1"/>
-            </a:effectRef>
-            <a:fontRef idx="minor">
-              <a:schemeClr val="lt1"/>
-            </a:fontRef>
-          </p:style>
-          <p:txBody>
-            <a:bodyPr rtlCol="0" anchor="ctr"/>
-            <a:lstStyle/>
-            <a:p>
-              <a:pPr algn="ctr"/>
-              <a:r>
-                <a:rPr lang="en-US" sz="1200" dirty="0">
-                  <a:solidFill>
-                    <a:schemeClr val="tx1"/>
-                  </a:solidFill>
-                </a:rPr>
-                <a:t>10.flatw \ </a:t>
-              </a:r>
-              <a:r>
-                <a:rPr lang="en-US" sz="1200" dirty="0" err="1">
-                  <a:solidFill>
-                    <a:schemeClr val="tx1"/>
-                  </a:solidFill>
-                </a:rPr>
-                <a:t>shredXML</a:t>
-              </a:r>
-              <a:endParaRPr lang="en-US" sz="1200" dirty="0">
-                <a:solidFill>
-                  <a:schemeClr val="tx1"/>
-                </a:solidFill>
-              </a:endParaRPr>
-            </a:p>
-          </p:txBody>
-        </p:sp>
-        <p:sp>
-          <p:nvSpPr>
-            <p:cNvPr id="144" name="Rounded Rectangle 143"/>
-            <p:cNvSpPr/>
-            <p:nvPr/>
-          </p:nvSpPr>
-          <p:spPr>
-            <a:xfrm>
-              <a:off x="1285917" y="1918540"/>
-              <a:ext cx="1529299" cy="361051"/>
-            </a:xfrm>
-            <a:prstGeom prst="roundRect">
-              <a:avLst/>
-            </a:prstGeom>
-            <a:solidFill>
-              <a:schemeClr val="accent2">
-                <a:lumMod val="20000"/>
-                <a:lumOff val="80000"/>
-              </a:schemeClr>
-            </a:solidFill>
-          </p:spPr>
-          <p:style>
-            <a:lnRef idx="2">
-              <a:schemeClr val="accent1">
-                <a:shade val="50000"/>
-              </a:schemeClr>
-            </a:lnRef>
-            <a:fillRef idx="1">
-              <a:schemeClr val="accent1"/>
-            </a:fillRef>
-            <a:effectRef idx="0">
-              <a:schemeClr val="accent1"/>
-            </a:effectRef>
-            <a:fontRef idx="minor">
-              <a:schemeClr val="lt1"/>
-            </a:fontRef>
-          </p:style>
-          <p:txBody>
-            <a:bodyPr rtlCol="0" anchor="ctr"/>
-            <a:lstStyle/>
-            <a:p>
-              <a:pPr algn="ctr"/>
-              <a:r>
-                <a:rPr lang="en-US" sz="1200" dirty="0">
-                  <a:solidFill>
-                    <a:schemeClr val="tx1"/>
-                  </a:solidFill>
-                </a:rPr>
-                <a:t>10.flatw \ </a:t>
-              </a:r>
-              <a:r>
-                <a:rPr lang="en-US" sz="1200" dirty="0" err="1">
-                  <a:solidFill>
-                    <a:schemeClr val="tx1"/>
-                  </a:solidFill>
-                </a:rPr>
-                <a:t>shredXML</a:t>
-              </a:r>
-              <a:endParaRPr lang="en-US" sz="1200" dirty="0">
-                <a:solidFill>
-                  <a:schemeClr val="tx1"/>
-                </a:solidFill>
-              </a:endParaRPr>
-            </a:p>
-          </p:txBody>
-        </p:sp>
-      </p:grpSp>
-      <p:sp>
-        <p:nvSpPr>
-          <p:cNvPr id="230" name="Rounded Rectangle 229"/>
-          <p:cNvSpPr/>
-          <p:nvPr/>
-        </p:nvSpPr>
-        <p:spPr>
-          <a:xfrm>
-            <a:off x="3884685" y="2564660"/>
-            <a:ext cx="1721452" cy="361051"/>
-          </a:xfrm>
-          <a:prstGeom prst="roundRect">
-            <a:avLst/>
-          </a:prstGeom>
-          <a:solidFill>
-            <a:schemeClr val="accent2">
-              <a:lumMod val="20000"/>
-              <a:lumOff val="80000"/>
-            </a:schemeClr>
-          </a:solidFill>
-        </p:spPr>
-        <p:style>
-          <a:lnRef idx="2">
-            <a:schemeClr val="accent1">
-              <a:shade val="50000"/>
-            </a:schemeClr>
-          </a:lnRef>
-          <a:fillRef idx="1">
-            <a:schemeClr val="accent1"/>
-          </a:fillRef>
-          <a:effectRef idx="0">
-            <a:schemeClr val="accent1"/>
-          </a:effectRef>
-          <a:fontRef idx="minor">
-            <a:schemeClr val="lt1"/>
-          </a:fontRef>
-        </p:style>
-        <p:txBody>
-          <a:bodyPr rtlCol="0" anchor="ctr"/>
-          <a:lstStyle/>
-          <a:p>
-            <a:pPr algn="ctr"/>
-            <a:r>
-              <a:rPr lang="en-US" sz="1200" dirty="0">
-                <a:solidFill>
-                  <a:schemeClr val="tx1"/>
-                </a:solidFill>
-              </a:rPr>
-              <a:t>9.batch flatfield model</a:t>
-            </a:r>
-          </a:p>
-        </p:txBody>
-      </p:sp>
-      <p:sp>
-        <p:nvSpPr>
-          <p:cNvPr id="278" name="Rounded Rectangle 277"/>
-          <p:cNvSpPr/>
-          <p:nvPr/>
-        </p:nvSpPr>
-        <p:spPr>
-          <a:xfrm>
-            <a:off x="3862091" y="5051533"/>
-            <a:ext cx="1389260" cy="361051"/>
-          </a:xfrm>
-          <a:prstGeom prst="roundRect">
-            <a:avLst/>
-          </a:prstGeom>
-          <a:solidFill>
-            <a:schemeClr val="accent1">
-              <a:lumMod val="20000"/>
-              <a:lumOff val="80000"/>
-            </a:schemeClr>
-          </a:solidFill>
-        </p:spPr>
-        <p:style>
-          <a:lnRef idx="2">
-            <a:schemeClr val="accent1">
-              <a:shade val="50000"/>
-            </a:schemeClr>
-          </a:lnRef>
-          <a:fillRef idx="1">
-            <a:schemeClr val="accent1"/>
-          </a:fillRef>
-          <a:effectRef idx="0">
-            <a:schemeClr val="accent1"/>
-          </a:effectRef>
-          <a:fontRef idx="minor">
-            <a:schemeClr val="lt1"/>
-          </a:fontRef>
-        </p:style>
-        <p:txBody>
-          <a:bodyPr rtlCol="0" anchor="ctr"/>
-          <a:lstStyle/>
-          <a:p>
-            <a:pPr algn="ctr"/>
-            <a:r>
-              <a:rPr lang="en-US" sz="1200" dirty="0">
-                <a:solidFill>
-                  <a:schemeClr val="tx1"/>
-                </a:solidFill>
-              </a:rPr>
-              <a:t>14.Visual QC</a:t>
-            </a:r>
-          </a:p>
-        </p:txBody>
-      </p:sp>
-      <p:cxnSp>
-        <p:nvCxnSpPr>
-          <p:cNvPr id="281" name="Curved Connector 280"/>
-          <p:cNvCxnSpPr>
-            <a:stCxn id="358" idx="3"/>
-            <a:endCxn id="278" idx="2"/>
-          </p:cNvCxnSpPr>
-          <p:nvPr/>
-        </p:nvCxnSpPr>
-        <p:spPr>
-          <a:xfrm flipV="1">
-            <a:off x="4475473" y="5412584"/>
-            <a:ext cx="81248" cy="698993"/>
-          </a:xfrm>
-          <a:prstGeom prst="curvedConnector2">
-            <a:avLst/>
-          </a:prstGeom>
-          <a:ln>
-            <a:tailEnd type="triangle"/>
-          </a:ln>
-        </p:spPr>
-        <p:style>
-          <a:lnRef idx="1">
-            <a:schemeClr val="accent1"/>
-          </a:lnRef>
-          <a:fillRef idx="0">
-            <a:schemeClr val="accent1"/>
-          </a:fillRef>
-          <a:effectRef idx="0">
-            <a:schemeClr val="accent1"/>
-          </a:effectRef>
-          <a:fontRef idx="minor">
-            <a:schemeClr val="tx1"/>
-          </a:fontRef>
-        </p:style>
-      </p:cxnSp>
-      <p:cxnSp>
-        <p:nvCxnSpPr>
-          <p:cNvPr id="283" name="Curved Connector 282"/>
-          <p:cNvCxnSpPr>
-            <a:stCxn id="278" idx="0"/>
-            <a:endCxn id="510" idx="3"/>
-          </p:cNvCxnSpPr>
-          <p:nvPr/>
-        </p:nvCxnSpPr>
-        <p:spPr>
-          <a:xfrm rot="16200000" flipV="1">
-            <a:off x="4133454" y="4628265"/>
-            <a:ext cx="87575" cy="758961"/>
-          </a:xfrm>
-          <a:prstGeom prst="curvedConnector2">
-            <a:avLst/>
-          </a:prstGeom>
-          <a:ln>
-            <a:tailEnd type="triangle"/>
-          </a:ln>
-        </p:spPr>
-        <p:style>
-          <a:lnRef idx="1">
-            <a:schemeClr val="accent1"/>
-          </a:lnRef>
-          <a:fillRef idx="0">
-            <a:schemeClr val="accent1"/>
-          </a:fillRef>
-          <a:effectRef idx="0">
-            <a:schemeClr val="accent1"/>
-          </a:effectRef>
-          <a:fontRef idx="minor">
-            <a:schemeClr val="tx1"/>
-          </a:fontRef>
-        </p:style>
-      </p:cxnSp>
-      <p:cxnSp>
-        <p:nvCxnSpPr>
-          <p:cNvPr id="319" name="Curved Connector 318"/>
-          <p:cNvCxnSpPr>
-            <a:stCxn id="510" idx="2"/>
-            <a:endCxn id="358" idx="0"/>
-          </p:cNvCxnSpPr>
-          <p:nvPr/>
-        </p:nvCxnSpPr>
-        <p:spPr>
-          <a:xfrm rot="16200000" flipH="1">
-            <a:off x="3125095" y="5202884"/>
-            <a:ext cx="225272" cy="677713"/>
-          </a:xfrm>
-          <a:prstGeom prst="curvedConnector3">
-            <a:avLst>
-              <a:gd name="adj1" fmla="val 50000"/>
-            </a:avLst>
-          </a:prstGeom>
-          <a:ln>
-            <a:tailEnd type="triangle"/>
-          </a:ln>
-        </p:spPr>
-        <p:style>
-          <a:lnRef idx="1">
-            <a:schemeClr val="accent1"/>
-          </a:lnRef>
-          <a:fillRef idx="0">
-            <a:schemeClr val="accent1"/>
-          </a:fillRef>
-          <a:effectRef idx="0">
-            <a:schemeClr val="accent1"/>
-          </a:effectRef>
-          <a:fontRef idx="minor">
-            <a:schemeClr val="tx1"/>
-          </a:fontRef>
-        </p:style>
-      </p:cxnSp>
-      <p:grpSp>
-        <p:nvGrpSpPr>
-          <p:cNvPr id="362" name="Group 361"/>
-          <p:cNvGrpSpPr/>
-          <p:nvPr/>
-        </p:nvGrpSpPr>
-        <p:grpSpPr>
-          <a:xfrm>
-            <a:off x="2677703" y="5654377"/>
-            <a:ext cx="1797770" cy="914400"/>
-            <a:chOff x="-244437" y="5343436"/>
-            <a:chExt cx="1797770" cy="914400"/>
-          </a:xfrm>
-        </p:grpSpPr>
-        <p:sp>
-          <p:nvSpPr>
-            <p:cNvPr id="358" name="Rectangle 357"/>
-            <p:cNvSpPr/>
-            <p:nvPr/>
-          </p:nvSpPr>
-          <p:spPr>
-            <a:xfrm>
-              <a:off x="-244437" y="5343436"/>
-              <a:ext cx="1797770" cy="914400"/>
-            </a:xfrm>
-            <a:prstGeom prst="rect">
-              <a:avLst/>
-            </a:prstGeom>
-            <a:solidFill>
-              <a:schemeClr val="bg1">
-                <a:lumMod val="95000"/>
-              </a:schemeClr>
-            </a:solidFill>
-          </p:spPr>
-          <p:style>
-            <a:lnRef idx="2">
-              <a:schemeClr val="accent1">
-                <a:shade val="50000"/>
-              </a:schemeClr>
-            </a:lnRef>
-            <a:fillRef idx="1">
-              <a:schemeClr val="accent1"/>
-            </a:fillRef>
-            <a:effectRef idx="0">
-              <a:schemeClr val="accent1"/>
-            </a:effectRef>
-            <a:fontRef idx="minor">
-              <a:schemeClr val="lt1"/>
-            </a:fontRef>
-          </p:style>
-          <p:txBody>
-            <a:bodyPr rtlCol="0" anchor="ctr"/>
-            <a:lstStyle/>
-            <a:p>
-              <a:pPr algn="ctr"/>
-              <a:endParaRPr lang="en-US" sz="2034"/>
-            </a:p>
-          </p:txBody>
-        </p:sp>
-        <p:sp>
-          <p:nvSpPr>
-            <p:cNvPr id="359" name="Rounded Rectangle 358"/>
-            <p:cNvSpPr/>
-            <p:nvPr/>
-          </p:nvSpPr>
-          <p:spPr>
-            <a:xfrm>
-              <a:off x="-128475" y="5458337"/>
-              <a:ext cx="1204508" cy="365760"/>
-            </a:xfrm>
-            <a:prstGeom prst="roundRect">
-              <a:avLst/>
-            </a:prstGeom>
-            <a:solidFill>
-              <a:schemeClr val="accent1">
-                <a:lumMod val="20000"/>
-                <a:lumOff val="80000"/>
-              </a:schemeClr>
-            </a:solidFill>
-            <a:ln>
-              <a:solidFill>
-                <a:schemeClr val="accent1">
-                  <a:lumMod val="75000"/>
-                </a:schemeClr>
-              </a:solidFill>
-            </a:ln>
-          </p:spPr>
-          <p:style>
-            <a:lnRef idx="2">
-              <a:schemeClr val="accent1">
-                <a:shade val="50000"/>
-              </a:schemeClr>
-            </a:lnRef>
-            <a:fillRef idx="1">
-              <a:schemeClr val="accent1"/>
-            </a:fillRef>
-            <a:effectRef idx="0">
-              <a:schemeClr val="accent1"/>
-            </a:effectRef>
-            <a:fontRef idx="minor">
-              <a:schemeClr val="lt1"/>
-            </a:fontRef>
-          </p:style>
-          <p:txBody>
-            <a:bodyPr rtlCol="0" anchor="ctr"/>
-            <a:lstStyle/>
-            <a:p>
-              <a:pPr algn="ctr"/>
-              <a:r>
-                <a:rPr lang="en-US" sz="1200" dirty="0">
-                  <a:solidFill>
-                    <a:schemeClr val="tx1"/>
-                  </a:solidFill>
-                </a:rPr>
-                <a:t>13.mergeTables</a:t>
-              </a:r>
-            </a:p>
-          </p:txBody>
-        </p:sp>
-        <p:sp>
-          <p:nvSpPr>
-            <p:cNvPr id="360" name="Rounded Rectangle 359"/>
-            <p:cNvSpPr/>
-            <p:nvPr/>
-          </p:nvSpPr>
-          <p:spPr>
-            <a:xfrm>
-              <a:off x="23925" y="5610737"/>
-              <a:ext cx="1204507" cy="365760"/>
-            </a:xfrm>
-            <a:prstGeom prst="roundRect">
-              <a:avLst/>
-            </a:prstGeom>
-            <a:solidFill>
-              <a:schemeClr val="accent1">
-                <a:lumMod val="20000"/>
-                <a:lumOff val="80000"/>
-              </a:schemeClr>
-            </a:solidFill>
-            <a:ln>
-              <a:solidFill>
-                <a:schemeClr val="accent1">
-                  <a:lumMod val="75000"/>
-                </a:schemeClr>
-              </a:solidFill>
-            </a:ln>
-          </p:spPr>
-          <p:style>
-            <a:lnRef idx="2">
-              <a:schemeClr val="accent1">
-                <a:shade val="50000"/>
-              </a:schemeClr>
-            </a:lnRef>
-            <a:fillRef idx="1">
-              <a:schemeClr val="accent1"/>
-            </a:fillRef>
-            <a:effectRef idx="0">
-              <a:schemeClr val="accent1"/>
-            </a:effectRef>
-            <a:fontRef idx="minor">
-              <a:schemeClr val="lt1"/>
-            </a:fontRef>
-          </p:style>
-          <p:txBody>
-            <a:bodyPr rtlCol="0" anchor="ctr"/>
-            <a:lstStyle/>
-            <a:p>
-              <a:pPr algn="ctr"/>
-              <a:r>
-                <a:rPr lang="en-US" sz="1200" dirty="0">
-                  <a:solidFill>
-                    <a:schemeClr val="tx1"/>
-                  </a:solidFill>
-                </a:rPr>
-                <a:t>13.mergeTables</a:t>
-              </a:r>
-            </a:p>
-          </p:txBody>
-        </p:sp>
-        <p:sp>
-          <p:nvSpPr>
-            <p:cNvPr id="361" name="Rounded Rectangle 360"/>
-            <p:cNvSpPr/>
-            <p:nvPr/>
-          </p:nvSpPr>
-          <p:spPr>
-            <a:xfrm>
-              <a:off x="182499" y="5763137"/>
-              <a:ext cx="1198334" cy="365760"/>
-            </a:xfrm>
-            <a:prstGeom prst="roundRect">
-              <a:avLst/>
-            </a:prstGeom>
-            <a:solidFill>
-              <a:schemeClr val="accent1">
-                <a:lumMod val="20000"/>
-                <a:lumOff val="80000"/>
-              </a:schemeClr>
-            </a:solidFill>
-            <a:ln>
-              <a:solidFill>
-                <a:schemeClr val="accent1">
-                  <a:lumMod val="75000"/>
-                </a:schemeClr>
-              </a:solidFill>
-            </a:ln>
-          </p:spPr>
-          <p:style>
-            <a:lnRef idx="2">
-              <a:schemeClr val="accent1">
-                <a:shade val="50000"/>
-              </a:schemeClr>
-            </a:lnRef>
-            <a:fillRef idx="1">
-              <a:schemeClr val="accent1"/>
-            </a:fillRef>
-            <a:effectRef idx="0">
-              <a:schemeClr val="accent1"/>
-            </a:effectRef>
-            <a:fontRef idx="minor">
-              <a:schemeClr val="lt1"/>
-            </a:fontRef>
-          </p:style>
-          <p:txBody>
-            <a:bodyPr rtlCol="0" anchor="ctr"/>
-            <a:lstStyle/>
-            <a:p>
-              <a:pPr algn="ctr"/>
-              <a:r>
-                <a:rPr lang="en-US" sz="1200" dirty="0">
-                  <a:solidFill>
-                    <a:schemeClr val="tx1"/>
-                  </a:solidFill>
-                </a:rPr>
-                <a:t>13.mergeTables</a:t>
-              </a:r>
-            </a:p>
-          </p:txBody>
-        </p:sp>
-      </p:grpSp>
-      <p:grpSp>
-        <p:nvGrpSpPr>
-          <p:cNvPr id="509" name="Group 508"/>
-          <p:cNvGrpSpPr/>
-          <p:nvPr/>
-        </p:nvGrpSpPr>
-        <p:grpSpPr>
-          <a:xfrm>
-            <a:off x="1999990" y="4498810"/>
-            <a:ext cx="1797770" cy="930295"/>
-            <a:chOff x="3648429" y="3998793"/>
-            <a:chExt cx="1797770" cy="930295"/>
-          </a:xfrm>
-        </p:grpSpPr>
-        <p:sp>
-          <p:nvSpPr>
-            <p:cNvPr id="510" name="Rectangle 509"/>
-            <p:cNvSpPr/>
-            <p:nvPr/>
-          </p:nvSpPr>
-          <p:spPr>
-            <a:xfrm>
-              <a:off x="3648429" y="3998793"/>
-              <a:ext cx="1797770" cy="930295"/>
-            </a:xfrm>
-            <a:prstGeom prst="rect">
-              <a:avLst/>
-            </a:prstGeom>
-            <a:solidFill>
-              <a:schemeClr val="bg1">
-                <a:lumMod val="95000"/>
-              </a:schemeClr>
-            </a:solidFill>
-          </p:spPr>
-          <p:style>
-            <a:lnRef idx="2">
-              <a:schemeClr val="accent1">
-                <a:shade val="50000"/>
-              </a:schemeClr>
-            </a:lnRef>
-            <a:fillRef idx="1">
-              <a:schemeClr val="accent1"/>
-            </a:fillRef>
-            <a:effectRef idx="0">
-              <a:schemeClr val="accent1"/>
-            </a:effectRef>
-            <a:fontRef idx="minor">
-              <a:schemeClr val="lt1"/>
-            </a:fontRef>
-          </p:style>
-          <p:txBody>
-            <a:bodyPr rtlCol="0" anchor="ctr"/>
-            <a:lstStyle/>
-            <a:p>
-              <a:pPr algn="ctr"/>
-              <a:r>
-                <a:rPr lang="en-US" sz="2034" dirty="0"/>
-                <a:t>A</a:t>
-              </a:r>
-            </a:p>
-          </p:txBody>
-        </p:sp>
-        <p:sp>
-          <p:nvSpPr>
-            <p:cNvPr id="511" name="Rounded Rectangle 510"/>
-            <p:cNvSpPr/>
-            <p:nvPr/>
-          </p:nvSpPr>
-          <p:spPr>
-            <a:xfrm>
-              <a:off x="3845865" y="4129590"/>
-              <a:ext cx="1123033" cy="365760"/>
-            </a:xfrm>
-            <a:prstGeom prst="roundRect">
-              <a:avLst/>
-            </a:prstGeom>
-            <a:solidFill>
-              <a:schemeClr val="accent3">
-                <a:lumMod val="40000"/>
-                <a:lumOff val="60000"/>
-              </a:schemeClr>
-            </a:solidFill>
-            <a:ln>
-              <a:solidFill>
-                <a:schemeClr val="accent1">
-                  <a:lumMod val="75000"/>
-                </a:schemeClr>
-              </a:solidFill>
-            </a:ln>
-          </p:spPr>
-          <p:style>
-            <a:lnRef idx="2">
-              <a:schemeClr val="accent1">
-                <a:shade val="50000"/>
-              </a:schemeClr>
-            </a:lnRef>
-            <a:fillRef idx="1">
-              <a:schemeClr val="accent1"/>
-            </a:fillRef>
-            <a:effectRef idx="0">
-              <a:schemeClr val="accent1"/>
-            </a:effectRef>
-            <a:fontRef idx="minor">
-              <a:schemeClr val="lt1"/>
-            </a:fontRef>
-          </p:style>
-          <p:txBody>
-            <a:bodyPr rtlCol="0" anchor="ctr"/>
-            <a:lstStyle/>
-            <a:p>
-              <a:pPr algn="ctr"/>
-              <a:r>
-                <a:rPr lang="en-US" sz="1200" dirty="0">
-                  <a:solidFill>
-                    <a:schemeClr val="tx1"/>
-                  </a:solidFill>
-                </a:rPr>
-                <a:t>6.InForm</a:t>
-              </a:r>
-            </a:p>
-          </p:txBody>
-        </p:sp>
-        <p:sp>
-          <p:nvSpPr>
-            <p:cNvPr id="512" name="Rounded Rectangle 511"/>
-            <p:cNvSpPr/>
-            <p:nvPr/>
-          </p:nvSpPr>
-          <p:spPr>
-            <a:xfrm>
-              <a:off x="3998265" y="4281990"/>
-              <a:ext cx="1123033" cy="365760"/>
-            </a:xfrm>
-            <a:prstGeom prst="roundRect">
-              <a:avLst/>
-            </a:prstGeom>
-            <a:solidFill>
-              <a:schemeClr val="accent3">
-                <a:lumMod val="40000"/>
-                <a:lumOff val="60000"/>
-              </a:schemeClr>
-            </a:solidFill>
-            <a:ln>
-              <a:solidFill>
-                <a:schemeClr val="accent1">
-                  <a:lumMod val="75000"/>
-                </a:schemeClr>
-              </a:solidFill>
-            </a:ln>
-          </p:spPr>
-          <p:style>
-            <a:lnRef idx="2">
-              <a:schemeClr val="accent1">
-                <a:shade val="50000"/>
-              </a:schemeClr>
-            </a:lnRef>
-            <a:fillRef idx="1">
-              <a:schemeClr val="accent1"/>
-            </a:fillRef>
-            <a:effectRef idx="0">
-              <a:schemeClr val="accent1"/>
-            </a:effectRef>
-            <a:fontRef idx="minor">
-              <a:schemeClr val="lt1"/>
-            </a:fontRef>
-          </p:style>
-          <p:txBody>
-            <a:bodyPr rtlCol="0" anchor="ctr"/>
-            <a:lstStyle/>
-            <a:p>
-              <a:pPr algn="ctr"/>
-              <a:r>
-                <a:rPr lang="en-US" sz="1200" dirty="0">
-                  <a:solidFill>
-                    <a:schemeClr val="tx1"/>
-                  </a:solidFill>
-                </a:rPr>
-                <a:t>6.InForm</a:t>
-              </a:r>
-            </a:p>
-          </p:txBody>
-        </p:sp>
-        <p:sp>
-          <p:nvSpPr>
-            <p:cNvPr id="513" name="Rounded Rectangle 512"/>
-            <p:cNvSpPr/>
-            <p:nvPr/>
-          </p:nvSpPr>
-          <p:spPr>
-            <a:xfrm>
-              <a:off x="4150665" y="4434390"/>
-              <a:ext cx="1123033" cy="365760"/>
-            </a:xfrm>
-            <a:prstGeom prst="roundRect">
-              <a:avLst/>
-            </a:prstGeom>
-            <a:solidFill>
-              <a:schemeClr val="accent3">
-                <a:lumMod val="40000"/>
-                <a:lumOff val="60000"/>
-              </a:schemeClr>
-            </a:solidFill>
-            <a:ln>
-              <a:solidFill>
-                <a:schemeClr val="accent1">
-                  <a:lumMod val="75000"/>
-                </a:schemeClr>
-              </a:solidFill>
-            </a:ln>
-          </p:spPr>
-          <p:style>
-            <a:lnRef idx="2">
-              <a:schemeClr val="accent1">
-                <a:shade val="50000"/>
-              </a:schemeClr>
-            </a:lnRef>
-            <a:fillRef idx="1">
-              <a:schemeClr val="accent1"/>
-            </a:fillRef>
-            <a:effectRef idx="0">
-              <a:schemeClr val="accent1"/>
-            </a:effectRef>
-            <a:fontRef idx="minor">
-              <a:schemeClr val="lt1"/>
-            </a:fontRef>
-          </p:style>
-          <p:txBody>
-            <a:bodyPr rtlCol="0" anchor="ctr"/>
-            <a:lstStyle/>
-            <a:p>
-              <a:pPr algn="ctr"/>
-              <a:r>
-                <a:rPr lang="en-US" sz="1200" dirty="0">
-                  <a:solidFill>
-                    <a:schemeClr val="tx1"/>
-                  </a:solidFill>
-                </a:rPr>
-                <a:t>12.InForm</a:t>
-              </a:r>
-            </a:p>
-          </p:txBody>
-        </p:sp>
-      </p:grpSp>
-      <p:sp>
-        <p:nvSpPr>
-          <p:cNvPr id="66" name="Rounded Rectangle 65"/>
-          <p:cNvSpPr/>
-          <p:nvPr/>
-        </p:nvSpPr>
-        <p:spPr>
-          <a:xfrm>
-            <a:off x="794310" y="828388"/>
-            <a:ext cx="1737444" cy="404119"/>
-          </a:xfrm>
-          <a:prstGeom prst="roundRect">
-            <a:avLst/>
-          </a:prstGeom>
-          <a:solidFill>
-            <a:schemeClr val="accent6">
-              <a:lumMod val="20000"/>
-              <a:lumOff val="80000"/>
-            </a:schemeClr>
-          </a:solidFill>
-          <a:ln>
-            <a:solidFill>
-              <a:schemeClr val="accent6">
-                <a:lumMod val="50000"/>
-              </a:schemeClr>
-            </a:solidFill>
-          </a:ln>
-        </p:spPr>
-        <p:style>
-          <a:lnRef idx="2">
-            <a:schemeClr val="accent1">
-              <a:shade val="50000"/>
-            </a:schemeClr>
-          </a:lnRef>
-          <a:fillRef idx="1">
-            <a:schemeClr val="accent1"/>
-          </a:fillRef>
-          <a:effectRef idx="0">
-            <a:schemeClr val="accent1"/>
-          </a:effectRef>
-          <a:fontRef idx="minor">
-            <a:schemeClr val="lt1"/>
-          </a:fontRef>
-        </p:style>
-        <p:txBody>
-          <a:bodyPr rtlCol="0" anchor="ctr"/>
-          <a:lstStyle/>
-          <a:p>
-            <a:pPr algn="ctr"/>
-            <a:r>
-              <a:rPr lang="en-US" sz="1200" dirty="0">
-                <a:solidFill>
-                  <a:schemeClr val="tx1"/>
-                </a:solidFill>
-              </a:rPr>
-              <a:t>1.Received Microscope \ Microscope Change</a:t>
-            </a:r>
-          </a:p>
-        </p:txBody>
-      </p:sp>
-      <p:sp>
-        <p:nvSpPr>
-          <p:cNvPr id="72" name="Rounded Rectangle 71"/>
-          <p:cNvSpPr/>
-          <p:nvPr/>
-        </p:nvSpPr>
-        <p:spPr>
-          <a:xfrm>
-            <a:off x="1490345" y="2043544"/>
-            <a:ext cx="1850422" cy="404119"/>
-          </a:xfrm>
-          <a:prstGeom prst="roundRect">
-            <a:avLst/>
-          </a:prstGeom>
-          <a:solidFill>
-            <a:schemeClr val="accent4">
-              <a:lumMod val="20000"/>
-              <a:lumOff val="80000"/>
-            </a:schemeClr>
-          </a:solidFill>
-          <a:ln>
-            <a:solidFill>
-              <a:schemeClr val="accent6">
-                <a:lumMod val="50000"/>
-              </a:schemeClr>
-            </a:solidFill>
-          </a:ln>
-        </p:spPr>
-        <p:style>
-          <a:lnRef idx="2">
-            <a:schemeClr val="accent1">
-              <a:shade val="50000"/>
-            </a:schemeClr>
-          </a:lnRef>
-          <a:fillRef idx="1">
-            <a:schemeClr val="accent1"/>
-          </a:fillRef>
-          <a:effectRef idx="0">
-            <a:schemeClr val="accent1"/>
-          </a:effectRef>
-          <a:fontRef idx="minor">
-            <a:schemeClr val="lt1"/>
-          </a:fontRef>
-        </p:style>
-        <p:txBody>
-          <a:bodyPr rtlCol="0" anchor="ctr"/>
-          <a:lstStyle/>
-          <a:p>
-            <a:pPr algn="ctr"/>
-            <a:r>
-              <a:rPr lang="en-US" sz="1200" dirty="0">
-                <a:solidFill>
-                  <a:schemeClr val="tx1"/>
-                </a:solidFill>
-              </a:rPr>
-              <a:t>3.ExposureTime\ Dark current offsets detection</a:t>
-            </a:r>
-          </a:p>
-        </p:txBody>
-      </p:sp>
-      <p:cxnSp>
-        <p:nvCxnSpPr>
-          <p:cNvPr id="73" name="Curved Connector 72"/>
-          <p:cNvCxnSpPr>
-            <a:stCxn id="66" idx="2"/>
-            <a:endCxn id="74" idx="0"/>
-          </p:cNvCxnSpPr>
-          <p:nvPr/>
-        </p:nvCxnSpPr>
-        <p:spPr>
-          <a:xfrm rot="16200000" flipH="1">
-            <a:off x="1706022" y="1189516"/>
-            <a:ext cx="256557" cy="342537"/>
-          </a:xfrm>
-          <a:prstGeom prst="curvedConnector3">
-            <a:avLst>
-              <a:gd name="adj1" fmla="val 50000"/>
-            </a:avLst>
-          </a:prstGeom>
-          <a:ln>
-            <a:tailEnd type="triangle"/>
-          </a:ln>
-        </p:spPr>
-        <p:style>
-          <a:lnRef idx="1">
-            <a:schemeClr val="accent1"/>
-          </a:lnRef>
-          <a:fillRef idx="0">
-            <a:schemeClr val="accent1"/>
-          </a:fillRef>
-          <a:effectRef idx="0">
-            <a:schemeClr val="accent1"/>
-          </a:effectRef>
-          <a:fontRef idx="minor">
-            <a:schemeClr val="tx1"/>
-          </a:fontRef>
-        </p:style>
-      </p:cxnSp>
-      <p:sp>
-        <p:nvSpPr>
-          <p:cNvPr id="74" name="Rounded Rectangle 73"/>
-          <p:cNvSpPr/>
-          <p:nvPr/>
-        </p:nvSpPr>
-        <p:spPr>
-          <a:xfrm>
-            <a:off x="1060647" y="1489064"/>
-            <a:ext cx="1889843" cy="404119"/>
-          </a:xfrm>
-          <a:prstGeom prst="roundRect">
-            <a:avLst/>
-          </a:prstGeom>
-          <a:solidFill>
-            <a:schemeClr val="accent4">
-              <a:lumMod val="20000"/>
-              <a:lumOff val="80000"/>
-            </a:schemeClr>
-          </a:solidFill>
-          <a:ln>
-            <a:solidFill>
-              <a:schemeClr val="accent6">
-                <a:lumMod val="50000"/>
-              </a:schemeClr>
-            </a:solidFill>
-          </a:ln>
-        </p:spPr>
-        <p:style>
-          <a:lnRef idx="2">
-            <a:schemeClr val="accent1">
-              <a:shade val="50000"/>
-            </a:schemeClr>
-          </a:lnRef>
-          <a:fillRef idx="1">
-            <a:schemeClr val="accent1"/>
-          </a:fillRef>
-          <a:effectRef idx="0">
-            <a:schemeClr val="accent1"/>
-          </a:effectRef>
-          <a:fontRef idx="minor">
-            <a:schemeClr val="lt1"/>
-          </a:fontRef>
-        </p:style>
-        <p:txBody>
-          <a:bodyPr rtlCol="0" anchor="ctr"/>
-          <a:lstStyle/>
-          <a:p>
-            <a:pPr algn="ctr"/>
-            <a:r>
-              <a:rPr lang="en-US" sz="1200" dirty="0">
-                <a:solidFill>
-                  <a:schemeClr val="tx1"/>
-                </a:solidFill>
-              </a:rPr>
-              <a:t>2.Preliminary flatfield model across a few slides</a:t>
-            </a:r>
-          </a:p>
-        </p:txBody>
-      </p:sp>
-      <p:cxnSp>
-        <p:nvCxnSpPr>
-          <p:cNvPr id="75" name="Curved Connector 74"/>
-          <p:cNvCxnSpPr>
-            <a:stCxn id="74" idx="2"/>
-            <a:endCxn id="72" idx="0"/>
-          </p:cNvCxnSpPr>
-          <p:nvPr/>
-        </p:nvCxnSpPr>
-        <p:spPr>
-          <a:xfrm rot="16200000" flipH="1">
-            <a:off x="2135382" y="1763369"/>
-            <a:ext cx="150361" cy="409987"/>
-          </a:xfrm>
-          <a:prstGeom prst="curvedConnector3">
-            <a:avLst/>
-          </a:prstGeom>
-          <a:ln>
-            <a:tailEnd type="triangle"/>
-          </a:ln>
-        </p:spPr>
-        <p:style>
-          <a:lnRef idx="1">
-            <a:schemeClr val="accent1"/>
-          </a:lnRef>
-          <a:fillRef idx="0">
-            <a:schemeClr val="accent1"/>
-          </a:fillRef>
-          <a:effectRef idx="0">
-            <a:schemeClr val="accent1"/>
-          </a:effectRef>
-          <a:fontRef idx="minor">
-            <a:schemeClr val="tx1"/>
-          </a:fontRef>
-        </p:style>
-      </p:cxnSp>
-      <p:cxnSp>
-        <p:nvCxnSpPr>
-          <p:cNvPr id="10" name="Curved Connector 9"/>
-          <p:cNvCxnSpPr>
-            <a:stCxn id="72" idx="3"/>
-            <a:endCxn id="116" idx="1"/>
-          </p:cNvCxnSpPr>
-          <p:nvPr/>
-        </p:nvCxnSpPr>
-        <p:spPr>
-          <a:xfrm flipV="1">
-            <a:off x="3340767" y="1941812"/>
-            <a:ext cx="1268907" cy="303792"/>
-          </a:xfrm>
-          <a:prstGeom prst="curvedConnector3">
-            <a:avLst/>
-          </a:prstGeom>
-          <a:ln>
-            <a:tailEnd type="triangle"/>
-          </a:ln>
-        </p:spPr>
-        <p:style>
-          <a:lnRef idx="1">
-            <a:schemeClr val="accent1"/>
-          </a:lnRef>
-          <a:fillRef idx="0">
-            <a:schemeClr val="accent1"/>
-          </a:fillRef>
-          <a:effectRef idx="0">
-            <a:schemeClr val="accent1"/>
-          </a:effectRef>
-          <a:fontRef idx="minor">
-            <a:schemeClr val="tx1"/>
-          </a:fontRef>
-        </p:style>
-      </p:cxnSp>
-      <p:sp>
-        <p:nvSpPr>
-          <p:cNvPr id="84" name="Rounded Rectangle 83"/>
-          <p:cNvSpPr/>
-          <p:nvPr/>
-        </p:nvSpPr>
-        <p:spPr>
-          <a:xfrm>
-            <a:off x="786503" y="2767440"/>
-            <a:ext cx="1241126" cy="371654"/>
-          </a:xfrm>
-          <a:prstGeom prst="roundRect">
-            <a:avLst/>
-          </a:prstGeom>
-          <a:solidFill>
-            <a:schemeClr val="accent4">
-              <a:lumMod val="20000"/>
-              <a:lumOff val="80000"/>
-            </a:schemeClr>
-          </a:solidFill>
-          <a:ln>
-            <a:solidFill>
-              <a:schemeClr val="accent6">
-                <a:lumMod val="50000"/>
-              </a:schemeClr>
-            </a:solidFill>
-          </a:ln>
-        </p:spPr>
-        <p:style>
-          <a:lnRef idx="2">
-            <a:schemeClr val="accent1">
-              <a:shade val="50000"/>
-            </a:schemeClr>
-          </a:lnRef>
-          <a:fillRef idx="1">
-            <a:schemeClr val="accent1"/>
-          </a:fillRef>
-          <a:effectRef idx="0">
-            <a:schemeClr val="accent1"/>
-          </a:effectRef>
-          <a:fontRef idx="minor">
-            <a:schemeClr val="lt1"/>
-          </a:fontRef>
-        </p:style>
-        <p:txBody>
-          <a:bodyPr rtlCol="0" anchor="ctr"/>
-          <a:lstStyle/>
-          <a:p>
-            <a:pPr algn="ctr"/>
-            <a:r>
-              <a:rPr lang="en-US" sz="1200" dirty="0">
-                <a:solidFill>
-                  <a:schemeClr val="tx1"/>
-                </a:solidFill>
-              </a:rPr>
-              <a:t>4.Measure warping</a:t>
-            </a:r>
-          </a:p>
-        </p:txBody>
-      </p:sp>
-      <p:cxnSp>
-        <p:nvCxnSpPr>
-          <p:cNvPr id="12" name="Curved Connector 11"/>
-          <p:cNvCxnSpPr>
-            <a:stCxn id="72" idx="2"/>
-            <a:endCxn id="84" idx="0"/>
-          </p:cNvCxnSpPr>
-          <p:nvPr/>
-        </p:nvCxnSpPr>
-        <p:spPr>
-          <a:xfrm rot="5400000">
-            <a:off x="1751423" y="2103306"/>
-            <a:ext cx="319777" cy="1008490"/>
-          </a:xfrm>
-          <a:prstGeom prst="curvedConnector3">
-            <a:avLst/>
-          </a:prstGeom>
-          <a:ln>
-            <a:tailEnd type="triangle"/>
-          </a:ln>
-        </p:spPr>
-        <p:style>
-          <a:lnRef idx="1">
-            <a:schemeClr val="accent1"/>
-          </a:lnRef>
-          <a:fillRef idx="0">
-            <a:schemeClr val="accent1"/>
-          </a:fillRef>
-          <a:effectRef idx="0">
-            <a:schemeClr val="accent1"/>
-          </a:effectRef>
-          <a:fontRef idx="minor">
-            <a:schemeClr val="tx1"/>
-          </a:fontRef>
-        </p:style>
-      </p:cxnSp>
-      <p:sp>
-        <p:nvSpPr>
-          <p:cNvPr id="88" name="Rounded Rectangle 87"/>
-          <p:cNvSpPr/>
-          <p:nvPr/>
-        </p:nvSpPr>
-        <p:spPr>
-          <a:xfrm>
-            <a:off x="2299926" y="2758591"/>
-            <a:ext cx="1231067" cy="351986"/>
-          </a:xfrm>
-          <a:prstGeom prst="roundRect">
-            <a:avLst/>
-          </a:prstGeom>
-          <a:solidFill>
-            <a:schemeClr val="accent4">
-              <a:lumMod val="20000"/>
-              <a:lumOff val="80000"/>
-            </a:schemeClr>
-          </a:solidFill>
-          <a:ln>
-            <a:solidFill>
-              <a:schemeClr val="accent6">
-                <a:lumMod val="50000"/>
-              </a:schemeClr>
-            </a:solidFill>
-          </a:ln>
-        </p:spPr>
-        <p:style>
-          <a:lnRef idx="2">
-            <a:schemeClr val="accent1">
-              <a:shade val="50000"/>
-            </a:schemeClr>
-          </a:lnRef>
-          <a:fillRef idx="1">
-            <a:schemeClr val="accent1"/>
-          </a:fillRef>
-          <a:effectRef idx="0">
-            <a:schemeClr val="accent1"/>
-          </a:effectRef>
-          <a:fontRef idx="minor">
-            <a:schemeClr val="lt1"/>
-          </a:fontRef>
-        </p:style>
-        <p:txBody>
-          <a:bodyPr rtlCol="0" anchor="ctr"/>
-          <a:lstStyle/>
-          <a:p>
-            <a:pPr algn="ctr"/>
-            <a:r>
-              <a:rPr lang="en-US" sz="1200" dirty="0">
-                <a:solidFill>
-                  <a:schemeClr val="tx1"/>
-                </a:solidFill>
-              </a:rPr>
-              <a:t>5. test warping model</a:t>
-            </a:r>
-          </a:p>
-        </p:txBody>
-      </p:sp>
-      <p:cxnSp>
-        <p:nvCxnSpPr>
-          <p:cNvPr id="42" name="Curved Connector 41"/>
-          <p:cNvCxnSpPr>
-            <a:stCxn id="230" idx="1"/>
-            <a:endCxn id="88" idx="3"/>
-          </p:cNvCxnSpPr>
-          <p:nvPr/>
-        </p:nvCxnSpPr>
-        <p:spPr>
-          <a:xfrm rot="10800000" flipV="1">
-            <a:off x="3530993" y="2745186"/>
-            <a:ext cx="353692" cy="189398"/>
-          </a:xfrm>
-          <a:prstGeom prst="curvedConnector3">
-            <a:avLst>
-              <a:gd name="adj1" fmla="val 50000"/>
-            </a:avLst>
-          </a:prstGeom>
-          <a:ln>
-            <a:tailEnd type="triangle"/>
-          </a:ln>
-        </p:spPr>
-        <p:style>
-          <a:lnRef idx="1">
-            <a:schemeClr val="accent1"/>
-          </a:lnRef>
-          <a:fillRef idx="0">
-            <a:schemeClr val="accent1"/>
-          </a:fillRef>
-          <a:effectRef idx="0">
-            <a:schemeClr val="accent1"/>
-          </a:effectRef>
-          <a:fontRef idx="minor">
-            <a:schemeClr val="tx1"/>
-          </a:fontRef>
-        </p:style>
-      </p:cxnSp>
-      <p:cxnSp>
-        <p:nvCxnSpPr>
-          <p:cNvPr id="51" name="Curved Connector 50"/>
-          <p:cNvCxnSpPr>
-            <a:stCxn id="88" idx="2"/>
-            <a:endCxn id="150" idx="1"/>
-          </p:cNvCxnSpPr>
-          <p:nvPr/>
-        </p:nvCxnSpPr>
-        <p:spPr>
-          <a:xfrm rot="16200000" flipH="1">
-            <a:off x="3141699" y="2884338"/>
-            <a:ext cx="515837" cy="968314"/>
-          </a:xfrm>
-          <a:prstGeom prst="curvedConnector2">
-            <a:avLst/>
-          </a:prstGeom>
-          <a:ln>
-            <a:tailEnd type="triangle"/>
-          </a:ln>
-        </p:spPr>
-        <p:style>
-          <a:lnRef idx="1">
-            <a:schemeClr val="accent1"/>
-          </a:lnRef>
-          <a:fillRef idx="0">
-            <a:schemeClr val="accent1"/>
-          </a:fillRef>
-          <a:effectRef idx="0">
-            <a:schemeClr val="accent1"/>
-          </a:effectRef>
-          <a:fontRef idx="minor">
-            <a:schemeClr val="tx1"/>
-          </a:fontRef>
-        </p:style>
-      </p:cxnSp>
-      <p:sp>
-        <p:nvSpPr>
-          <p:cNvPr id="189" name="Rectangle 188"/>
-          <p:cNvSpPr/>
-          <p:nvPr/>
-        </p:nvSpPr>
-        <p:spPr>
-          <a:xfrm>
-            <a:off x="9858494" y="2811631"/>
-            <a:ext cx="756754" cy="361050"/>
-          </a:xfrm>
-          <a:prstGeom prst="rect">
-            <a:avLst/>
-          </a:prstGeom>
-          <a:solidFill>
-            <a:srgbClr val="FBE5D6">
-              <a:alpha val="61176"/>
-            </a:srgbClr>
-          </a:solidFill>
-        </p:spPr>
-        <p:style>
-          <a:lnRef idx="2">
-            <a:schemeClr val="accent1">
-              <a:shade val="50000"/>
-            </a:schemeClr>
-          </a:lnRef>
-          <a:fillRef idx="1">
-            <a:schemeClr val="accent1"/>
-          </a:fillRef>
-          <a:effectRef idx="0">
-            <a:schemeClr val="accent1"/>
-          </a:effectRef>
-          <a:fontRef idx="minor">
-            <a:schemeClr val="lt1"/>
-          </a:fontRef>
-        </p:style>
-        <p:txBody>
-          <a:bodyPr rtlCol="0" anchor="ctr"/>
-          <a:lstStyle/>
-          <a:p>
-            <a:pPr algn="ctr"/>
-            <a:endParaRPr lang="en-US" sz="2034"/>
-          </a:p>
-        </p:txBody>
-      </p:sp>
-      <p:cxnSp>
-        <p:nvCxnSpPr>
-          <p:cNvPr id="223" name="Straight Arrow Connector 222"/>
-          <p:cNvCxnSpPr>
-            <a:stCxn id="88" idx="1"/>
-            <a:endCxn id="84" idx="3"/>
-          </p:cNvCxnSpPr>
-          <p:nvPr/>
-        </p:nvCxnSpPr>
-        <p:spPr>
-          <a:xfrm flipH="1">
-            <a:off x="2027629" y="2934584"/>
-            <a:ext cx="272297" cy="18683"/>
-          </a:xfrm>
-          <a:prstGeom prst="straightConnector1">
-            <a:avLst/>
-          </a:prstGeom>
-          <a:ln>
-            <a:headEnd type="triangle"/>
-            <a:tailEnd type="triangle"/>
-          </a:ln>
-        </p:spPr>
-        <p:style>
-          <a:lnRef idx="1">
-            <a:schemeClr val="accent1"/>
-          </a:lnRef>
-          <a:fillRef idx="0">
-            <a:schemeClr val="accent1"/>
-          </a:fillRef>
-          <a:effectRef idx="0">
-            <a:schemeClr val="accent1"/>
-          </a:effectRef>
-          <a:fontRef idx="minor">
-            <a:schemeClr val="tx1"/>
-          </a:fontRef>
-        </p:style>
-      </p:cxnSp>
-      <p:sp>
-        <p:nvSpPr>
-          <p:cNvPr id="246" name="Rounded Rectangle 245"/>
-          <p:cNvSpPr/>
-          <p:nvPr/>
-        </p:nvSpPr>
-        <p:spPr>
-          <a:xfrm>
-            <a:off x="5781470" y="2546790"/>
-            <a:ext cx="1336335" cy="363392"/>
-          </a:xfrm>
-          <a:prstGeom prst="roundRect">
-            <a:avLst/>
-          </a:prstGeom>
-          <a:solidFill>
-            <a:schemeClr val="accent4">
-              <a:lumMod val="20000"/>
-              <a:lumOff val="80000"/>
-            </a:schemeClr>
-          </a:solidFill>
-        </p:spPr>
-        <p:style>
-          <a:lnRef idx="2">
-            <a:schemeClr val="accent1">
-              <a:shade val="50000"/>
-            </a:schemeClr>
-          </a:lnRef>
-          <a:fillRef idx="1">
-            <a:schemeClr val="accent1"/>
-          </a:fillRef>
-          <a:effectRef idx="0">
-            <a:schemeClr val="accent1"/>
-          </a:effectRef>
-          <a:fontRef idx="minor">
-            <a:schemeClr val="lt1"/>
-          </a:fontRef>
-        </p:style>
-        <p:txBody>
-          <a:bodyPr rtlCol="0" anchor="ctr"/>
-          <a:lstStyle/>
-          <a:p>
-            <a:pPr algn="ctr"/>
-            <a:r>
-              <a:rPr lang="en-US" sz="1200" dirty="0">
-                <a:solidFill>
-                  <a:schemeClr val="tx1"/>
-                </a:solidFill>
-              </a:rPr>
-              <a:t>9. image masks</a:t>
-            </a:r>
-          </a:p>
-        </p:txBody>
-      </p:sp>
-      <p:cxnSp>
-        <p:nvCxnSpPr>
-          <p:cNvPr id="247" name="Curved Connector 246"/>
-          <p:cNvCxnSpPr>
-            <a:stCxn id="116" idx="2"/>
-            <a:endCxn id="246" idx="0"/>
-          </p:cNvCxnSpPr>
-          <p:nvPr/>
-        </p:nvCxnSpPr>
-        <p:spPr>
-          <a:xfrm rot="16200000" flipH="1">
-            <a:off x="5905209" y="2002361"/>
-            <a:ext cx="147778" cy="941079"/>
-          </a:xfrm>
-          <a:prstGeom prst="curvedConnector3">
-            <a:avLst>
-              <a:gd name="adj1" fmla="val 50000"/>
-            </a:avLst>
-          </a:prstGeom>
-          <a:ln>
-            <a:tailEnd type="triangle"/>
-          </a:ln>
-        </p:spPr>
-        <p:style>
-          <a:lnRef idx="1">
-            <a:schemeClr val="accent1"/>
-          </a:lnRef>
-          <a:fillRef idx="0">
-            <a:schemeClr val="accent1"/>
-          </a:fillRef>
-          <a:effectRef idx="0">
-            <a:schemeClr val="accent1"/>
-          </a:effectRef>
-          <a:fontRef idx="minor">
-            <a:schemeClr val="tx1"/>
-          </a:fontRef>
-        </p:style>
-      </p:cxnSp>
-      <p:cxnSp>
-        <p:nvCxnSpPr>
-          <p:cNvPr id="255" name="Curved Connector 254"/>
-          <p:cNvCxnSpPr>
-            <a:stCxn id="246" idx="3"/>
-            <a:endCxn id="189" idx="1"/>
-          </p:cNvCxnSpPr>
-          <p:nvPr/>
-        </p:nvCxnSpPr>
-        <p:spPr>
-          <a:xfrm>
-            <a:off x="7117805" y="2728486"/>
-            <a:ext cx="2740689" cy="263670"/>
-          </a:xfrm>
-          <a:prstGeom prst="curvedConnector3">
-            <a:avLst>
-              <a:gd name="adj1" fmla="val 50000"/>
-            </a:avLst>
-          </a:prstGeom>
-          <a:ln>
-            <a:tailEnd type="triangle"/>
-          </a:ln>
-        </p:spPr>
-        <p:style>
-          <a:lnRef idx="1">
-            <a:schemeClr val="accent1"/>
-          </a:lnRef>
-          <a:fillRef idx="0">
-            <a:schemeClr val="accent1"/>
-          </a:fillRef>
-          <a:effectRef idx="0">
-            <a:schemeClr val="accent1"/>
-          </a:effectRef>
-          <a:fontRef idx="minor">
-            <a:schemeClr val="tx1"/>
-          </a:fontRef>
-        </p:style>
-      </p:cxnSp>
-      <p:grpSp>
-        <p:nvGrpSpPr>
-          <p:cNvPr id="136" name="Group 135"/>
-          <p:cNvGrpSpPr/>
-          <p:nvPr/>
-        </p:nvGrpSpPr>
-        <p:grpSpPr>
-          <a:xfrm>
-            <a:off x="13707273" y="1439393"/>
-            <a:ext cx="3644485" cy="5874578"/>
-            <a:chOff x="4489513" y="505249"/>
-            <a:chExt cx="3644485" cy="5874578"/>
-          </a:xfrm>
-        </p:grpSpPr>
-        <p:sp>
-          <p:nvSpPr>
-            <p:cNvPr id="137" name="Rounded Rectangle 136"/>
-            <p:cNvSpPr/>
-            <p:nvPr/>
-          </p:nvSpPr>
-          <p:spPr>
-            <a:xfrm>
-              <a:off x="4489513" y="1788133"/>
-              <a:ext cx="1389260" cy="361051"/>
-            </a:xfrm>
-            <a:prstGeom prst="roundRect">
-              <a:avLst/>
-            </a:prstGeom>
-            <a:solidFill>
-              <a:schemeClr val="accent6">
-                <a:lumMod val="20000"/>
-                <a:lumOff val="80000"/>
-              </a:schemeClr>
-            </a:solidFill>
-          </p:spPr>
-          <p:style>
-            <a:lnRef idx="2">
-              <a:schemeClr val="accent1">
-                <a:shade val="50000"/>
-              </a:schemeClr>
-            </a:lnRef>
-            <a:fillRef idx="1">
-              <a:schemeClr val="accent1"/>
-            </a:fillRef>
-            <a:effectRef idx="0">
-              <a:schemeClr val="accent1"/>
-            </a:effectRef>
-            <a:fontRef idx="minor">
-              <a:schemeClr val="lt1"/>
-            </a:fontRef>
-          </p:style>
-          <p:txBody>
-            <a:bodyPr rtlCol="0" anchor="ctr"/>
-            <a:lstStyle/>
-            <a:p>
-              <a:pPr algn="ctr"/>
-              <a:r>
-                <a:rPr lang="en-US" sz="1200" dirty="0">
-                  <a:solidFill>
-                    <a:schemeClr val="tx1"/>
-                  </a:solidFill>
-                </a:rPr>
-                <a:t>0. Clinical</a:t>
-              </a:r>
-            </a:p>
-          </p:txBody>
-        </p:sp>
-        <p:sp>
-          <p:nvSpPr>
-            <p:cNvPr id="138" name="Rounded Rectangle 137"/>
-            <p:cNvSpPr/>
-            <p:nvPr/>
-          </p:nvSpPr>
-          <p:spPr>
-            <a:xfrm>
-              <a:off x="6485533" y="1784523"/>
-              <a:ext cx="1389260" cy="361051"/>
-            </a:xfrm>
-            <a:prstGeom prst="roundRect">
-              <a:avLst/>
-            </a:prstGeom>
-            <a:solidFill>
-              <a:schemeClr val="accent1">
-                <a:lumMod val="20000"/>
-                <a:lumOff val="80000"/>
-              </a:schemeClr>
-            </a:solidFill>
-          </p:spPr>
-          <p:style>
-            <a:lnRef idx="2">
-              <a:schemeClr val="accent1">
-                <a:shade val="50000"/>
-              </a:schemeClr>
-            </a:lnRef>
-            <a:fillRef idx="1">
-              <a:schemeClr val="accent1"/>
-            </a:fillRef>
-            <a:effectRef idx="0">
-              <a:schemeClr val="accent1"/>
-            </a:effectRef>
-            <a:fontRef idx="minor">
-              <a:schemeClr val="lt1"/>
-            </a:fontRef>
-          </p:style>
-          <p:txBody>
-            <a:bodyPr rtlCol="0" anchor="ctr"/>
-            <a:lstStyle/>
-            <a:p>
-              <a:pPr algn="ctr"/>
-              <a:r>
-                <a:rPr lang="en-US" sz="1200" dirty="0">
-                  <a:solidFill>
-                    <a:schemeClr val="tx1"/>
-                  </a:solidFill>
-                </a:rPr>
-                <a:t>24.runcalibration</a:t>
-              </a:r>
-            </a:p>
-          </p:txBody>
-        </p:sp>
-        <p:sp>
-          <p:nvSpPr>
-            <p:cNvPr id="139" name="Rounded Rectangle 138"/>
-            <p:cNvSpPr/>
-            <p:nvPr/>
-          </p:nvSpPr>
-          <p:spPr>
-            <a:xfrm>
-              <a:off x="6067768" y="2378564"/>
-              <a:ext cx="1389260" cy="361051"/>
-            </a:xfrm>
-            <a:prstGeom prst="roundRect">
-              <a:avLst/>
-            </a:prstGeom>
-            <a:solidFill>
-              <a:schemeClr val="accent1">
-                <a:lumMod val="20000"/>
-                <a:lumOff val="80000"/>
-              </a:schemeClr>
-            </a:solidFill>
-          </p:spPr>
-          <p:style>
-            <a:lnRef idx="2">
-              <a:schemeClr val="accent1">
-                <a:shade val="50000"/>
-              </a:schemeClr>
-            </a:lnRef>
-            <a:fillRef idx="1">
-              <a:schemeClr val="accent1"/>
-            </a:fillRef>
-            <a:effectRef idx="0">
-              <a:schemeClr val="accent1"/>
-            </a:effectRef>
-            <a:fontRef idx="minor">
-              <a:schemeClr val="lt1"/>
-            </a:fontRef>
-          </p:style>
-          <p:txBody>
-            <a:bodyPr rtlCol="0" anchor="ctr"/>
-            <a:lstStyle/>
-            <a:p>
-              <a:pPr algn="ctr"/>
-              <a:r>
-                <a:rPr lang="en-US" sz="1200" dirty="0">
-                  <a:solidFill>
-                    <a:schemeClr val="tx1"/>
-                  </a:solidFill>
-                </a:rPr>
-                <a:t>25.prepmerge</a:t>
-              </a:r>
-            </a:p>
-          </p:txBody>
-        </p:sp>
-        <p:sp>
-          <p:nvSpPr>
-            <p:cNvPr id="140" name="Rounded Rectangle 139"/>
-            <p:cNvSpPr/>
-            <p:nvPr/>
-          </p:nvSpPr>
-          <p:spPr>
-            <a:xfrm>
-              <a:off x="6479860" y="2995185"/>
-              <a:ext cx="1389260" cy="361051"/>
-            </a:xfrm>
-            <a:prstGeom prst="roundRect">
-              <a:avLst/>
-            </a:prstGeom>
-            <a:solidFill>
-              <a:schemeClr val="accent1">
-                <a:lumMod val="20000"/>
-                <a:lumOff val="80000"/>
-              </a:schemeClr>
-            </a:solidFill>
-          </p:spPr>
-          <p:style>
-            <a:lnRef idx="2">
-              <a:schemeClr val="accent1">
-                <a:shade val="50000"/>
-              </a:schemeClr>
-            </a:lnRef>
-            <a:fillRef idx="1">
-              <a:schemeClr val="accent1"/>
-            </a:fillRef>
-            <a:effectRef idx="0">
-              <a:schemeClr val="accent1"/>
-            </a:effectRef>
-            <a:fontRef idx="minor">
-              <a:schemeClr val="lt1"/>
-            </a:fontRef>
-          </p:style>
-          <p:txBody>
-            <a:bodyPr rtlCol="0" anchor="ctr"/>
-            <a:lstStyle/>
-            <a:p>
-              <a:pPr algn="ctr"/>
-              <a:r>
-                <a:rPr lang="en-US" sz="1200" dirty="0">
-                  <a:solidFill>
-                    <a:schemeClr val="tx1"/>
-                  </a:solidFill>
-                </a:rPr>
-                <a:t>26.createmerge</a:t>
-              </a:r>
-            </a:p>
-          </p:txBody>
-        </p:sp>
-        <p:sp>
-          <p:nvSpPr>
-            <p:cNvPr id="141" name="Rounded Rectangle 140"/>
-            <p:cNvSpPr/>
-            <p:nvPr/>
-          </p:nvSpPr>
-          <p:spPr>
-            <a:xfrm>
-              <a:off x="4992139" y="3677337"/>
-              <a:ext cx="1389260" cy="361051"/>
-            </a:xfrm>
-            <a:prstGeom prst="roundRect">
-              <a:avLst/>
-            </a:prstGeom>
-            <a:solidFill>
-              <a:schemeClr val="accent1">
-                <a:lumMod val="20000"/>
-                <a:lumOff val="80000"/>
-              </a:schemeClr>
-            </a:solidFill>
-          </p:spPr>
-          <p:style>
-            <a:lnRef idx="2">
-              <a:schemeClr val="accent1">
-                <a:shade val="50000"/>
-              </a:schemeClr>
-            </a:lnRef>
-            <a:fillRef idx="1">
-              <a:schemeClr val="accent1"/>
-            </a:fillRef>
-            <a:effectRef idx="0">
-              <a:schemeClr val="accent1"/>
-            </a:effectRef>
-            <a:fontRef idx="minor">
-              <a:schemeClr val="lt1"/>
-            </a:fontRef>
-          </p:style>
-          <p:txBody>
-            <a:bodyPr rtlCol="0" anchor="ctr"/>
-            <a:lstStyle/>
-            <a:p>
-              <a:pPr algn="ctr"/>
-              <a:r>
-                <a:rPr lang="en-US" sz="1200" dirty="0">
-                  <a:solidFill>
-                    <a:schemeClr val="tx1"/>
-                  </a:solidFill>
-                </a:rPr>
-                <a:t>27.loadmergedb</a:t>
-              </a:r>
-            </a:p>
-          </p:txBody>
-        </p:sp>
-        <p:cxnSp>
-          <p:nvCxnSpPr>
-            <p:cNvPr id="142" name="Curved Connector 141"/>
-            <p:cNvCxnSpPr>
-              <a:stCxn id="164" idx="2"/>
-              <a:endCxn id="138" idx="0"/>
-            </p:cNvCxnSpPr>
-            <p:nvPr/>
-          </p:nvCxnSpPr>
-          <p:spPr>
-            <a:xfrm rot="5400000">
-              <a:off x="7131744" y="1468069"/>
-              <a:ext cx="364874" cy="268035"/>
-            </a:xfrm>
-            <a:prstGeom prst="curvedConnector3">
-              <a:avLst/>
-            </a:prstGeom>
-            <a:ln>
-              <a:tailEnd type="triangle"/>
-            </a:ln>
-          </p:spPr>
-          <p:style>
-            <a:lnRef idx="1">
-              <a:schemeClr val="accent1"/>
-            </a:lnRef>
-            <a:fillRef idx="0">
-              <a:schemeClr val="accent1"/>
-            </a:fillRef>
-            <a:effectRef idx="0">
-              <a:schemeClr val="accent1"/>
-            </a:effectRef>
-            <a:fontRef idx="minor">
-              <a:schemeClr val="tx1"/>
-            </a:fontRef>
-          </p:style>
-        </p:cxnSp>
-        <p:cxnSp>
-          <p:nvCxnSpPr>
-            <p:cNvPr id="145" name="Curved Connector 144"/>
-            <p:cNvCxnSpPr>
-              <a:stCxn id="138" idx="2"/>
-              <a:endCxn id="139" idx="0"/>
-            </p:cNvCxnSpPr>
-            <p:nvPr/>
-          </p:nvCxnSpPr>
-          <p:spPr>
-            <a:xfrm rot="5400000">
-              <a:off x="6854786" y="2053187"/>
-              <a:ext cx="232990" cy="417765"/>
-            </a:xfrm>
-            <a:prstGeom prst="curvedConnector3">
-              <a:avLst/>
-            </a:prstGeom>
-            <a:ln>
-              <a:tailEnd type="triangle"/>
-            </a:ln>
-          </p:spPr>
-          <p:style>
-            <a:lnRef idx="1">
-              <a:schemeClr val="accent1"/>
-            </a:lnRef>
-            <a:fillRef idx="0">
-              <a:schemeClr val="accent1"/>
-            </a:fillRef>
-            <a:effectRef idx="0">
-              <a:schemeClr val="accent1"/>
-            </a:effectRef>
-            <a:fontRef idx="minor">
-              <a:schemeClr val="tx1"/>
-            </a:fontRef>
-          </p:style>
-        </p:cxnSp>
-        <p:cxnSp>
-          <p:nvCxnSpPr>
-            <p:cNvPr id="146" name="Curved Connector 145"/>
-            <p:cNvCxnSpPr>
-              <a:stCxn id="139" idx="2"/>
-              <a:endCxn id="140" idx="0"/>
-            </p:cNvCxnSpPr>
-            <p:nvPr/>
-          </p:nvCxnSpPr>
-          <p:spPr>
-            <a:xfrm rot="16200000" flipH="1">
-              <a:off x="6840659" y="2661354"/>
-              <a:ext cx="255570" cy="412092"/>
-            </a:xfrm>
-            <a:prstGeom prst="curvedConnector3">
-              <a:avLst/>
-            </a:prstGeom>
-            <a:ln>
-              <a:tailEnd type="triangle"/>
-            </a:ln>
-          </p:spPr>
-          <p:style>
-            <a:lnRef idx="1">
-              <a:schemeClr val="accent1"/>
-            </a:lnRef>
-            <a:fillRef idx="0">
-              <a:schemeClr val="accent1"/>
-            </a:fillRef>
-            <a:effectRef idx="0">
-              <a:schemeClr val="accent1"/>
-            </a:effectRef>
-            <a:fontRef idx="minor">
-              <a:schemeClr val="tx1"/>
-            </a:fontRef>
-          </p:style>
-        </p:cxnSp>
-        <p:cxnSp>
-          <p:nvCxnSpPr>
-            <p:cNvPr id="147" name="Curved Connector 146"/>
-            <p:cNvCxnSpPr>
-              <a:stCxn id="140" idx="2"/>
-              <a:endCxn id="141" idx="0"/>
-            </p:cNvCxnSpPr>
-            <p:nvPr/>
-          </p:nvCxnSpPr>
-          <p:spPr>
-            <a:xfrm rot="5400000">
-              <a:off x="6270080" y="2772926"/>
-              <a:ext cx="321101" cy="1487721"/>
-            </a:xfrm>
-            <a:prstGeom prst="curvedConnector3">
-              <a:avLst/>
-            </a:prstGeom>
-            <a:ln>
-              <a:tailEnd type="triangle"/>
-            </a:ln>
-          </p:spPr>
-          <p:style>
-            <a:lnRef idx="1">
-              <a:schemeClr val="accent1"/>
-            </a:lnRef>
-            <a:fillRef idx="0">
-              <a:schemeClr val="accent1"/>
-            </a:fillRef>
-            <a:effectRef idx="0">
-              <a:schemeClr val="accent1"/>
-            </a:effectRef>
-            <a:fontRef idx="minor">
-              <a:schemeClr val="tx1"/>
-            </a:fontRef>
-          </p:style>
-        </p:cxnSp>
-        <p:cxnSp>
-          <p:nvCxnSpPr>
-            <p:cNvPr id="148" name="Curved Connector 147"/>
-            <p:cNvCxnSpPr>
-              <a:stCxn id="167" idx="2"/>
-              <a:endCxn id="141" idx="0"/>
-            </p:cNvCxnSpPr>
-            <p:nvPr/>
-          </p:nvCxnSpPr>
-          <p:spPr>
-            <a:xfrm rot="5400000">
-              <a:off x="4714740" y="2391679"/>
-              <a:ext cx="2257688" cy="313629"/>
-            </a:xfrm>
-            <a:prstGeom prst="curvedConnector3">
-              <a:avLst/>
-            </a:prstGeom>
-            <a:ln>
-              <a:tailEnd type="triangle"/>
-            </a:ln>
-          </p:spPr>
-          <p:style>
-            <a:lnRef idx="1">
-              <a:schemeClr val="accent1"/>
-            </a:lnRef>
-            <a:fillRef idx="0">
-              <a:schemeClr val="accent1"/>
-            </a:fillRef>
-            <a:effectRef idx="0">
-              <a:schemeClr val="accent1"/>
-            </a:effectRef>
-            <a:fontRef idx="minor">
-              <a:schemeClr val="tx1"/>
-            </a:fontRef>
-          </p:style>
-        </p:cxnSp>
-        <p:cxnSp>
-          <p:nvCxnSpPr>
-            <p:cNvPr id="149" name="Curved Connector 148"/>
-            <p:cNvCxnSpPr>
-              <a:stCxn id="137" idx="2"/>
-              <a:endCxn id="141" idx="0"/>
-            </p:cNvCxnSpPr>
-            <p:nvPr/>
-          </p:nvCxnSpPr>
-          <p:spPr>
-            <a:xfrm rot="16200000" flipH="1">
-              <a:off x="4671380" y="2661947"/>
-              <a:ext cx="1528153" cy="502626"/>
-            </a:xfrm>
-            <a:prstGeom prst="curvedConnector3">
-              <a:avLst/>
-            </a:prstGeom>
-            <a:ln>
-              <a:tailEnd type="triangle"/>
-            </a:ln>
-          </p:spPr>
-          <p:style>
-            <a:lnRef idx="1">
-              <a:schemeClr val="accent1"/>
-            </a:lnRef>
-            <a:fillRef idx="0">
-              <a:schemeClr val="accent1"/>
-            </a:fillRef>
-            <a:effectRef idx="0">
-              <a:schemeClr val="accent1"/>
-            </a:effectRef>
-            <a:fontRef idx="minor">
-              <a:schemeClr val="tx1"/>
-            </a:fontRef>
-          </p:style>
-        </p:cxnSp>
-        <p:sp>
-          <p:nvSpPr>
-            <p:cNvPr id="151" name="Rounded Rectangle 150"/>
-            <p:cNvSpPr/>
-            <p:nvPr/>
-          </p:nvSpPr>
-          <p:spPr>
-            <a:xfrm>
-              <a:off x="6485533" y="4819351"/>
-              <a:ext cx="1389260" cy="361051"/>
-            </a:xfrm>
-            <a:prstGeom prst="roundRect">
-              <a:avLst/>
-            </a:prstGeom>
-            <a:solidFill>
-              <a:schemeClr val="accent1">
-                <a:lumMod val="20000"/>
-                <a:lumOff val="80000"/>
-              </a:schemeClr>
-            </a:solidFill>
-          </p:spPr>
-          <p:style>
-            <a:lnRef idx="2">
-              <a:schemeClr val="accent1">
-                <a:shade val="50000"/>
-              </a:schemeClr>
-            </a:lnRef>
-            <a:fillRef idx="1">
-              <a:schemeClr val="accent1"/>
-            </a:fillRef>
-            <a:effectRef idx="0">
-              <a:schemeClr val="accent1"/>
-            </a:effectRef>
-            <a:fontRef idx="minor">
-              <a:schemeClr val="lt1"/>
-            </a:fontRef>
-          </p:style>
-          <p:txBody>
-            <a:bodyPr rtlCol="0" anchor="ctr"/>
-            <a:lstStyle/>
-            <a:p>
-              <a:pPr algn="ctr"/>
-              <a:r>
-                <a:rPr lang="en-US" sz="1200" dirty="0">
-                  <a:solidFill>
-                    <a:schemeClr val="tx1"/>
-                  </a:solidFill>
-                </a:rPr>
-                <a:t>29.zindex</a:t>
-              </a:r>
-            </a:p>
-          </p:txBody>
-        </p:sp>
-        <p:sp>
-          <p:nvSpPr>
-            <p:cNvPr id="152" name="Rounded Rectangle 151"/>
-            <p:cNvSpPr/>
-            <p:nvPr/>
-          </p:nvSpPr>
-          <p:spPr>
-            <a:xfrm>
-              <a:off x="5726373" y="4248344"/>
-              <a:ext cx="1389260" cy="361051"/>
-            </a:xfrm>
-            <a:prstGeom prst="roundRect">
-              <a:avLst/>
-            </a:prstGeom>
-            <a:solidFill>
-              <a:schemeClr val="accent1">
-                <a:lumMod val="20000"/>
-                <a:lumOff val="80000"/>
-              </a:schemeClr>
-            </a:solidFill>
-          </p:spPr>
-          <p:style>
-            <a:lnRef idx="2">
-              <a:schemeClr val="accent1">
-                <a:shade val="50000"/>
-              </a:schemeClr>
-            </a:lnRef>
-            <a:fillRef idx="1">
-              <a:schemeClr val="accent1"/>
-            </a:fillRef>
-            <a:effectRef idx="0">
-              <a:schemeClr val="accent1"/>
-            </a:effectRef>
-            <a:fontRef idx="minor">
-              <a:schemeClr val="lt1"/>
-            </a:fontRef>
-          </p:style>
-          <p:txBody>
-            <a:bodyPr rtlCol="0" anchor="ctr"/>
-            <a:lstStyle/>
-            <a:p>
-              <a:pPr algn="ctr"/>
-              <a:r>
-                <a:rPr lang="en-US" sz="1200" dirty="0">
-                  <a:solidFill>
-                    <a:schemeClr val="tx1"/>
-                  </a:solidFill>
-                </a:rPr>
-                <a:t>28.celltag</a:t>
-              </a:r>
-            </a:p>
-          </p:txBody>
-        </p:sp>
-        <p:cxnSp>
-          <p:nvCxnSpPr>
-            <p:cNvPr id="153" name="Curved Connector 152"/>
-            <p:cNvCxnSpPr>
-              <a:stCxn id="141" idx="2"/>
-              <a:endCxn id="152" idx="0"/>
-            </p:cNvCxnSpPr>
-            <p:nvPr/>
-          </p:nvCxnSpPr>
-          <p:spPr>
-            <a:xfrm rot="16200000" flipH="1">
-              <a:off x="5948908" y="3776249"/>
-              <a:ext cx="209956" cy="734234"/>
-            </a:xfrm>
-            <a:prstGeom prst="curvedConnector3">
-              <a:avLst/>
-            </a:prstGeom>
-            <a:ln>
-              <a:tailEnd type="triangle"/>
-            </a:ln>
-          </p:spPr>
-          <p:style>
-            <a:lnRef idx="1">
-              <a:schemeClr val="accent1"/>
-            </a:lnRef>
-            <a:fillRef idx="0">
-              <a:schemeClr val="accent1"/>
-            </a:fillRef>
-            <a:effectRef idx="0">
-              <a:schemeClr val="accent1"/>
-            </a:effectRef>
-            <a:fontRef idx="minor">
-              <a:schemeClr val="tx1"/>
-            </a:fontRef>
-          </p:style>
-        </p:cxnSp>
-        <p:cxnSp>
-          <p:nvCxnSpPr>
-            <p:cNvPr id="154" name="Curved Connector 153"/>
-            <p:cNvCxnSpPr>
-              <a:stCxn id="152" idx="2"/>
-              <a:endCxn id="151" idx="0"/>
-            </p:cNvCxnSpPr>
-            <p:nvPr/>
-          </p:nvCxnSpPr>
-          <p:spPr>
-            <a:xfrm rot="16200000" flipH="1">
-              <a:off x="6695605" y="4334793"/>
-              <a:ext cx="209956" cy="759160"/>
-            </a:xfrm>
-            <a:prstGeom prst="curvedConnector3">
-              <a:avLst/>
-            </a:prstGeom>
-            <a:ln>
-              <a:tailEnd type="triangle"/>
-            </a:ln>
-          </p:spPr>
-          <p:style>
-            <a:lnRef idx="1">
-              <a:schemeClr val="accent1"/>
-            </a:lnRef>
-            <a:fillRef idx="0">
-              <a:schemeClr val="accent1"/>
-            </a:fillRef>
-            <a:effectRef idx="0">
-              <a:schemeClr val="accent1"/>
-            </a:effectRef>
-            <a:fontRef idx="minor">
-              <a:schemeClr val="tx1"/>
-            </a:fontRef>
-          </p:style>
-        </p:cxnSp>
-        <p:grpSp>
-          <p:nvGrpSpPr>
-            <p:cNvPr id="155" name="Group 154"/>
-            <p:cNvGrpSpPr/>
-            <p:nvPr/>
-          </p:nvGrpSpPr>
-          <p:grpSpPr>
-            <a:xfrm>
-              <a:off x="5314598" y="505249"/>
-              <a:ext cx="1371600" cy="914400"/>
-              <a:chOff x="3579652" y="184889"/>
-              <a:chExt cx="1371600" cy="914400"/>
-            </a:xfrm>
-          </p:grpSpPr>
-          <p:sp>
-            <p:nvSpPr>
-              <p:cNvPr id="167" name="Rectangle 166"/>
-              <p:cNvSpPr/>
-              <p:nvPr/>
-            </p:nvSpPr>
-            <p:spPr>
-              <a:xfrm>
-                <a:off x="3579652" y="184889"/>
-                <a:ext cx="1371600" cy="914400"/>
-              </a:xfrm>
-              <a:prstGeom prst="rect">
-                <a:avLst/>
-              </a:prstGeom>
-              <a:solidFill>
-                <a:schemeClr val="bg1">
-                  <a:lumMod val="95000"/>
-                </a:schemeClr>
-              </a:solidFill>
-            </p:spPr>
-            <p:style>
-              <a:lnRef idx="2">
-                <a:schemeClr val="accent1">
-                  <a:shade val="50000"/>
-                </a:schemeClr>
-              </a:lnRef>
-              <a:fillRef idx="1">
-                <a:schemeClr val="accent1"/>
-              </a:fillRef>
-              <a:effectRef idx="0">
-                <a:schemeClr val="accent1"/>
-              </a:effectRef>
-              <a:fontRef idx="minor">
-                <a:schemeClr val="lt1"/>
-              </a:fontRef>
-            </p:style>
-            <p:txBody>
-              <a:bodyPr rtlCol="0" anchor="ctr"/>
-              <a:lstStyle/>
-              <a:p>
-                <a:pPr algn="ctr"/>
-                <a:endParaRPr lang="en-US" sz="2034"/>
-              </a:p>
-            </p:txBody>
-          </p:sp>
-          <p:sp>
-            <p:nvSpPr>
-              <p:cNvPr id="168" name="Rounded Rectangle 167"/>
-              <p:cNvSpPr/>
-              <p:nvPr/>
-            </p:nvSpPr>
-            <p:spPr>
-              <a:xfrm>
-                <a:off x="3686627" y="311001"/>
-                <a:ext cx="914400" cy="365760"/>
-              </a:xfrm>
-              <a:prstGeom prst="roundRect">
-                <a:avLst/>
-              </a:prstGeom>
-              <a:solidFill>
-                <a:schemeClr val="accent6">
-                  <a:lumMod val="20000"/>
-                  <a:lumOff val="80000"/>
-                </a:schemeClr>
-              </a:solidFill>
-            </p:spPr>
-            <p:style>
-              <a:lnRef idx="2">
-                <a:schemeClr val="accent1">
-                  <a:shade val="50000"/>
-                </a:schemeClr>
-              </a:lnRef>
-              <a:fillRef idx="1">
-                <a:schemeClr val="accent1"/>
-              </a:fillRef>
-              <a:effectRef idx="0">
-                <a:schemeClr val="accent1"/>
-              </a:effectRef>
-              <a:fontRef idx="minor">
-                <a:schemeClr val="lt1"/>
-              </a:fontRef>
-            </p:style>
-            <p:txBody>
-              <a:bodyPr rtlCol="0" anchor="ctr"/>
-              <a:lstStyle/>
-              <a:p>
-                <a:pPr algn="ctr"/>
-                <a:r>
-                  <a:rPr lang="en-US" sz="1200" dirty="0" err="1">
-                    <a:solidFill>
-                      <a:schemeClr val="tx1"/>
-                    </a:solidFill>
-                  </a:rPr>
-                  <a:t>SampleDB</a:t>
-                </a:r>
-                <a:endParaRPr lang="en-US" sz="1200" dirty="0">
-                  <a:solidFill>
-                    <a:schemeClr val="tx1"/>
-                  </a:solidFill>
-                </a:endParaRPr>
-              </a:p>
-            </p:txBody>
-          </p:sp>
-          <p:sp>
-            <p:nvSpPr>
-              <p:cNvPr id="169" name="Rounded Rectangle 168"/>
-              <p:cNvSpPr/>
-              <p:nvPr/>
-            </p:nvSpPr>
-            <p:spPr>
-              <a:xfrm>
-                <a:off x="3839027" y="463401"/>
-                <a:ext cx="914400" cy="365760"/>
-              </a:xfrm>
-              <a:prstGeom prst="roundRect">
-                <a:avLst/>
-              </a:prstGeom>
-              <a:solidFill>
-                <a:schemeClr val="accent6">
-                  <a:lumMod val="20000"/>
-                  <a:lumOff val="80000"/>
-                </a:schemeClr>
-              </a:solidFill>
-            </p:spPr>
-            <p:style>
-              <a:lnRef idx="2">
-                <a:schemeClr val="accent1">
-                  <a:shade val="50000"/>
-                </a:schemeClr>
-              </a:lnRef>
-              <a:fillRef idx="1">
-                <a:schemeClr val="accent1"/>
-              </a:fillRef>
-              <a:effectRef idx="0">
-                <a:schemeClr val="accent1"/>
-              </a:effectRef>
-              <a:fontRef idx="minor">
-                <a:schemeClr val="lt1"/>
-              </a:fontRef>
-            </p:style>
-            <p:txBody>
-              <a:bodyPr rtlCol="0" anchor="ctr"/>
-              <a:lstStyle/>
-              <a:p>
-                <a:pPr algn="ctr"/>
-                <a:r>
-                  <a:rPr lang="en-US" sz="1200" dirty="0" err="1">
-                    <a:solidFill>
-                      <a:schemeClr val="tx1"/>
-                    </a:solidFill>
-                  </a:rPr>
-                  <a:t>SampleDB</a:t>
-                </a:r>
-                <a:endParaRPr lang="en-US" sz="1200" dirty="0">
-                  <a:solidFill>
-                    <a:schemeClr val="tx1"/>
-                  </a:solidFill>
-                </a:endParaRPr>
-              </a:p>
-            </p:txBody>
-          </p:sp>
-          <p:sp>
-            <p:nvSpPr>
-              <p:cNvPr id="170" name="Rounded Rectangle 169"/>
-              <p:cNvSpPr/>
-              <p:nvPr/>
-            </p:nvSpPr>
-            <p:spPr>
-              <a:xfrm>
-                <a:off x="3991427" y="615801"/>
-                <a:ext cx="914400" cy="365760"/>
-              </a:xfrm>
-              <a:prstGeom prst="roundRect">
-                <a:avLst/>
-              </a:prstGeom>
-              <a:solidFill>
-                <a:schemeClr val="accent6">
-                  <a:lumMod val="20000"/>
-                  <a:lumOff val="80000"/>
-                </a:schemeClr>
-              </a:solidFill>
-            </p:spPr>
-            <p:style>
-              <a:lnRef idx="2">
-                <a:schemeClr val="accent1">
-                  <a:shade val="50000"/>
-                </a:schemeClr>
-              </a:lnRef>
-              <a:fillRef idx="1">
-                <a:schemeClr val="accent1"/>
-              </a:fillRef>
-              <a:effectRef idx="0">
-                <a:schemeClr val="accent1"/>
-              </a:effectRef>
-              <a:fontRef idx="minor">
-                <a:schemeClr val="lt1"/>
-              </a:fontRef>
-            </p:style>
-            <p:txBody>
-              <a:bodyPr rtlCol="0" anchor="ctr"/>
-              <a:lstStyle/>
-              <a:p>
-                <a:pPr algn="ctr"/>
-                <a:r>
-                  <a:rPr lang="en-US" sz="1200" dirty="0" err="1">
-                    <a:solidFill>
-                      <a:schemeClr val="tx1"/>
-                    </a:solidFill>
-                  </a:rPr>
-                  <a:t>SampleDB</a:t>
-                </a:r>
-                <a:endParaRPr lang="en-US" sz="1200" dirty="0">
-                  <a:solidFill>
-                    <a:schemeClr val="tx1"/>
-                  </a:solidFill>
-                </a:endParaRPr>
-              </a:p>
-            </p:txBody>
-          </p:sp>
-        </p:grpSp>
-        <p:grpSp>
-          <p:nvGrpSpPr>
-            <p:cNvPr id="156" name="Group 155"/>
-            <p:cNvGrpSpPr/>
-            <p:nvPr/>
-          </p:nvGrpSpPr>
-          <p:grpSpPr>
-            <a:xfrm>
-              <a:off x="6762398" y="505249"/>
-              <a:ext cx="1371600" cy="914400"/>
-              <a:chOff x="5943456" y="185919"/>
-              <a:chExt cx="1371600" cy="914400"/>
-            </a:xfrm>
-          </p:grpSpPr>
-          <p:grpSp>
-            <p:nvGrpSpPr>
-              <p:cNvPr id="161" name="Group 160"/>
-              <p:cNvGrpSpPr/>
-              <p:nvPr/>
-            </p:nvGrpSpPr>
-            <p:grpSpPr>
-              <a:xfrm>
-                <a:off x="5943456" y="185919"/>
-                <a:ext cx="1371600" cy="914400"/>
-                <a:chOff x="3188011" y="1400970"/>
-                <a:chExt cx="2286000" cy="1600200"/>
-              </a:xfrm>
-            </p:grpSpPr>
-            <p:sp>
-              <p:nvSpPr>
-                <p:cNvPr id="164" name="Rectangle 163"/>
-                <p:cNvSpPr/>
-                <p:nvPr/>
-              </p:nvSpPr>
-              <p:spPr>
-                <a:xfrm>
-                  <a:off x="3188011" y="1400970"/>
-                  <a:ext cx="2286000" cy="1600200"/>
-                </a:xfrm>
-                <a:prstGeom prst="rect">
-                  <a:avLst/>
-                </a:prstGeom>
-                <a:solidFill>
-                  <a:schemeClr val="bg1">
-                    <a:lumMod val="95000"/>
-                  </a:schemeClr>
-                </a:solidFill>
-              </p:spPr>
-              <p:style>
-                <a:lnRef idx="2">
-                  <a:schemeClr val="accent1">
-                    <a:shade val="50000"/>
-                  </a:schemeClr>
-                </a:lnRef>
-                <a:fillRef idx="1">
-                  <a:schemeClr val="accent1"/>
-                </a:fillRef>
-                <a:effectRef idx="0">
-                  <a:schemeClr val="accent1"/>
-                </a:effectRef>
-                <a:fontRef idx="minor">
-                  <a:schemeClr val="lt1"/>
-                </a:fontRef>
-              </p:style>
-              <p:txBody>
-                <a:bodyPr rtlCol="0" anchor="ctr"/>
-                <a:lstStyle/>
-                <a:p>
-                  <a:pPr algn="ctr"/>
-                  <a:endParaRPr lang="en-US" sz="2034"/>
-                </a:p>
-              </p:txBody>
-            </p:sp>
-            <p:sp>
-              <p:nvSpPr>
-                <p:cNvPr id="165" name="Rounded Rectangle 164"/>
-                <p:cNvSpPr/>
-                <p:nvPr/>
-              </p:nvSpPr>
-              <p:spPr>
-                <a:xfrm>
-                  <a:off x="3346276" y="1582487"/>
-                  <a:ext cx="1524000" cy="640080"/>
-                </a:xfrm>
-                <a:prstGeom prst="roundRect">
-                  <a:avLst/>
-                </a:prstGeom>
-                <a:solidFill>
-                  <a:schemeClr val="accent6">
-                    <a:lumMod val="20000"/>
-                    <a:lumOff val="80000"/>
-                  </a:schemeClr>
-                </a:solidFill>
-              </p:spPr>
-              <p:style>
-                <a:lnRef idx="2">
-                  <a:schemeClr val="accent1">
-                    <a:shade val="50000"/>
-                  </a:schemeClr>
-                </a:lnRef>
-                <a:fillRef idx="1">
-                  <a:schemeClr val="accent1"/>
-                </a:fillRef>
-                <a:effectRef idx="0">
-                  <a:schemeClr val="accent1"/>
-                </a:effectRef>
-                <a:fontRef idx="minor">
-                  <a:schemeClr val="lt1"/>
-                </a:fontRef>
-              </p:style>
-              <p:txBody>
-                <a:bodyPr rtlCol="0" anchor="ctr"/>
-                <a:lstStyle/>
-                <a:p>
-                  <a:pPr algn="ctr"/>
-                  <a:r>
-                    <a:rPr lang="en-US" sz="1200" dirty="0">
-                      <a:solidFill>
-                        <a:schemeClr val="tx1"/>
-                      </a:solidFill>
-                    </a:rPr>
-                    <a:t>Control</a:t>
-                  </a:r>
-                </a:p>
-              </p:txBody>
-            </p:sp>
-          </p:grpSp>
-          <p:sp>
-            <p:nvSpPr>
-              <p:cNvPr id="162" name="Rounded Rectangle 161"/>
-              <p:cNvSpPr/>
-              <p:nvPr/>
-            </p:nvSpPr>
-            <p:spPr>
-              <a:xfrm>
-                <a:off x="6190815" y="442043"/>
-                <a:ext cx="914400" cy="365760"/>
-              </a:xfrm>
-              <a:prstGeom prst="roundRect">
-                <a:avLst/>
-              </a:prstGeom>
-              <a:solidFill>
-                <a:schemeClr val="accent6">
-                  <a:lumMod val="20000"/>
-                  <a:lumOff val="80000"/>
-                </a:schemeClr>
-              </a:solidFill>
-            </p:spPr>
-            <p:style>
-              <a:lnRef idx="2">
-                <a:schemeClr val="accent1">
-                  <a:shade val="50000"/>
-                </a:schemeClr>
-              </a:lnRef>
-              <a:fillRef idx="1">
-                <a:schemeClr val="accent1"/>
-              </a:fillRef>
-              <a:effectRef idx="0">
-                <a:schemeClr val="accent1"/>
-              </a:effectRef>
-              <a:fontRef idx="minor">
-                <a:schemeClr val="lt1"/>
-              </a:fontRef>
-            </p:style>
-            <p:txBody>
-              <a:bodyPr rtlCol="0" anchor="ctr"/>
-              <a:lstStyle/>
-              <a:p>
-                <a:pPr algn="ctr"/>
-                <a:r>
-                  <a:rPr lang="en-US" sz="1200" dirty="0">
-                    <a:solidFill>
-                      <a:schemeClr val="tx1"/>
-                    </a:solidFill>
-                  </a:rPr>
-                  <a:t>Control</a:t>
-                </a:r>
-              </a:p>
-            </p:txBody>
-          </p:sp>
-          <p:sp>
-            <p:nvSpPr>
-              <p:cNvPr id="163" name="Rounded Rectangle 162"/>
-              <p:cNvSpPr/>
-              <p:nvPr/>
-            </p:nvSpPr>
-            <p:spPr>
-              <a:xfrm>
-                <a:off x="6343215" y="594443"/>
-                <a:ext cx="914400" cy="365760"/>
-              </a:xfrm>
-              <a:prstGeom prst="roundRect">
-                <a:avLst/>
-              </a:prstGeom>
-              <a:solidFill>
-                <a:schemeClr val="accent6">
-                  <a:lumMod val="20000"/>
-                  <a:lumOff val="80000"/>
-                </a:schemeClr>
-              </a:solidFill>
-            </p:spPr>
-            <p:style>
-              <a:lnRef idx="2">
-                <a:schemeClr val="accent1">
-                  <a:shade val="50000"/>
-                </a:schemeClr>
-              </a:lnRef>
-              <a:fillRef idx="1">
-                <a:schemeClr val="accent1"/>
-              </a:fillRef>
-              <a:effectRef idx="0">
-                <a:schemeClr val="accent1"/>
-              </a:effectRef>
-              <a:fontRef idx="minor">
-                <a:schemeClr val="lt1"/>
-              </a:fontRef>
-            </p:style>
-            <p:txBody>
-              <a:bodyPr rtlCol="0" anchor="ctr"/>
-              <a:lstStyle/>
-              <a:p>
-                <a:pPr algn="ctr"/>
-                <a:r>
-                  <a:rPr lang="en-US" sz="1200" dirty="0">
-                    <a:solidFill>
-                      <a:schemeClr val="tx1"/>
-                    </a:solidFill>
-                  </a:rPr>
-                  <a:t>Control</a:t>
-                </a:r>
-              </a:p>
-            </p:txBody>
-          </p:sp>
-        </p:grpSp>
-        <p:sp>
-          <p:nvSpPr>
-            <p:cNvPr id="157" name="Rounded Rectangle 156"/>
-            <p:cNvSpPr/>
-            <p:nvPr/>
-          </p:nvSpPr>
-          <p:spPr>
-            <a:xfrm>
-              <a:off x="4989876" y="6018776"/>
-              <a:ext cx="1389260" cy="361051"/>
-            </a:xfrm>
-            <a:prstGeom prst="roundRect">
-              <a:avLst/>
-            </a:prstGeom>
-            <a:solidFill>
-              <a:schemeClr val="accent6">
-                <a:lumMod val="40000"/>
-                <a:lumOff val="60000"/>
-              </a:schemeClr>
-            </a:solidFill>
-          </p:spPr>
-          <p:style>
-            <a:lnRef idx="2">
-              <a:schemeClr val="accent1">
-                <a:shade val="50000"/>
-              </a:schemeClr>
-            </a:lnRef>
-            <a:fillRef idx="1">
-              <a:schemeClr val="accent1"/>
-            </a:fillRef>
-            <a:effectRef idx="0">
-              <a:schemeClr val="accent1"/>
-            </a:effectRef>
-            <a:fontRef idx="minor">
-              <a:schemeClr val="lt1"/>
-            </a:fontRef>
-          </p:style>
-          <p:txBody>
-            <a:bodyPr rtlCol="0" anchor="ctr"/>
-            <a:lstStyle/>
-            <a:p>
-              <a:pPr algn="ctr"/>
-              <a:r>
-                <a:rPr lang="en-US" sz="1200" dirty="0" err="1">
-                  <a:solidFill>
-                    <a:schemeClr val="tx1"/>
-                  </a:solidFill>
-                </a:rPr>
-                <a:t>MergeDB</a:t>
-              </a:r>
-              <a:endParaRPr lang="en-US" sz="1200" dirty="0">
-                <a:solidFill>
-                  <a:schemeClr val="tx1"/>
-                </a:solidFill>
-              </a:endParaRPr>
-            </a:p>
-          </p:txBody>
-        </p:sp>
-        <p:sp>
-          <p:nvSpPr>
-            <p:cNvPr id="158" name="Rounded Rectangle 157"/>
-            <p:cNvSpPr/>
-            <p:nvPr/>
-          </p:nvSpPr>
-          <p:spPr>
-            <a:xfrm>
-              <a:off x="5686769" y="5397791"/>
-              <a:ext cx="1389260" cy="361051"/>
-            </a:xfrm>
-            <a:prstGeom prst="roundRect">
-              <a:avLst/>
-            </a:prstGeom>
-            <a:solidFill>
-              <a:schemeClr val="accent1">
-                <a:lumMod val="20000"/>
-                <a:lumOff val="80000"/>
-              </a:schemeClr>
-            </a:solidFill>
-          </p:spPr>
-          <p:style>
-            <a:lnRef idx="2">
-              <a:schemeClr val="accent1">
-                <a:shade val="50000"/>
-              </a:schemeClr>
-            </a:lnRef>
-            <a:fillRef idx="1">
-              <a:schemeClr val="accent1"/>
-            </a:fillRef>
-            <a:effectRef idx="0">
-              <a:schemeClr val="accent1"/>
-            </a:effectRef>
-            <a:fontRef idx="minor">
-              <a:schemeClr val="lt1"/>
-            </a:fontRef>
-          </p:style>
-          <p:txBody>
-            <a:bodyPr rtlCol="0" anchor="ctr"/>
-            <a:lstStyle/>
-            <a:p>
-              <a:pPr algn="ctr"/>
-              <a:r>
-                <a:rPr lang="en-US" sz="1200" dirty="0">
-                  <a:solidFill>
-                    <a:schemeClr val="tx1"/>
-                  </a:solidFill>
-                </a:rPr>
-                <a:t>30.matches</a:t>
-              </a:r>
-            </a:p>
-          </p:txBody>
-        </p:sp>
-        <p:cxnSp>
-          <p:nvCxnSpPr>
-            <p:cNvPr id="159" name="Curved Connector 158"/>
-            <p:cNvCxnSpPr>
-              <a:stCxn id="151" idx="2"/>
-              <a:endCxn id="158" idx="0"/>
-            </p:cNvCxnSpPr>
-            <p:nvPr/>
-          </p:nvCxnSpPr>
-          <p:spPr>
-            <a:xfrm rot="5400000">
-              <a:off x="6672087" y="4889714"/>
-              <a:ext cx="217389" cy="798764"/>
-            </a:xfrm>
-            <a:prstGeom prst="curvedConnector3">
-              <a:avLst>
-                <a:gd name="adj1" fmla="val 50000"/>
-              </a:avLst>
-            </a:prstGeom>
-            <a:ln>
-              <a:tailEnd type="triangle"/>
-            </a:ln>
-          </p:spPr>
-          <p:style>
-            <a:lnRef idx="1">
-              <a:schemeClr val="accent1"/>
-            </a:lnRef>
-            <a:fillRef idx="0">
-              <a:schemeClr val="accent1"/>
-            </a:fillRef>
-            <a:effectRef idx="0">
-              <a:schemeClr val="accent1"/>
-            </a:effectRef>
-            <a:fontRef idx="minor">
-              <a:schemeClr val="tx1"/>
-            </a:fontRef>
-          </p:style>
-        </p:cxnSp>
-        <p:cxnSp>
-          <p:nvCxnSpPr>
-            <p:cNvPr id="160" name="Curved Connector 159"/>
-            <p:cNvCxnSpPr>
-              <a:stCxn id="158" idx="2"/>
-              <a:endCxn id="157" idx="0"/>
-            </p:cNvCxnSpPr>
-            <p:nvPr/>
-          </p:nvCxnSpPr>
-          <p:spPr>
-            <a:xfrm rot="5400000">
-              <a:off x="5902986" y="5540363"/>
-              <a:ext cx="259934" cy="696893"/>
-            </a:xfrm>
-            <a:prstGeom prst="curvedConnector3">
-              <a:avLst/>
-            </a:prstGeom>
-            <a:ln>
-              <a:tailEnd type="triangle"/>
-            </a:ln>
-          </p:spPr>
-          <p:style>
-            <a:lnRef idx="1">
-              <a:schemeClr val="accent1"/>
-            </a:lnRef>
-            <a:fillRef idx="0">
-              <a:schemeClr val="accent1"/>
-            </a:fillRef>
-            <a:effectRef idx="0">
-              <a:schemeClr val="accent1"/>
-            </a:effectRef>
-            <a:fontRef idx="minor">
-              <a:schemeClr val="tx1"/>
-            </a:fontRef>
-          </p:style>
-        </p:cxnSp>
-      </p:grpSp>
-      <p:sp>
-        <p:nvSpPr>
-          <p:cNvPr id="225" name="Rounded Rectangle 224"/>
-          <p:cNvSpPr/>
-          <p:nvPr/>
-        </p:nvSpPr>
-        <p:spPr>
-          <a:xfrm>
-            <a:off x="12967978" y="7879575"/>
-            <a:ext cx="1389260" cy="361051"/>
-          </a:xfrm>
-          <a:prstGeom prst="roundRect">
-            <a:avLst/>
-          </a:prstGeom>
-          <a:solidFill>
-            <a:schemeClr val="accent6">
-              <a:lumMod val="40000"/>
-              <a:lumOff val="60000"/>
-            </a:schemeClr>
-          </a:solidFill>
-        </p:spPr>
-        <p:style>
-          <a:lnRef idx="2">
-            <a:schemeClr val="accent1">
-              <a:shade val="50000"/>
-            </a:schemeClr>
-          </a:lnRef>
-          <a:fillRef idx="1">
-            <a:schemeClr val="accent1"/>
-          </a:fillRef>
-          <a:effectRef idx="0">
-            <a:schemeClr val="accent1"/>
-          </a:effectRef>
-          <a:fontRef idx="minor">
-            <a:schemeClr val="lt1"/>
-          </a:fontRef>
-        </p:style>
-        <p:txBody>
-          <a:bodyPr rtlCol="0" anchor="ctr"/>
-          <a:lstStyle/>
-          <a:p>
-            <a:pPr algn="ctr"/>
-            <a:r>
-              <a:rPr lang="en-US" sz="1200" dirty="0" err="1">
-                <a:solidFill>
-                  <a:schemeClr val="tx1"/>
-                </a:solidFill>
-              </a:rPr>
-              <a:t>ZoomDB</a:t>
-            </a:r>
-            <a:endParaRPr lang="en-US" sz="1200" dirty="0">
-              <a:solidFill>
-                <a:schemeClr val="tx1"/>
-              </a:solidFill>
-            </a:endParaRPr>
-          </a:p>
-        </p:txBody>
-      </p:sp>
-      <p:cxnSp>
-        <p:nvCxnSpPr>
-          <p:cNvPr id="227" name="Curved Connector 226"/>
-          <p:cNvCxnSpPr>
-            <a:stCxn id="70" idx="2"/>
-            <a:endCxn id="225" idx="0"/>
-          </p:cNvCxnSpPr>
-          <p:nvPr/>
-        </p:nvCxnSpPr>
-        <p:spPr>
-          <a:xfrm rot="16200000" flipH="1">
-            <a:off x="13291705" y="7508671"/>
-            <a:ext cx="280161" cy="461645"/>
-          </a:xfrm>
-          <a:prstGeom prst="curvedConnector3">
-            <a:avLst>
-              <a:gd name="adj1" fmla="val 50000"/>
-            </a:avLst>
-          </a:prstGeom>
-          <a:ln>
-            <a:tailEnd type="triangle"/>
-          </a:ln>
-        </p:spPr>
-        <p:style>
-          <a:lnRef idx="1">
-            <a:schemeClr val="accent1"/>
-          </a:lnRef>
-          <a:fillRef idx="0">
-            <a:schemeClr val="accent1"/>
-          </a:fillRef>
-          <a:effectRef idx="0">
-            <a:schemeClr val="accent1"/>
-          </a:effectRef>
-          <a:fontRef idx="minor">
-            <a:schemeClr val="tx1"/>
-          </a:fontRef>
-        </p:style>
-      </p:cxnSp>
-      <p:cxnSp>
-        <p:nvCxnSpPr>
-          <p:cNvPr id="235" name="Curved Connector 234"/>
-          <p:cNvCxnSpPr>
-            <a:stCxn id="99" idx="2"/>
-            <a:endCxn id="70" idx="0"/>
-          </p:cNvCxnSpPr>
-          <p:nvPr/>
-        </p:nvCxnSpPr>
-        <p:spPr>
-          <a:xfrm rot="16200000" flipH="1">
-            <a:off x="12659906" y="6697306"/>
-            <a:ext cx="345324" cy="736790"/>
-          </a:xfrm>
-          <a:prstGeom prst="curvedConnector3">
-            <a:avLst>
-              <a:gd name="adj1" fmla="val 50000"/>
-            </a:avLst>
-          </a:prstGeom>
-          <a:ln>
-            <a:tailEnd type="triangle"/>
-          </a:ln>
-        </p:spPr>
-        <p:style>
-          <a:lnRef idx="1">
-            <a:schemeClr val="accent1"/>
-          </a:lnRef>
-          <a:fillRef idx="0">
-            <a:schemeClr val="accent1"/>
-          </a:fillRef>
-          <a:effectRef idx="0">
-            <a:schemeClr val="accent1"/>
-          </a:effectRef>
-          <a:fontRef idx="minor">
-            <a:schemeClr val="tx1"/>
-          </a:fontRef>
-        </p:style>
-      </p:cxnSp>
-      <p:cxnSp>
-        <p:nvCxnSpPr>
-          <p:cNvPr id="256" name="Straight Connector 255"/>
-          <p:cNvCxnSpPr/>
-          <p:nvPr/>
-        </p:nvCxnSpPr>
-        <p:spPr>
-          <a:xfrm flipH="1">
-            <a:off x="7464634" y="1736723"/>
-            <a:ext cx="41065" cy="6034258"/>
-          </a:xfrm>
-          <a:prstGeom prst="line">
-            <a:avLst/>
-          </a:prstGeom>
-          <a:ln w="38100"/>
-        </p:spPr>
-        <p:style>
-          <a:lnRef idx="1">
-            <a:schemeClr val="dk1"/>
-          </a:lnRef>
-          <a:fillRef idx="0">
-            <a:schemeClr val="dk1"/>
-          </a:fillRef>
-          <a:effectRef idx="0">
-            <a:schemeClr val="dk1"/>
-          </a:effectRef>
-          <a:fontRef idx="minor">
-            <a:schemeClr val="tx1"/>
-          </a:fontRef>
-        </p:style>
-      </p:cxnSp>
-    </p:spTree>
-    <p:extLst>
-      <p:ext uri="{BB962C8B-B14F-4D97-AF65-F5344CB8AC3E}">
-        <p14:creationId xmlns:p14="http://schemas.microsoft.com/office/powerpoint/2010/main" val="2866609135"/>
-      </p:ext>
-    </p:extLst>
-  </p:cSld>
-  <p:clrMapOvr>
-    <a:masterClrMapping/>
-  </p:clrMapOvr>
-</p:sld>
-</file>
-
-<file path=ppt/slides/slide3.xml><?xml version="1.0" encoding="utf-8"?>
 <p:sld xmlns:a="http://schemas.openxmlformats.org/drawingml/2006/main" xmlns:r="http://schemas.openxmlformats.org/officeDocument/2006/relationships" xmlns:p="http://schemas.openxmlformats.org/presentationml/2006/main">
   <p:cSld>
     <p:spTree>
@@ -10263,7 +4858,7 @@
           </p:nvSpPr>
           <p:spPr>
             <a:xfrm>
-              <a:off x="8929415" y="970276"/>
+              <a:off x="8424575" y="897846"/>
               <a:ext cx="1939115" cy="369332"/>
             </a:xfrm>
             <a:prstGeom prst="rect">
@@ -10278,9 +4873,10 @@
             <a:lstStyle/>
             <a:p>
               <a:r>
-                <a:rPr lang="en-US" dirty="0"/>
-                <a:t>Transform</a:t>
+                <a:rPr lang="en-US" dirty="0" smtClean="0"/>
+                <a:t>Slides</a:t>
               </a:r>
+              <a:endParaRPr lang="en-US" dirty="0"/>
             </a:p>
           </p:txBody>
         </p:sp>
@@ -16407,9 +11003,10 @@
             <a:p>
               <a:pPr algn="r"/>
               <a:r>
-                <a:rPr lang="en-US" dirty="0"/>
-                <a:t>Merge</a:t>
+                <a:rPr lang="en-US" dirty="0" smtClean="0"/>
+                <a:t>Samples</a:t>
               </a:r>
+              <a:endParaRPr lang="en-US" dirty="0"/>
             </a:p>
           </p:txBody>
         </p:sp>
@@ -16702,6 +11299,37 @@
           </a:fontRef>
         </p:style>
       </p:cxnSp>
+      <p:sp>
+        <p:nvSpPr>
+          <p:cNvPr id="164" name="TextBox 163"/>
+          <p:cNvSpPr txBox="1"/>
+          <p:nvPr/>
+        </p:nvSpPr>
+        <p:spPr>
+          <a:xfrm>
+            <a:off x="-533822" y="1047948"/>
+            <a:ext cx="1418192" cy="369332"/>
+          </a:xfrm>
+          <a:prstGeom prst="rect">
+            <a:avLst/>
+          </a:prstGeom>
+          <a:noFill/>
+        </p:spPr>
+        <p:txBody>
+          <a:bodyPr wrap="square" rtlCol="0">
+            <a:spAutoFit/>
+          </a:bodyPr>
+          <a:lstStyle/>
+          <a:p>
+            <a:pPr algn="r"/>
+            <a:r>
+              <a:rPr lang="en-US" dirty="0" smtClean="0"/>
+              <a:t>HPFs</a:t>
+            </a:r>
+            <a:endParaRPr lang="en-US" dirty="0"/>
+          </a:p>
+        </p:txBody>
+      </p:sp>
     </p:spTree>
     <p:extLst>
       <p:ext uri="{BB962C8B-B14F-4D97-AF65-F5344CB8AC3E}">
@@ -16715,7 +11343,7 @@
 </p:sld>
 </file>
 
-<file path=ppt/slides/slide4.xml><?xml version="1.0" encoding="utf-8"?>
+<file path=ppt/slides/slide3.xml><?xml version="1.0" encoding="utf-8"?>
 <p:sld xmlns:a="http://schemas.openxmlformats.org/drawingml/2006/main" xmlns:r="http://schemas.openxmlformats.org/officeDocument/2006/relationships" xmlns:p="http://schemas.openxmlformats.org/presentationml/2006/main">
   <p:cSld>
     <p:spTree>

--- a/documents/Sample Workflow Dependency.pptx
+++ b/documents/Sample Workflow Dependency.pptx
@@ -7,7 +7,9 @@
   <p:sldIdLst>
     <p:sldId id="259" r:id="rId2"/>
     <p:sldId id="261" r:id="rId3"/>
-    <p:sldId id="262" r:id="rId4"/>
+    <p:sldId id="263" r:id="rId4"/>
+    <p:sldId id="264" r:id="rId5"/>
+    <p:sldId id="262" r:id="rId6"/>
   </p:sldIdLst>
   <p:sldSz cx="18288000" cy="9144000"/>
   <p:notesSz cx="6858000" cy="9144000"/>
@@ -245,7 +247,7 @@
           <a:p>
             <a:fld id="{CB8393A8-4562-4F50-B742-6E29655ED728}" type="datetimeFigureOut">
               <a:rPr lang="en-US" smtClean="0"/>
-              <a:t>5/25/2021</a:t>
+              <a:t>7/26/2021</a:t>
             </a:fld>
             <a:endParaRPr lang="en-US"/>
           </a:p>
@@ -415,7 +417,7 @@
           <a:p>
             <a:fld id="{CB8393A8-4562-4F50-B742-6E29655ED728}" type="datetimeFigureOut">
               <a:rPr lang="en-US" smtClean="0"/>
-              <a:t>5/25/2021</a:t>
+              <a:t>7/26/2021</a:t>
             </a:fld>
             <a:endParaRPr lang="en-US"/>
           </a:p>
@@ -595,7 +597,7 @@
           <a:p>
             <a:fld id="{CB8393A8-4562-4F50-B742-6E29655ED728}" type="datetimeFigureOut">
               <a:rPr lang="en-US" smtClean="0"/>
-              <a:t>5/25/2021</a:t>
+              <a:t>7/26/2021</a:t>
             </a:fld>
             <a:endParaRPr lang="en-US"/>
           </a:p>
@@ -765,7 +767,7 @@
           <a:p>
             <a:fld id="{CB8393A8-4562-4F50-B742-6E29655ED728}" type="datetimeFigureOut">
               <a:rPr lang="en-US" smtClean="0"/>
-              <a:t>5/25/2021</a:t>
+              <a:t>7/26/2021</a:t>
             </a:fld>
             <a:endParaRPr lang="en-US"/>
           </a:p>
@@ -1011,7 +1013,7 @@
           <a:p>
             <a:fld id="{CB8393A8-4562-4F50-B742-6E29655ED728}" type="datetimeFigureOut">
               <a:rPr lang="en-US" smtClean="0"/>
-              <a:t>5/25/2021</a:t>
+              <a:t>7/26/2021</a:t>
             </a:fld>
             <a:endParaRPr lang="en-US"/>
           </a:p>
@@ -1243,7 +1245,7 @@
           <a:p>
             <a:fld id="{CB8393A8-4562-4F50-B742-6E29655ED728}" type="datetimeFigureOut">
               <a:rPr lang="en-US" smtClean="0"/>
-              <a:t>5/25/2021</a:t>
+              <a:t>7/26/2021</a:t>
             </a:fld>
             <a:endParaRPr lang="en-US"/>
           </a:p>
@@ -1610,7 +1612,7 @@
           <a:p>
             <a:fld id="{CB8393A8-4562-4F50-B742-6E29655ED728}" type="datetimeFigureOut">
               <a:rPr lang="en-US" smtClean="0"/>
-              <a:t>5/25/2021</a:t>
+              <a:t>7/26/2021</a:t>
             </a:fld>
             <a:endParaRPr lang="en-US"/>
           </a:p>
@@ -1728,7 +1730,7 @@
           <a:p>
             <a:fld id="{CB8393A8-4562-4F50-B742-6E29655ED728}" type="datetimeFigureOut">
               <a:rPr lang="en-US" smtClean="0"/>
-              <a:t>5/25/2021</a:t>
+              <a:t>7/26/2021</a:t>
             </a:fld>
             <a:endParaRPr lang="en-US"/>
           </a:p>
@@ -1823,7 +1825,7 @@
           <a:p>
             <a:fld id="{CB8393A8-4562-4F50-B742-6E29655ED728}" type="datetimeFigureOut">
               <a:rPr lang="en-US" smtClean="0"/>
-              <a:t>5/25/2021</a:t>
+              <a:t>7/26/2021</a:t>
             </a:fld>
             <a:endParaRPr lang="en-US"/>
           </a:p>
@@ -2100,7 +2102,7 @@
           <a:p>
             <a:fld id="{CB8393A8-4562-4F50-B742-6E29655ED728}" type="datetimeFigureOut">
               <a:rPr lang="en-US" smtClean="0"/>
-              <a:t>5/25/2021</a:t>
+              <a:t>7/26/2021</a:t>
             </a:fld>
             <a:endParaRPr lang="en-US"/>
           </a:p>
@@ -2357,7 +2359,7 @@
           <a:p>
             <a:fld id="{CB8393A8-4562-4F50-B742-6E29655ED728}" type="datetimeFigureOut">
               <a:rPr lang="en-US" smtClean="0"/>
-              <a:t>5/25/2021</a:t>
+              <a:t>7/26/2021</a:t>
             </a:fld>
             <a:endParaRPr lang="en-US"/>
           </a:p>
@@ -2570,7 +2572,7 @@
           <a:p>
             <a:fld id="{CB8393A8-4562-4F50-B742-6E29655ED728}" type="datetimeFigureOut">
               <a:rPr lang="en-US" smtClean="0"/>
-              <a:t>5/25/2021</a:t>
+              <a:t>7/26/2021</a:t>
             </a:fld>
             <a:endParaRPr lang="en-US"/>
           </a:p>
@@ -8742,20 +8744,19 @@
         <p:nvCxnSpPr>
           <p:cNvPr id="538" name="Curved Connector 537"/>
           <p:cNvCxnSpPr>
-            <a:stCxn id="279" idx="3"/>
+            <a:stCxn id="230" idx="2"/>
             <a:endCxn id="277" idx="0"/>
           </p:cNvCxnSpPr>
           <p:nvPr/>
         </p:nvCxnSpPr>
         <p:spPr>
-          <a:xfrm flipH="1">
-            <a:off x="3292701" y="1982979"/>
-            <a:ext cx="581884" cy="2997344"/>
+          <a:xfrm rot="16200000" flipH="1">
+            <a:off x="2600111" y="4287733"/>
+            <a:ext cx="1089758" cy="295422"/>
           </a:xfrm>
-          <a:prstGeom prst="curvedConnector4">
+          <a:prstGeom prst="curvedConnector3">
             <a:avLst>
-              <a:gd name="adj1" fmla="val -39286"/>
-              <a:gd name="adj2" fmla="val 53011"/>
+              <a:gd name="adj1" fmla="val 50000"/>
             </a:avLst>
           </a:prstGeom>
           <a:ln>
@@ -11344,6 +11345,168 @@
 </file>
 
 <file path=ppt/slides/slide3.xml><?xml version="1.0" encoding="utf-8"?>
+<p:sld xmlns:a="http://schemas.openxmlformats.org/drawingml/2006/main" xmlns:r="http://schemas.openxmlformats.org/officeDocument/2006/relationships" xmlns:p="http://schemas.openxmlformats.org/presentationml/2006/main">
+  <p:cSld>
+    <p:spTree>
+      <p:nvGrpSpPr>
+        <p:cNvPr id="1" name=""/>
+        <p:cNvGrpSpPr/>
+        <p:nvPr/>
+      </p:nvGrpSpPr>
+      <p:grpSpPr>
+        <a:xfrm>
+          <a:off x="0" y="0"/>
+          <a:ext cx="0" cy="0"/>
+          <a:chOff x="0" y="0"/>
+          <a:chExt cx="0" cy="0"/>
+        </a:xfrm>
+      </p:grpSpPr>
+      <p:sp>
+        <p:nvSpPr>
+          <p:cNvPr id="3" name="TextBox 2"/>
+          <p:cNvSpPr txBox="1"/>
+          <p:nvPr/>
+        </p:nvSpPr>
+        <p:spPr>
+          <a:xfrm>
+            <a:off x="3489158" y="2057400"/>
+            <a:ext cx="8049126" cy="1477328"/>
+          </a:xfrm>
+          <a:prstGeom prst="rect">
+            <a:avLst/>
+          </a:prstGeom>
+          <a:noFill/>
+        </p:spPr>
+        <p:txBody>
+          <a:bodyPr wrap="square" rtlCol="0">
+            <a:spAutoFit/>
+          </a:bodyPr>
+          <a:lstStyle/>
+          <a:p>
+            <a:r>
+              <a:rPr lang="en-US" dirty="0" err="1"/>
+              <a:t>a</a:t>
+            </a:r>
+            <a:r>
+              <a:rPr lang="en-US" dirty="0" err="1" smtClean="0"/>
+              <a:t>stropath</a:t>
+            </a:r>
+            <a:endParaRPr lang="en-US" dirty="0" smtClean="0"/>
+          </a:p>
+          <a:p>
+            <a:r>
+              <a:rPr lang="en-US" dirty="0"/>
+              <a:t>	</a:t>
+            </a:r>
+            <a:r>
+              <a:rPr lang="en-US" dirty="0" smtClean="0"/>
+              <a:t>- workflows (i.e. scans, </a:t>
+            </a:r>
+            <a:r>
+              <a:rPr lang="en-US" dirty="0" err="1" smtClean="0"/>
+              <a:t>hpfs</a:t>
+            </a:r>
+            <a:r>
+              <a:rPr lang="en-US" dirty="0" smtClean="0"/>
+              <a:t>, slides, samples)</a:t>
+            </a:r>
+          </a:p>
+          <a:p>
+            <a:r>
+              <a:rPr lang="en-US" dirty="0" smtClean="0"/>
+              <a:t>	</a:t>
+            </a:r>
+            <a:r>
+              <a:rPr lang="en-US" dirty="0"/>
+              <a:t>	</a:t>
+            </a:r>
+            <a:r>
+              <a:rPr lang="en-US" dirty="0" smtClean="0"/>
+              <a:t>- modules (i.e. flatfield, warping, </a:t>
+            </a:r>
+            <a:r>
+              <a:rPr lang="en-US" dirty="0" err="1" smtClean="0"/>
+              <a:t>imagecorrection</a:t>
+            </a:r>
+            <a:r>
+              <a:rPr lang="en-US" dirty="0" smtClean="0"/>
+              <a:t>, </a:t>
+            </a:r>
+            <a:r>
+              <a:rPr lang="en-US" dirty="0" err="1" smtClean="0"/>
+              <a:t>vminform</a:t>
+            </a:r>
+            <a:r>
+              <a:rPr lang="en-US" dirty="0" smtClean="0"/>
+              <a:t>)</a:t>
+            </a:r>
+          </a:p>
+          <a:p>
+            <a:r>
+              <a:rPr lang="en-US" dirty="0"/>
+              <a:t>	</a:t>
+            </a:r>
+            <a:r>
+              <a:rPr lang="en-US" dirty="0" smtClean="0"/>
+              <a:t>		- code </a:t>
+            </a:r>
+          </a:p>
+          <a:p>
+            <a:r>
+              <a:rPr lang="en-US" dirty="0"/>
+              <a:t>	</a:t>
+            </a:r>
+            <a:r>
+              <a:rPr lang="en-US" dirty="0" smtClean="0"/>
+              <a:t>- tools ( i.e. Utilities, Shared)</a:t>
+            </a:r>
+          </a:p>
+        </p:txBody>
+      </p:sp>
+    </p:spTree>
+    <p:extLst>
+      <p:ext uri="{BB962C8B-B14F-4D97-AF65-F5344CB8AC3E}">
+        <p14:creationId xmlns:p14="http://schemas.microsoft.com/office/powerpoint/2010/main" val="2752466965"/>
+      </p:ext>
+    </p:extLst>
+  </p:cSld>
+  <p:clrMapOvr>
+    <a:masterClrMapping/>
+  </p:clrMapOvr>
+</p:sld>
+</file>
+
+<file path=ppt/slides/slide4.xml><?xml version="1.0" encoding="utf-8"?>
+<p:sld xmlns:a="http://schemas.openxmlformats.org/drawingml/2006/main" xmlns:r="http://schemas.openxmlformats.org/officeDocument/2006/relationships" xmlns:p="http://schemas.openxmlformats.org/presentationml/2006/main">
+  <p:cSld>
+    <p:spTree>
+      <p:nvGrpSpPr>
+        <p:cNvPr id="1" name=""/>
+        <p:cNvGrpSpPr/>
+        <p:nvPr/>
+      </p:nvGrpSpPr>
+      <p:grpSpPr>
+        <a:xfrm>
+          <a:off x="0" y="0"/>
+          <a:ext cx="0" cy="0"/>
+          <a:chOff x="0" y="0"/>
+          <a:chExt cx="0" cy="0"/>
+        </a:xfrm>
+      </p:grpSpPr>
+    </p:spTree>
+    <p:extLst>
+      <p:ext uri="{BB962C8B-B14F-4D97-AF65-F5344CB8AC3E}">
+        <p14:creationId xmlns:p14="http://schemas.microsoft.com/office/powerpoint/2010/main" val="2436221213"/>
+      </p:ext>
+    </p:extLst>
+  </p:cSld>
+  <p:clrMapOvr>
+    <a:masterClrMapping/>
+  </p:clrMapOvr>
+</p:sld>
+</file>
+
+<file path=ppt/slides/slide5.xml><?xml version="1.0" encoding="utf-8"?>
 <p:sld xmlns:a="http://schemas.openxmlformats.org/drawingml/2006/main" xmlns:r="http://schemas.openxmlformats.org/officeDocument/2006/relationships" xmlns:p="http://schemas.openxmlformats.org/presentationml/2006/main">
   <p:cSld>
     <p:spTree>
